--- a/ban.pptx
+++ b/ban.pptx
@@ -2524,7 +2524,7 @@
           <a:graphicData uri="http://schemas.openxmlformats.org/presentationml/2006/ole">
             <mc:AlternateContent xmlns:mc="http://schemas.openxmlformats.org/markup-compatibility/2006">
               <mc:Choice xmlns:v="urn:schemas-microsoft-com:vml" Requires="v">
-                <p:oleObj spid="_x0000_s1293" name="think-cell Slide" r:id="rId5" imgW="360" imgH="360" progId="TCLayout.ActiveDocument.1">
+                <p:oleObj spid="_x0000_s1297" name="think-cell Slide" r:id="rId5" imgW="360" imgH="360" progId="TCLayout.ActiveDocument.1">
                   <p:embed/>
                 </p:oleObj>
               </mc:Choice>
@@ -3316,7 +3316,12 @@
             <p:ph type="ctrTitle"/>
           </p:nvPr>
         </p:nvSpPr>
-        <p:spPr/>
+        <p:spPr>
+          <a:xfrm>
+            <a:off x="1238250" y="2132856"/>
+            <a:ext cx="7429500" cy="1665139"/>
+          </a:xfrm>
+        </p:spPr>
         <p:txBody>
           <a:bodyPr/>
           <a:lstStyle/>
@@ -3328,10 +3333,46 @@
               </a:rPr>
               <a:t>Born-Again Neural Networks</a:t>
             </a:r>
-            <a:endParaRPr kumimoji="1" lang="ja-JP" altLang="en-US" sz="3200" dirty="0">
-              <a:latin typeface="Arial" panose="020B0604020202020204" pitchFamily="34" charset="0"/>
-              <a:cs typeface="Arial" panose="020B0604020202020204" pitchFamily="34" charset="0"/>
-            </a:endParaRPr>
+            <a:br>
+              <a:rPr kumimoji="1" lang="en-US" altLang="ja-JP" sz="3200" dirty="0">
+                <a:latin typeface="Arial" panose="020B0604020202020204" pitchFamily="34" charset="0"/>
+                <a:cs typeface="Arial" panose="020B0604020202020204" pitchFamily="34" charset="0"/>
+              </a:rPr>
+            </a:br>
+            <a:br>
+              <a:rPr kumimoji="1" lang="en-US" altLang="ja-JP" sz="3200" dirty="0">
+                <a:latin typeface="Arial" panose="020B0604020202020204" pitchFamily="34" charset="0"/>
+                <a:cs typeface="Arial" panose="020B0604020202020204" pitchFamily="34" charset="0"/>
+              </a:rPr>
+            </a:br>
+            <a:r>
+              <a:rPr kumimoji="1" lang="en-US" altLang="ja-JP" sz="2000" dirty="0">
+                <a:latin typeface="Arial" panose="020B0604020202020204" pitchFamily="34" charset="0"/>
+                <a:cs typeface="Arial" panose="020B0604020202020204" pitchFamily="34" charset="0"/>
+              </a:rPr>
+              <a:t>Ridge-</a:t>
+            </a:r>
+            <a:r>
+              <a:rPr kumimoji="1" lang="en-US" altLang="ja-JP" sz="2000" dirty="0" err="1">
+                <a:latin typeface="Arial" panose="020B0604020202020204" pitchFamily="34" charset="0"/>
+                <a:cs typeface="Arial" panose="020B0604020202020204" pitchFamily="34" charset="0"/>
+              </a:rPr>
+              <a:t>i</a:t>
+            </a:r>
+            <a:r>
+              <a:rPr kumimoji="1" lang="en-US" altLang="ja-JP" sz="2000" dirty="0">
+                <a:latin typeface="Arial" panose="020B0604020202020204" pitchFamily="34" charset="0"/>
+                <a:cs typeface="Arial" panose="020B0604020202020204" pitchFamily="34" charset="0"/>
+              </a:rPr>
+              <a:t> </a:t>
+            </a:r>
+            <a:r>
+              <a:rPr kumimoji="1" lang="ja-JP" altLang="en-US" sz="2000" dirty="0">
+                <a:latin typeface="Arial" panose="020B0604020202020204" pitchFamily="34" charset="0"/>
+                <a:cs typeface="Arial" panose="020B0604020202020204" pitchFamily="34" charset="0"/>
+              </a:rPr>
+              <a:t>論文よみかい</a:t>
+            </a:r>
           </a:p>
         </p:txBody>
       </p:sp>
@@ -3351,7 +3392,7 @@
           <a:lstStyle/>
           <a:p>
             <a:r>
-              <a:rPr kumimoji="1" lang="en-US" altLang="ja-JP" dirty="0">
+              <a:rPr kumimoji="1" lang="en-US" altLang="ja-JP" sz="1800" dirty="0">
                 <a:latin typeface="Arial" panose="020B0604020202020204" pitchFamily="34" charset="0"/>
                 <a:cs typeface="Arial" panose="020B0604020202020204" pitchFamily="34" charset="0"/>
               </a:rPr>
@@ -3360,13 +3401,13 @@
           </a:p>
           <a:p>
             <a:r>
-              <a:rPr lang="en-US" altLang="ja-JP" dirty="0">
+              <a:rPr lang="en-US" altLang="ja-JP" sz="1800" dirty="0">
                 <a:latin typeface="Arial" panose="020B0604020202020204" pitchFamily="34" charset="0"/>
                 <a:cs typeface="Arial" panose="020B0604020202020204" pitchFamily="34" charset="0"/>
               </a:rPr>
               <a:t>Masanari Kimura</a:t>
             </a:r>
-            <a:endParaRPr kumimoji="1" lang="ja-JP" altLang="en-US" dirty="0">
+            <a:endParaRPr kumimoji="1" lang="ja-JP" altLang="en-US" sz="1800" dirty="0">
               <a:latin typeface="Arial" panose="020B0604020202020204" pitchFamily="34" charset="0"/>
               <a:cs typeface="Arial" panose="020B0604020202020204" pitchFamily="34" charset="0"/>
             </a:endParaRPr>
@@ -3809,7 +3850,7 @@
         <p:spPr bwMode="auto">
           <a:xfrm>
             <a:off x="457200" y="1506538"/>
-            <a:ext cx="8991600" cy="886397"/>
+            <a:ext cx="8991600" cy="2215991"/>
           </a:xfrm>
           <a:prstGeom prst="rect">
             <a:avLst/>
@@ -3836,26 +3877,30 @@
               <a:buChar char="•"/>
             </a:pPr>
             <a:r>
+              <a:rPr kumimoji="1" lang="ja-JP" altLang="en-US" sz="1800" b="0" dirty="0">
+                <a:latin typeface="+mn-lt"/>
+                <a:ea typeface="+mj-ea"/>
+              </a:rPr>
+              <a:t>教師モデルの知識を生徒モデルへ移す</a:t>
+            </a:r>
+            <a:r>
               <a:rPr kumimoji="1" lang="en-US" altLang="ja-JP" sz="1800" b="0" dirty="0">
                 <a:latin typeface="+mn-lt"/>
                 <a:ea typeface="+mj-ea"/>
               </a:rPr>
-              <a:t>ICML2018</a:t>
+              <a:t>Knowledge Distillation</a:t>
             </a:r>
             <a:r>
               <a:rPr kumimoji="1" lang="ja-JP" altLang="en-US" sz="1800" b="0" dirty="0">
                 <a:latin typeface="+mn-lt"/>
                 <a:ea typeface="+mj-ea"/>
               </a:rPr>
-              <a:t>採択論文</a:t>
-            </a:r>
-            <a:r>
-              <a:rPr kumimoji="1" lang="en-US" altLang="ja-JP" sz="1800" b="0" dirty="0">
-                <a:latin typeface="+mn-lt"/>
-                <a:ea typeface="+mj-ea"/>
-              </a:rPr>
-              <a:t>[1]</a:t>
-            </a:r>
+              <a:t>を同じアーキテクチャ間で行ったところ，教師モデルの性能を上回る生徒モデルの学習に成功したという研究</a:t>
+            </a:r>
+            <a:endParaRPr kumimoji="1" lang="en-US" altLang="ja-JP" sz="1800" b="0" dirty="0">
+              <a:latin typeface="+mn-lt"/>
+              <a:ea typeface="+mj-ea"/>
+            </a:endParaRPr>
           </a:p>
           <a:p>
             <a:pPr marL="285750" indent="-285750" algn="l">
@@ -3865,27 +3910,88 @@
               <a:buFont typeface="Arial" panose="020B0604020202020204" pitchFamily="34" charset="0"/>
               <a:buChar char="•"/>
             </a:pPr>
-            <a:r>
-              <a:rPr kumimoji="1" lang="ja-JP" altLang="en-US" sz="1800" b="0" dirty="0">
-                <a:latin typeface="+mn-lt"/>
-                <a:ea typeface="+mj-ea"/>
+            <a:endParaRPr kumimoji="1" lang="en-US" altLang="ja-JP" sz="1800" b="0" dirty="0">
+              <a:latin typeface="+mn-lt"/>
+              <a:ea typeface="+mj-ea"/>
+            </a:endParaRPr>
+          </a:p>
+          <a:p>
+            <a:pPr marL="285750" indent="-285750">
+              <a:spcBef>
+                <a:spcPct val="20000"/>
+              </a:spcBef>
+              <a:buFont typeface="Arial" panose="020B0604020202020204" pitchFamily="34" charset="0"/>
+              <a:buChar char="•"/>
+            </a:pPr>
+            <a:r>
+              <a:rPr kumimoji="1" lang="en-US" altLang="ja-JP" sz="1800" b="0" dirty="0"/>
+              <a:t>ICML2018</a:t>
+            </a:r>
+            <a:r>
+              <a:rPr kumimoji="1" lang="ja-JP" altLang="en-US" sz="1800" b="0" dirty="0"/>
+              <a:t>採択論文</a:t>
+            </a:r>
+            <a:r>
+              <a:rPr kumimoji="1" lang="en-US" altLang="ja-JP" sz="1800" b="0" dirty="0"/>
+              <a:t>[1]</a:t>
+            </a:r>
+          </a:p>
+          <a:p>
+            <a:pPr marL="742950" lvl="1" indent="-285750">
+              <a:spcBef>
+                <a:spcPct val="20000"/>
+              </a:spcBef>
+              <a:buFont typeface="Arial" panose="020B0604020202020204" pitchFamily="34" charset="0"/>
+              <a:buChar char="•"/>
+            </a:pPr>
+            <a:r>
+              <a:rPr kumimoji="1" lang="en-US" altLang="ja-JP" sz="1800" b="0" dirty="0" err="1"/>
+              <a:t>pmlr</a:t>
+            </a:r>
+            <a:r>
+              <a:rPr kumimoji="1" lang="en-US" altLang="ja-JP" sz="1800" b="0" dirty="0"/>
+              <a:t>: </a:t>
+            </a:r>
+            <a:r>
+              <a:rPr kumimoji="1" lang="en-US" altLang="ja-JP" sz="1800" b="0" dirty="0">
+                <a:hlinkClick r:id="rId3"/>
               </a:rPr>
-              <a:t>教師モデルの知識を生徒モデルへ移す</a:t>
+              <a:t>http://proceedings.mlr.press/v80/furlanello18a/furlanello18a.pdf</a:t>
+            </a:r>
+            <a:endParaRPr kumimoji="1" lang="en-US" altLang="ja-JP" sz="1800" b="0" dirty="0"/>
+          </a:p>
+          <a:p>
+            <a:pPr marL="742950" lvl="1" indent="-285750">
+              <a:spcBef>
+                <a:spcPct val="20000"/>
+              </a:spcBef>
+              <a:buFont typeface="Arial" panose="020B0604020202020204" pitchFamily="34" charset="0"/>
+              <a:buChar char="•"/>
+            </a:pPr>
+            <a:r>
+              <a:rPr kumimoji="1" lang="en-US" altLang="ja-JP" sz="1800" b="0" dirty="0" err="1"/>
+              <a:t>arxiv</a:t>
+            </a:r>
+            <a:r>
+              <a:rPr kumimoji="1" lang="en-US" altLang="ja-JP" sz="1800" b="0" dirty="0"/>
+              <a:t>: </a:t>
             </a:r>
             <a:r>
               <a:rPr kumimoji="1" lang="en-US" altLang="ja-JP" sz="1800" b="0" dirty="0">
-                <a:latin typeface="+mn-lt"/>
-                <a:ea typeface="+mj-ea"/>
+                <a:hlinkClick r:id="rId4"/>
               </a:rPr>
-              <a:t>Knowledge Distillation</a:t>
-            </a:r>
-            <a:r>
-              <a:rPr kumimoji="1" lang="ja-JP" altLang="en-US" sz="1800" b="0" dirty="0">
-                <a:latin typeface="+mn-lt"/>
-                <a:ea typeface="+mj-ea"/>
-              </a:rPr>
-              <a:t>を同じアーキテクチャ間で行ったところ，教師モデルの性能を上回る生徒モデルの学習に成功したという研究</a:t>
-            </a:r>
+              <a:t>https://arxiv.org/pdf/1805.04770.pdf</a:t>
+            </a:r>
+            <a:endParaRPr kumimoji="1" lang="en-US" altLang="ja-JP" sz="1800" b="0" dirty="0"/>
+          </a:p>
+          <a:p>
+            <a:pPr marL="285750" indent="-285750" algn="l">
+              <a:spcBef>
+                <a:spcPct val="20000"/>
+              </a:spcBef>
+              <a:buFont typeface="Arial" panose="020B0604020202020204" pitchFamily="34" charset="0"/>
+              <a:buChar char="•"/>
+            </a:pPr>
             <a:endParaRPr kumimoji="1" lang="en-US" altLang="ja-JP" sz="1800" b="0" dirty="0">
               <a:latin typeface="+mn-lt"/>
               <a:ea typeface="+mj-ea"/>
@@ -7742,7 +7848,7 @@
             <p:spPr bwMode="auto">
               <a:xfrm>
                 <a:off x="457200" y="1506538"/>
-                <a:ext cx="8991600" cy="5244705"/>
+                <a:ext cx="8991600" cy="5577104"/>
               </a:xfrm>
               <a:prstGeom prst="rect">
                 <a:avLst/>
@@ -7781,6 +7887,26 @@
                     <a:ea typeface="+mj-ea"/>
                   </a:rPr>
                   <a:t>では教師モデルと生徒モデルが同じアーキテクチャを持つケースについて取り組む</a:t>
+                </a:r>
+                <a:endParaRPr kumimoji="1" lang="en-US" altLang="ja-JP" sz="1800" b="0" dirty="0">
+                  <a:latin typeface="+mn-lt"/>
+                  <a:ea typeface="+mj-ea"/>
+                </a:endParaRPr>
+              </a:p>
+              <a:p>
+                <a:pPr marL="742950" lvl="1" indent="-285750">
+                  <a:spcBef>
+                    <a:spcPct val="20000"/>
+                  </a:spcBef>
+                  <a:buFont typeface="Arial" panose="020B0604020202020204" pitchFamily="34" charset="0"/>
+                  <a:buChar char="•"/>
+                </a:pPr>
+                <a:r>
+                  <a:rPr kumimoji="1" lang="ja-JP" altLang="en-US" sz="1800" b="0" dirty="0">
+                    <a:latin typeface="+mn-lt"/>
+                    <a:ea typeface="+mj-ea"/>
+                  </a:rPr>
+                  <a:t>同じアーキテクチャ間で知識蒸留を行うとどうなる？</a:t>
                 </a:r>
                 <a:endParaRPr kumimoji="1" lang="en-US" altLang="ja-JP" sz="1800" b="0" dirty="0">
                   <a:latin typeface="+mn-lt"/>
@@ -8475,7 +8601,7 @@
             <p:spPr bwMode="auto">
               <a:xfrm>
                 <a:off x="457200" y="1506538"/>
-                <a:ext cx="8991600" cy="5244705"/>
+                <a:ext cx="8991600" cy="5577104"/>
               </a:xfrm>
               <a:prstGeom prst="rect">
                 <a:avLst/>
@@ -8483,7 +8609,7 @@
               <a:blipFill>
                 <a:blip r:embed="rId3"/>
                 <a:stretch>
-                  <a:fillRect l="-1695" t="-1691"/>
+                  <a:fillRect l="-1695" t="-1591"/>
                 </a:stretch>
               </a:blipFill>
               <a:ln w="9525" algn="ctr">
@@ -9086,7 +9212,7 @@
         <p:spPr bwMode="auto">
           <a:xfrm>
             <a:off x="457200" y="1506538"/>
-            <a:ext cx="8991600" cy="609398"/>
+            <a:ext cx="8991600" cy="1274195"/>
           </a:xfrm>
           <a:prstGeom prst="rect">
             <a:avLst/>
@@ -9139,6 +9265,63 @@
               <a:latin typeface="+mn-lt"/>
               <a:ea typeface="+mj-ea"/>
             </a:endParaRPr>
+          </a:p>
+          <a:p>
+            <a:pPr marL="742950" lvl="1" indent="-285750">
+              <a:spcBef>
+                <a:spcPct val="20000"/>
+              </a:spcBef>
+              <a:buFont typeface="Arial" panose="020B0604020202020204" pitchFamily="34" charset="0"/>
+              <a:buChar char="•"/>
+            </a:pPr>
+            <a:r>
+              <a:rPr kumimoji="1" lang="en-US" altLang="ja-JP" sz="1800" b="0" dirty="0">
+                <a:latin typeface="+mn-lt"/>
+                <a:ea typeface="+mj-ea"/>
+              </a:rPr>
+              <a:t>CIFAR-10</a:t>
+            </a:r>
+            <a:r>
+              <a:rPr kumimoji="1" lang="ja-JP" altLang="en-US" sz="1800" b="0" dirty="0">
+                <a:latin typeface="+mn-lt"/>
+                <a:ea typeface="+mj-ea"/>
+              </a:rPr>
+              <a:t>では精度が上がらなかった条件でも精度が向上している</a:t>
+            </a:r>
+            <a:endParaRPr kumimoji="1" lang="en-US" altLang="ja-JP" sz="1800" b="0" dirty="0">
+              <a:latin typeface="+mn-lt"/>
+              <a:ea typeface="+mj-ea"/>
+            </a:endParaRPr>
+          </a:p>
+          <a:p>
+            <a:pPr marL="1200150" lvl="2" indent="-285750">
+              <a:spcBef>
+                <a:spcPct val="20000"/>
+              </a:spcBef>
+              <a:buFont typeface="Arial" panose="020B0604020202020204" pitchFamily="34" charset="0"/>
+              <a:buChar char="•"/>
+            </a:pPr>
+            <a:r>
+              <a:rPr kumimoji="1" lang="en-US" altLang="ja-JP" sz="1800" b="0" dirty="0">
+                <a:latin typeface="+mn-lt"/>
+                <a:ea typeface="+mj-ea"/>
+              </a:rPr>
+              <a:t>(</a:t>
+            </a:r>
+            <a:r>
+              <a:rPr kumimoji="1" lang="ja-JP" altLang="en-US" sz="1800" b="0" dirty="0">
+                <a:latin typeface="+mn-lt"/>
+                <a:ea typeface="+mj-ea"/>
+              </a:rPr>
+              <a:t>タスクの難易度による？</a:t>
+            </a:r>
+            <a:r>
+              <a:rPr kumimoji="1" lang="en-US" altLang="ja-JP" sz="1800" b="0" dirty="0">
+                <a:latin typeface="+mn-lt"/>
+                <a:ea typeface="+mj-ea"/>
+              </a:rPr>
+              <a:t>)</a:t>
+            </a:r>
           </a:p>
         </p:txBody>
       </p:sp>
@@ -9200,7 +9383,7 @@
         </p:blipFill>
         <p:spPr>
           <a:xfrm>
-            <a:off x="128464" y="3068960"/>
+            <a:off x="136796" y="3569577"/>
             <a:ext cx="9632407" cy="1447780"/>
           </a:xfrm>
           <a:prstGeom prst="rect">

--- a/ban.pptx
+++ b/ban.pptx
@@ -6,10 +6,10 @@
     <p:sldMasterId id="2147484155" r:id="rId2"/>
   </p:sldMasterIdLst>
   <p:notesMasterIdLst>
-    <p:notesMasterId r:id="rId14"/>
+    <p:notesMasterId r:id="rId15"/>
   </p:notesMasterIdLst>
   <p:handoutMasterIdLst>
-    <p:handoutMasterId r:id="rId15"/>
+    <p:handoutMasterId r:id="rId16"/>
   </p:handoutMasterIdLst>
   <p:sldIdLst>
     <p:sldId id="424" r:id="rId3"/>
@@ -18,16 +18,17 @@
     <p:sldId id="430" r:id="rId6"/>
     <p:sldId id="426" r:id="rId7"/>
     <p:sldId id="431" r:id="rId8"/>
-    <p:sldId id="427" r:id="rId9"/>
-    <p:sldId id="432" r:id="rId10"/>
-    <p:sldId id="433" r:id="rId11"/>
-    <p:sldId id="428" r:id="rId12"/>
-    <p:sldId id="429" r:id="rId13"/>
+    <p:sldId id="434" r:id="rId9"/>
+    <p:sldId id="427" r:id="rId10"/>
+    <p:sldId id="432" r:id="rId11"/>
+    <p:sldId id="433" r:id="rId12"/>
+    <p:sldId id="428" r:id="rId13"/>
+    <p:sldId id="429" r:id="rId14"/>
   </p:sldIdLst>
   <p:sldSz cx="9906000" cy="6858000" type="A4"/>
   <p:notesSz cx="9866313" cy="6735763"/>
   <p:custDataLst>
-    <p:tags r:id="rId16"/>
+    <p:tags r:id="rId17"/>
   </p:custDataLst>
   <p:defaultTextStyle>
     <a:defPPr>
@@ -898,6 +899,107 @@
     </p:spTree>
     <p:extLst>
       <p:ext uri="{BB962C8B-B14F-4D97-AF65-F5344CB8AC3E}">
+        <p14:creationId xmlns:p14="http://schemas.microsoft.com/office/powerpoint/2010/main" val="2419056227"/>
+      </p:ext>
+    </p:extLst>
+  </p:cSld>
+  <p:clrMapOvr>
+    <a:masterClrMapping/>
+  </p:clrMapOvr>
+</p:notes>
+</file>
+
+<file path=ppt/notesSlides/notesSlide11.xml><?xml version="1.0" encoding="utf-8"?>
+<p:notes xmlns:a="http://schemas.openxmlformats.org/drawingml/2006/main" xmlns:r="http://schemas.openxmlformats.org/officeDocument/2006/relationships" xmlns:p="http://schemas.openxmlformats.org/presentationml/2006/main">
+  <p:cSld>
+    <p:spTree>
+      <p:nvGrpSpPr>
+        <p:cNvPr id="1" name=""/>
+        <p:cNvGrpSpPr/>
+        <p:nvPr/>
+      </p:nvGrpSpPr>
+      <p:grpSpPr>
+        <a:xfrm>
+          <a:off x="0" y="0"/>
+          <a:ext cx="0" cy="0"/>
+          <a:chOff x="0" y="0"/>
+          <a:chExt cx="0" cy="0"/>
+        </a:xfrm>
+      </p:grpSpPr>
+      <p:sp>
+        <p:nvSpPr>
+          <p:cNvPr id="58370" name="Rectangle 7"/>
+          <p:cNvSpPr>
+            <a:spLocks noGrp="1" noChangeArrowheads="1"/>
+          </p:cNvSpPr>
+          <p:nvPr>
+            <p:ph type="sldNum" sz="quarter" idx="5"/>
+          </p:nvPr>
+        </p:nvSpPr>
+        <p:spPr>
+          <a:noFill/>
+        </p:spPr>
+        <p:txBody>
+          <a:bodyPr/>
+          <a:lstStyle/>
+          <a:p>
+            <a:fld id="{226D22E9-6FA5-41DB-B410-6373CE326308}" type="slidenum">
+              <a:rPr lang="ja-JP" altLang="en-US"/>
+              <a:pPr/>
+              <a:t>12</a:t>
+            </a:fld>
+            <a:endParaRPr lang="en-US" altLang="ja-JP"/>
+          </a:p>
+        </p:txBody>
+      </p:sp>
+      <p:sp>
+        <p:nvSpPr>
+          <p:cNvPr id="58371" name="Rectangle 2"/>
+          <p:cNvSpPr>
+            <a:spLocks noGrp="1" noRot="1" noChangeAspect="1" noChangeArrowheads="1" noTextEdit="1"/>
+          </p:cNvSpPr>
+          <p:nvPr>
+            <p:ph type="sldImg"/>
+          </p:nvPr>
+        </p:nvSpPr>
+        <p:spPr>
+          <a:xfrm>
+            <a:off x="3113088" y="503238"/>
+            <a:ext cx="3651250" cy="2527300"/>
+          </a:xfrm>
+          <a:ln/>
+        </p:spPr>
+      </p:sp>
+      <p:sp>
+        <p:nvSpPr>
+          <p:cNvPr id="58372" name="Rectangle 3"/>
+          <p:cNvSpPr>
+            <a:spLocks noGrp="1" noChangeArrowheads="1"/>
+          </p:cNvSpPr>
+          <p:nvPr>
+            <p:ph type="body" idx="1"/>
+          </p:nvPr>
+        </p:nvSpPr>
+        <p:spPr>
+          <a:xfrm>
+            <a:off x="987324" y="3199515"/>
+            <a:ext cx="7891668" cy="3031685"/>
+          </a:xfrm>
+          <a:noFill/>
+          <a:ln/>
+        </p:spPr>
+        <p:txBody>
+          <a:bodyPr lIns="90439" tIns="45218" rIns="90439" bIns="45218"/>
+          <a:lstStyle/>
+          <a:p>
+            <a:pPr eaLnBrk="1" hangingPunct="1"/>
+            <a:endParaRPr lang="ja-JP" altLang="en-US" b="1"/>
+          </a:p>
+        </p:txBody>
+      </p:sp>
+    </p:spTree>
+    <p:extLst>
+      <p:ext uri="{BB962C8B-B14F-4D97-AF65-F5344CB8AC3E}">
         <p14:creationId xmlns:p14="http://schemas.microsoft.com/office/powerpoint/2010/main" val="3452968254"/>
       </p:ext>
     </p:extLst>
@@ -1399,7 +1501,7 @@
     </p:spTree>
     <p:extLst>
       <p:ext uri="{BB962C8B-B14F-4D97-AF65-F5344CB8AC3E}">
-        <p14:creationId xmlns:p14="http://schemas.microsoft.com/office/powerpoint/2010/main" val="3008874584"/>
+        <p14:creationId xmlns:p14="http://schemas.microsoft.com/office/powerpoint/2010/main" val="583053161"/>
       </p:ext>
     </p:extLst>
   </p:cSld>
@@ -1500,7 +1602,7 @@
     </p:spTree>
     <p:extLst>
       <p:ext uri="{BB962C8B-B14F-4D97-AF65-F5344CB8AC3E}">
-        <p14:creationId xmlns:p14="http://schemas.microsoft.com/office/powerpoint/2010/main" val="4275450488"/>
+        <p14:creationId xmlns:p14="http://schemas.microsoft.com/office/powerpoint/2010/main" val="3008874584"/>
       </p:ext>
     </p:extLst>
   </p:cSld>
@@ -1601,7 +1703,7 @@
     </p:spTree>
     <p:extLst>
       <p:ext uri="{BB962C8B-B14F-4D97-AF65-F5344CB8AC3E}">
-        <p14:creationId xmlns:p14="http://schemas.microsoft.com/office/powerpoint/2010/main" val="467076532"/>
+        <p14:creationId xmlns:p14="http://schemas.microsoft.com/office/powerpoint/2010/main" val="4275450488"/>
       </p:ext>
     </p:extLst>
   </p:cSld>
@@ -1702,7 +1804,7 @@
     </p:spTree>
     <p:extLst>
       <p:ext uri="{BB962C8B-B14F-4D97-AF65-F5344CB8AC3E}">
-        <p14:creationId xmlns:p14="http://schemas.microsoft.com/office/powerpoint/2010/main" val="2419056227"/>
+        <p14:creationId xmlns:p14="http://schemas.microsoft.com/office/powerpoint/2010/main" val="467076532"/>
       </p:ext>
     </p:extLst>
   </p:cSld>
@@ -2524,7 +2626,7 @@
           <a:graphicData uri="http://schemas.openxmlformats.org/presentationml/2006/ole">
             <mc:AlternateContent xmlns:mc="http://schemas.openxmlformats.org/markup-compatibility/2006">
               <mc:Choice xmlns:v="urn:schemas-microsoft-com:vml" Requires="v">
-                <p:oleObj spid="_x0000_s1297" name="think-cell Slide" r:id="rId5" imgW="360" imgH="360" progId="TCLayout.ActiveDocument.1">
+                <p:oleObj spid="_x0000_s1301" name="think-cell Slide" r:id="rId5" imgW="360" imgH="360" progId="TCLayout.ActiveDocument.1">
                   <p:embed/>
                 </p:oleObj>
               </mc:Choice>
@@ -3455,6 +3557,226 @@
         <p:spPr bwMode="auto">
           <a:xfrm>
             <a:off x="457200" y="1506538"/>
+            <a:ext cx="8991600" cy="1274195"/>
+          </a:xfrm>
+          <a:prstGeom prst="rect">
+            <a:avLst/>
+          </a:prstGeom>
+          <a:noFill/>
+          <a:ln w="9525" algn="ctr">
+            <a:noFill/>
+            <a:miter lim="800000"/>
+            <a:headEnd/>
+            <a:tailEnd/>
+          </a:ln>
+        </p:spPr>
+        <p:txBody>
+          <a:bodyPr lIns="0" tIns="0" rIns="0" bIns="0">
+            <a:spAutoFit/>
+          </a:bodyPr>
+          <a:lstStyle/>
+          <a:p>
+            <a:pPr marL="285750" indent="-285750" algn="l">
+              <a:spcBef>
+                <a:spcPct val="20000"/>
+              </a:spcBef>
+              <a:buFont typeface="Arial" panose="020B0604020202020204" pitchFamily="34" charset="0"/>
+              <a:buChar char="•"/>
+            </a:pPr>
+            <a:r>
+              <a:rPr kumimoji="1" lang="en-US" altLang="ja-JP" sz="1800" b="0" dirty="0">
+                <a:latin typeface="+mn-lt"/>
+                <a:ea typeface="+mj-ea"/>
+              </a:rPr>
+              <a:t>CIFAR-100 Image Classification</a:t>
+            </a:r>
+          </a:p>
+          <a:p>
+            <a:pPr marL="742950" lvl="1" indent="-285750">
+              <a:spcBef>
+                <a:spcPct val="20000"/>
+              </a:spcBef>
+              <a:buFont typeface="Arial" panose="020B0604020202020204" pitchFamily="34" charset="0"/>
+              <a:buChar char="•"/>
+            </a:pPr>
+            <a:r>
+              <a:rPr kumimoji="1" lang="ja-JP" altLang="en-US" sz="1800" b="0" dirty="0">
+                <a:latin typeface="+mn-lt"/>
+                <a:ea typeface="+mj-ea"/>
+              </a:rPr>
+              <a:t>複数世代のアンサンブルによる精度向上が大きい</a:t>
+            </a:r>
+            <a:endParaRPr kumimoji="1" lang="en-US" altLang="ja-JP" sz="1800" b="0" dirty="0">
+              <a:latin typeface="+mn-lt"/>
+              <a:ea typeface="+mj-ea"/>
+            </a:endParaRPr>
+          </a:p>
+          <a:p>
+            <a:pPr marL="742950" lvl="1" indent="-285750">
+              <a:spcBef>
+                <a:spcPct val="20000"/>
+              </a:spcBef>
+              <a:buFont typeface="Arial" panose="020B0604020202020204" pitchFamily="34" charset="0"/>
+              <a:buChar char="•"/>
+            </a:pPr>
+            <a:r>
+              <a:rPr kumimoji="1" lang="en-US" altLang="ja-JP" sz="1800" b="0" dirty="0">
+                <a:latin typeface="+mn-lt"/>
+                <a:ea typeface="+mj-ea"/>
+              </a:rPr>
+              <a:t>CIFAR-10</a:t>
+            </a:r>
+            <a:r>
+              <a:rPr kumimoji="1" lang="ja-JP" altLang="en-US" sz="1800" b="0" dirty="0">
+                <a:latin typeface="+mn-lt"/>
+                <a:ea typeface="+mj-ea"/>
+              </a:rPr>
+              <a:t>では精度が上がらなかった条件でも精度が向上している</a:t>
+            </a:r>
+            <a:endParaRPr kumimoji="1" lang="en-US" altLang="ja-JP" sz="1800" b="0" dirty="0">
+              <a:latin typeface="+mn-lt"/>
+              <a:ea typeface="+mj-ea"/>
+            </a:endParaRPr>
+          </a:p>
+          <a:p>
+            <a:pPr marL="1200150" lvl="2" indent="-285750">
+              <a:spcBef>
+                <a:spcPct val="20000"/>
+              </a:spcBef>
+              <a:buFont typeface="Arial" panose="020B0604020202020204" pitchFamily="34" charset="0"/>
+              <a:buChar char="•"/>
+            </a:pPr>
+            <a:r>
+              <a:rPr kumimoji="1" lang="en-US" altLang="ja-JP" sz="1800" b="0" dirty="0">
+                <a:latin typeface="+mn-lt"/>
+                <a:ea typeface="+mj-ea"/>
+              </a:rPr>
+              <a:t>(</a:t>
+            </a:r>
+            <a:r>
+              <a:rPr kumimoji="1" lang="ja-JP" altLang="en-US" sz="1800" b="0" dirty="0">
+                <a:latin typeface="+mn-lt"/>
+                <a:ea typeface="+mj-ea"/>
+              </a:rPr>
+              <a:t>タスクの難易度による？</a:t>
+            </a:r>
+            <a:r>
+              <a:rPr kumimoji="1" lang="en-US" altLang="ja-JP" sz="1800" b="0" dirty="0">
+                <a:latin typeface="+mn-lt"/>
+                <a:ea typeface="+mj-ea"/>
+              </a:rPr>
+              <a:t>)</a:t>
+            </a:r>
+          </a:p>
+        </p:txBody>
+      </p:sp>
+      <p:sp>
+        <p:nvSpPr>
+          <p:cNvPr id="14339" name="Rectangle 3"/>
+          <p:cNvSpPr>
+            <a:spLocks noGrp="1" noChangeArrowheads="1"/>
+          </p:cNvSpPr>
+          <p:nvPr>
+            <p:ph type="title"/>
+          </p:nvPr>
+        </p:nvSpPr>
+        <p:spPr/>
+        <p:txBody>
+          <a:bodyPr/>
+          <a:lstStyle/>
+          <a:p>
+            <a:pPr eaLnBrk="1" hangingPunct="1"/>
+            <a:r>
+              <a:rPr lang="en-US" altLang="ja-JP" sz="2000" b="0" dirty="0">
+                <a:latin typeface="+mn-lt"/>
+                <a:ea typeface="ＭＳ Ｐゴシック" pitchFamily="50" charset="-128"/>
+              </a:rPr>
+              <a:t>Experimental Results</a:t>
+            </a:r>
+            <a:endParaRPr lang="ja-JP" altLang="en-US" sz="2000" b="0" dirty="0">
+              <a:latin typeface="+mn-lt"/>
+              <a:ea typeface="ＭＳ Ｐゴシック" pitchFamily="50" charset="-128"/>
+            </a:endParaRPr>
+          </a:p>
+        </p:txBody>
+      </p:sp>
+      <p:pic>
+        <p:nvPicPr>
+          <p:cNvPr id="6" name="図 5">
+            <a:extLst>
+              <a:ext uri="{FF2B5EF4-FFF2-40B4-BE49-F238E27FC236}">
+                <a16:creationId xmlns:a16="http://schemas.microsoft.com/office/drawing/2014/main" id="{FC34BFF8-D1B8-4941-B331-F26C88BC91AA}"/>
+              </a:ext>
+            </a:extLst>
+          </p:cNvPr>
+          <p:cNvPicPr>
+            <a:picLocks noChangeAspect="1"/>
+          </p:cNvPicPr>
+          <p:nvPr/>
+        </p:nvPicPr>
+        <p:blipFill>
+          <a:blip r:embed="rId3">
+            <a:extLst>
+              <a:ext uri="{28A0092B-C50C-407E-A947-70E740481C1C}">
+                <a14:useLocalDpi xmlns:a14="http://schemas.microsoft.com/office/drawing/2010/main" val="0"/>
+              </a:ext>
+            </a:extLst>
+          </a:blip>
+          <a:stretch>
+            <a:fillRect/>
+          </a:stretch>
+        </p:blipFill>
+        <p:spPr>
+          <a:xfrm>
+            <a:off x="136796" y="3569577"/>
+            <a:ext cx="9632407" cy="1447780"/>
+          </a:xfrm>
+          <a:prstGeom prst="rect">
+            <a:avLst/>
+          </a:prstGeom>
+        </p:spPr>
+      </p:pic>
+    </p:spTree>
+    <p:extLst>
+      <p:ext uri="{BB962C8B-B14F-4D97-AF65-F5344CB8AC3E}">
+        <p14:creationId xmlns:p14="http://schemas.microsoft.com/office/powerpoint/2010/main" val="2930598066"/>
+      </p:ext>
+    </p:extLst>
+  </p:cSld>
+  <p:clrMapOvr>
+    <a:masterClrMapping/>
+  </p:clrMapOvr>
+</p:sld>
+</file>
+
+<file path=ppt/slides/slide11.xml><?xml version="1.0" encoding="utf-8"?>
+<p:sld xmlns:a="http://schemas.openxmlformats.org/drawingml/2006/main" xmlns:r="http://schemas.openxmlformats.org/officeDocument/2006/relationships" xmlns:p="http://schemas.openxmlformats.org/presentationml/2006/main">
+  <p:cSld>
+    <p:spTree>
+      <p:nvGrpSpPr>
+        <p:cNvPr id="1" name=""/>
+        <p:cNvGrpSpPr/>
+        <p:nvPr/>
+      </p:nvGrpSpPr>
+      <p:grpSpPr>
+        <a:xfrm>
+          <a:off x="0" y="0"/>
+          <a:ext cx="0" cy="0"/>
+          <a:chOff x="0" y="0"/>
+          <a:chExt cx="0" cy="0"/>
+        </a:xfrm>
+      </p:grpSpPr>
+      <p:sp>
+        <p:nvSpPr>
+          <p:cNvPr id="14338" name="Rectangle 2"/>
+          <p:cNvSpPr>
+            <a:spLocks noChangeArrowheads="1"/>
+          </p:cNvSpPr>
+          <p:nvPr/>
+        </p:nvSpPr>
+        <p:spPr bwMode="auto">
+          <a:xfrm>
+            <a:off x="457200" y="1506538"/>
             <a:ext cx="8991600" cy="2160591"/>
           </a:xfrm>
           <a:prstGeom prst="rect">
@@ -3632,7 +3954,7 @@
 </p:sld>
 </file>
 
-<file path=ppt/slides/slide11.xml><?xml version="1.0" encoding="utf-8"?>
+<file path=ppt/slides/slide12.xml><?xml version="1.0" encoding="utf-8"?>
 <p:sld xmlns:a="http://schemas.openxmlformats.org/drawingml/2006/main" xmlns:r="http://schemas.openxmlformats.org/officeDocument/2006/relationships" xmlns:p="http://schemas.openxmlformats.org/presentationml/2006/main">
   <p:cSld>
     <p:spTree>
@@ -5107,7 +5429,7 @@
           <a:p>
             <a:pPr algn="ctr"/>
             <a:r>
-              <a:rPr lang="en-US" altLang="ja-JP" sz="1600" b="0" dirty="0">
+              <a:rPr lang="en-US" altLang="ja-JP" sz="1800" b="0" dirty="0">
                 <a:solidFill>
                   <a:schemeClr val="bg1"/>
                 </a:solidFill>
@@ -5115,7 +5437,7 @@
               </a:rPr>
               <a:t>Large Networks</a:t>
             </a:r>
-            <a:endParaRPr lang="ja-JP" altLang="en-US" sz="1600" b="0" dirty="0">
+            <a:endParaRPr lang="ja-JP" altLang="en-US" sz="1800" b="0" dirty="0">
               <a:solidFill>
                 <a:schemeClr val="bg1"/>
               </a:solidFill>
@@ -5158,7 +5480,7 @@
           <a:p>
             <a:pPr algn="ctr"/>
             <a:r>
-              <a:rPr lang="en-US" altLang="ja-JP" sz="1600" b="0" dirty="0">
+              <a:rPr lang="en-US" altLang="ja-JP" sz="1800" b="0" dirty="0">
                 <a:solidFill>
                   <a:schemeClr val="bg1"/>
                 </a:solidFill>
@@ -5166,7 +5488,7 @@
               </a:rPr>
               <a:t>Small Networks</a:t>
             </a:r>
-            <a:endParaRPr lang="ja-JP" altLang="en-US" sz="1600" b="0" dirty="0">
+            <a:endParaRPr lang="ja-JP" altLang="en-US" sz="1800" b="0" dirty="0">
               <a:solidFill>
                 <a:schemeClr val="bg1"/>
               </a:solidFill>
@@ -5271,7 +5593,7 @@
               <a:buChar char="•"/>
             </a:pPr>
             <a:r>
-              <a:rPr kumimoji="1" lang="ja-JP" altLang="en-US" sz="1400" b="0" dirty="0">
+              <a:rPr kumimoji="1" lang="ja-JP" altLang="en-US" sz="1600" b="0" dirty="0">
                 <a:solidFill>
                   <a:srgbClr val="FF0000"/>
                 </a:solidFill>
@@ -5279,7 +5601,7 @@
               </a:rPr>
               <a:t>精度が低い</a:t>
             </a:r>
-            <a:endParaRPr kumimoji="1" lang="en-US" altLang="ja-JP" sz="1400" b="0" dirty="0">
+            <a:endParaRPr kumimoji="1" lang="en-US" altLang="ja-JP" sz="1600" b="0" dirty="0">
               <a:solidFill>
                 <a:srgbClr val="FF0000"/>
               </a:solidFill>
@@ -5298,7 +5620,7 @@
               <a:buChar char="•"/>
             </a:pPr>
             <a:r>
-              <a:rPr kumimoji="1" lang="ja-JP" altLang="en-US" sz="1400" b="0" dirty="0">
+              <a:rPr kumimoji="1" lang="ja-JP" altLang="en-US" sz="1600" b="0" dirty="0">
                 <a:solidFill>
                   <a:srgbClr val="FF0000"/>
                 </a:solidFill>
@@ -5306,7 +5628,7 @@
               </a:rPr>
               <a:t>表現力が低い</a:t>
             </a:r>
-            <a:endParaRPr kumimoji="1" lang="en-US" altLang="ja-JP" sz="1400" b="0" dirty="0">
+            <a:endParaRPr kumimoji="1" lang="en-US" altLang="ja-JP" sz="1600" b="0" dirty="0">
               <a:solidFill>
                 <a:srgbClr val="FF0000"/>
               </a:solidFill>
@@ -5325,7 +5647,7 @@
               <a:buChar char="•"/>
             </a:pPr>
             <a:r>
-              <a:rPr kumimoji="1" lang="ja-JP" altLang="en-US" sz="1400" b="0" dirty="0">
+              <a:rPr kumimoji="1" lang="ja-JP" altLang="en-US" sz="1600" b="0" dirty="0">
                 <a:solidFill>
                   <a:schemeClr val="tx2"/>
                 </a:solidFill>
@@ -5333,7 +5655,7 @@
               </a:rPr>
               <a:t>パラメータ数が少ない</a:t>
             </a:r>
-            <a:endParaRPr kumimoji="1" lang="en-US" altLang="ja-JP" sz="1400" b="0" dirty="0">
+            <a:endParaRPr kumimoji="1" lang="en-US" altLang="ja-JP" sz="1600" b="0" dirty="0">
               <a:solidFill>
                 <a:schemeClr val="tx2"/>
               </a:solidFill>
@@ -5352,7 +5674,7 @@
               <a:buChar char="•"/>
             </a:pPr>
             <a:r>
-              <a:rPr kumimoji="1" lang="ja-JP" altLang="en-US" sz="1400" b="0" dirty="0">
+              <a:rPr kumimoji="1" lang="ja-JP" altLang="en-US" sz="1600" b="0" dirty="0">
                 <a:solidFill>
                   <a:schemeClr val="tx2"/>
                 </a:solidFill>
@@ -5360,7 +5682,7 @@
               </a:rPr>
               <a:t>計算量が小さい</a:t>
             </a:r>
-            <a:endParaRPr kumimoji="1" lang="en-US" altLang="ja-JP" sz="1400" b="0" dirty="0">
+            <a:endParaRPr kumimoji="1" lang="en-US" altLang="ja-JP" sz="1600" b="0" dirty="0">
               <a:solidFill>
                 <a:schemeClr val="tx2"/>
               </a:solidFill>
@@ -5416,7 +5738,7 @@
               <a:buChar char="•"/>
             </a:pPr>
             <a:r>
-              <a:rPr kumimoji="1" lang="ja-JP" altLang="en-US" sz="1400" b="0" dirty="0">
+              <a:rPr kumimoji="1" lang="ja-JP" altLang="en-US" sz="1600" b="0" dirty="0">
                 <a:solidFill>
                   <a:srgbClr val="FF0000"/>
                 </a:solidFill>
@@ -5424,7 +5746,7 @@
               </a:rPr>
               <a:t>精度が高い</a:t>
             </a:r>
-            <a:endParaRPr kumimoji="1" lang="en-US" altLang="ja-JP" sz="1400" b="0" dirty="0">
+            <a:endParaRPr kumimoji="1" lang="en-US" altLang="ja-JP" sz="1600" b="0" dirty="0">
               <a:solidFill>
                 <a:srgbClr val="FF0000"/>
               </a:solidFill>
@@ -5443,7 +5765,7 @@
               <a:buChar char="•"/>
             </a:pPr>
             <a:r>
-              <a:rPr kumimoji="1" lang="ja-JP" altLang="en-US" sz="1400" b="0" dirty="0">
+              <a:rPr kumimoji="1" lang="ja-JP" altLang="en-US" sz="1600" b="0" dirty="0">
                 <a:solidFill>
                   <a:srgbClr val="FF0000"/>
                 </a:solidFill>
@@ -5451,7 +5773,7 @@
               </a:rPr>
               <a:t>表現力が高い</a:t>
             </a:r>
-            <a:endParaRPr kumimoji="1" lang="en-US" altLang="ja-JP" sz="1400" b="0" dirty="0">
+            <a:endParaRPr kumimoji="1" lang="en-US" altLang="ja-JP" sz="1600" b="0" dirty="0">
               <a:solidFill>
                 <a:srgbClr val="FF0000"/>
               </a:solidFill>
@@ -5470,7 +5792,7 @@
               <a:buChar char="•"/>
             </a:pPr>
             <a:r>
-              <a:rPr kumimoji="1" lang="ja-JP" altLang="en-US" sz="1400" b="0" dirty="0">
+              <a:rPr kumimoji="1" lang="ja-JP" altLang="en-US" sz="1600" b="0" dirty="0">
                 <a:solidFill>
                   <a:schemeClr val="tx2"/>
                 </a:solidFill>
@@ -5478,7 +5800,7 @@
               </a:rPr>
               <a:t>パラメータ数が多い</a:t>
             </a:r>
-            <a:endParaRPr kumimoji="1" lang="en-US" altLang="ja-JP" sz="1400" b="0" dirty="0">
+            <a:endParaRPr kumimoji="1" lang="en-US" altLang="ja-JP" sz="1600" b="0" dirty="0">
               <a:solidFill>
                 <a:schemeClr val="tx2"/>
               </a:solidFill>
@@ -5497,7 +5819,7 @@
               <a:buChar char="•"/>
             </a:pPr>
             <a:r>
-              <a:rPr kumimoji="1" lang="ja-JP" altLang="en-US" sz="1400" b="0" dirty="0">
+              <a:rPr kumimoji="1" lang="ja-JP" altLang="en-US" sz="1600" b="0" dirty="0">
                 <a:solidFill>
                   <a:schemeClr val="tx2"/>
                 </a:solidFill>
@@ -5505,7 +5827,7 @@
               </a:rPr>
               <a:t>計算量が大きい</a:t>
             </a:r>
-            <a:endParaRPr kumimoji="1" lang="en-US" altLang="ja-JP" sz="1400" b="0" dirty="0">
+            <a:endParaRPr kumimoji="1" lang="en-US" altLang="ja-JP" sz="1600" b="0" dirty="0">
               <a:solidFill>
                 <a:schemeClr val="tx2"/>
               </a:solidFill>
@@ -7848,7 +8170,7 @@
             <p:spPr bwMode="auto">
               <a:xfrm>
                 <a:off x="457200" y="1506538"/>
-                <a:ext cx="8991600" cy="5577104"/>
+                <a:ext cx="8991600" cy="3758401"/>
               </a:xfrm>
               <a:prstGeom prst="rect">
                 <a:avLst/>
@@ -7925,23 +8247,6 @@
                   <a:latin typeface="+mn-lt"/>
                   <a:ea typeface="+mj-ea"/>
                 </a:endParaRPr>
-              </a:p>
-              <a:p>
-                <a:pPr algn="l">
-                  <a:spcBef>
-                    <a:spcPct val="20000"/>
-                  </a:spcBef>
-                </a:pPr>
-                <a:r>
-                  <a:rPr kumimoji="1" lang="en-US" altLang="ja-JP" sz="2000" dirty="0">
-                    <a:solidFill>
-                      <a:schemeClr val="tx2"/>
-                    </a:solidFill>
-                    <a:latin typeface="+mn-lt"/>
-                    <a:ea typeface="+mj-ea"/>
-                  </a:rPr>
-                  <a:t>Born-Again Network Ensembles(BANE)</a:t>
-                </a:r>
               </a:p>
               <a:p>
                 <a:pPr marL="285750" indent="-285750" algn="l">
@@ -8297,32 +8602,10 @@
                 </a:endParaRPr>
               </a:p>
               <a:p>
-                <a:pPr marL="285750" indent="-285750" algn="l">
+                <a:pPr algn="l">
                   <a:spcBef>
                     <a:spcPct val="20000"/>
                   </a:spcBef>
-                  <a:buFont typeface="Arial" panose="020B0604020202020204" pitchFamily="34" charset="0"/>
-                  <a:buChar char="•"/>
-                </a:pPr>
-                <a:r>
-                  <a:rPr kumimoji="1" lang="ja-JP" altLang="en-US" sz="1800" b="0" dirty="0">
-                    <a:latin typeface="+mn-lt"/>
-                    <a:ea typeface="+mj-ea"/>
-                  </a:rPr>
-                  <a:t>複数世代の予測の平均化</a:t>
-                </a:r>
-                <a:endParaRPr kumimoji="1" lang="en-US" altLang="ja-JP" sz="1800" b="0" dirty="0">
-                  <a:latin typeface="+mn-lt"/>
-                  <a:ea typeface="+mj-ea"/>
-                </a:endParaRPr>
-              </a:p>
-              <a:p>
-                <a:pPr marL="285750" indent="-285750" algn="l">
-                  <a:spcBef>
-                    <a:spcPct val="20000"/>
-                  </a:spcBef>
-                  <a:buFont typeface="Arial" panose="020B0604020202020204" pitchFamily="34" charset="0"/>
-                  <a:buChar char="•"/>
                 </a:pPr>
                 <a:endParaRPr kumimoji="1" lang="en-US" altLang="ja-JP" sz="1800" b="0" dirty="0">
                   <a:latin typeface="+mn-lt"/>
@@ -8331,6 +8614,438 @@
               </a:p>
               <a:p>
                 <a:pPr algn="l">
+                  <a:spcBef>
+                    <a:spcPct val="20000"/>
+                  </a:spcBef>
+                </a:pPr>
+                <a:endParaRPr kumimoji="1" lang="en-US" altLang="ja-JP" sz="1800" b="0" dirty="0">
+                  <a:latin typeface="+mn-lt"/>
+                  <a:ea typeface="+mj-ea"/>
+                </a:endParaRPr>
+              </a:p>
+              <a:p>
+                <a:pPr algn="l">
+                  <a:spcBef>
+                    <a:spcPct val="20000"/>
+                  </a:spcBef>
+                </a:pPr>
+                <a:endParaRPr kumimoji="1" lang="en-US" altLang="ja-JP" sz="1800" b="0" dirty="0">
+                  <a:latin typeface="+mn-lt"/>
+                  <a:ea typeface="+mj-ea"/>
+                </a:endParaRPr>
+              </a:p>
+              <a:p>
+                <a:pPr algn="l">
+                  <a:spcBef>
+                    <a:spcPct val="20000"/>
+                  </a:spcBef>
+                </a:pPr>
+                <a:endParaRPr kumimoji="1" lang="en-US" altLang="ja-JP" sz="1800" b="0" dirty="0">
+                  <a:latin typeface="+mn-lt"/>
+                  <a:ea typeface="+mj-ea"/>
+                </a:endParaRPr>
+              </a:p>
+            </p:txBody>
+          </p:sp>
+        </mc:Choice>
+        <mc:Fallback>
+          <p:sp>
+            <p:nvSpPr>
+              <p:cNvPr id="14338" name="Rectangle 2"/>
+              <p:cNvSpPr>
+                <a:spLocks noRot="1" noChangeAspect="1" noMove="1" noResize="1" noEditPoints="1" noAdjustHandles="1" noChangeArrowheads="1" noChangeShapeType="1" noTextEdit="1"/>
+              </p:cNvSpPr>
+              <p:nvPr/>
+            </p:nvSpPr>
+            <p:spPr bwMode="auto">
+              <a:xfrm>
+                <a:off x="457200" y="1506538"/>
+                <a:ext cx="8991600" cy="3758401"/>
+              </a:xfrm>
+              <a:prstGeom prst="rect">
+                <a:avLst/>
+              </a:prstGeom>
+              <a:blipFill>
+                <a:blip r:embed="rId3"/>
+                <a:stretch>
+                  <a:fillRect l="-1554" t="-2357"/>
+                </a:stretch>
+              </a:blipFill>
+              <a:ln w="9525" algn="ctr">
+                <a:noFill/>
+                <a:miter lim="800000"/>
+                <a:headEnd/>
+                <a:tailEnd/>
+              </a:ln>
+            </p:spPr>
+            <p:txBody>
+              <a:bodyPr/>
+              <a:lstStyle/>
+              <a:p>
+                <a:r>
+                  <a:rPr lang="ja-JP" altLang="en-US">
+                    <a:noFill/>
+                  </a:rPr>
+                  <a:t> </a:t>
+                </a:r>
+              </a:p>
+            </p:txBody>
+          </p:sp>
+        </mc:Fallback>
+      </mc:AlternateContent>
+      <p:sp>
+        <p:nvSpPr>
+          <p:cNvPr id="14339" name="Rectangle 3"/>
+          <p:cNvSpPr>
+            <a:spLocks noGrp="1" noChangeArrowheads="1"/>
+          </p:cNvSpPr>
+          <p:nvPr>
+            <p:ph type="title"/>
+          </p:nvPr>
+        </p:nvSpPr>
+        <p:spPr/>
+        <p:txBody>
+          <a:bodyPr/>
+          <a:lstStyle/>
+          <a:p>
+            <a:pPr eaLnBrk="1" hangingPunct="1"/>
+            <a:r>
+              <a:rPr lang="en-US" altLang="ja-JP" sz="2000" b="0" dirty="0">
+                <a:latin typeface="+mn-lt"/>
+                <a:ea typeface="ＭＳ Ｐゴシック" pitchFamily="50" charset="-128"/>
+              </a:rPr>
+              <a:t>Born-Again Neural Networks (BAN)</a:t>
+            </a:r>
+            <a:endParaRPr lang="ja-JP" altLang="en-US" sz="2000" b="0" dirty="0">
+              <a:latin typeface="+mn-lt"/>
+              <a:ea typeface="ＭＳ Ｐゴシック" pitchFamily="50" charset="-128"/>
+            </a:endParaRPr>
+          </a:p>
+        </p:txBody>
+      </p:sp>
+      <p:sp>
+        <p:nvSpPr>
+          <p:cNvPr id="6" name="右中かっこ 5">
+            <a:extLst>
+              <a:ext uri="{FF2B5EF4-FFF2-40B4-BE49-F238E27FC236}">
+                <a16:creationId xmlns:a16="http://schemas.microsoft.com/office/drawing/2014/main" id="{3EFB6358-6093-AC44-8BC9-1AFC8B8DB7B4}"/>
+              </a:ext>
+            </a:extLst>
+          </p:cNvPr>
+          <p:cNvSpPr/>
+          <p:nvPr/>
+        </p:nvSpPr>
+        <p:spPr>
+          <a:xfrm rot="5400000">
+            <a:off x="4304928" y="2492896"/>
+            <a:ext cx="432047" cy="2880320"/>
+          </a:xfrm>
+          <a:prstGeom prst="rightBrace">
+            <a:avLst>
+              <a:gd name="adj1" fmla="val 8333"/>
+              <a:gd name="adj2" fmla="val 49652"/>
+            </a:avLst>
+          </a:prstGeom>
+          <a:ln w="28575">
+            <a:solidFill>
+              <a:schemeClr val="accent3"/>
+            </a:solidFill>
+          </a:ln>
+          <a:effectLst/>
+        </p:spPr>
+        <p:style>
+          <a:lnRef idx="1">
+            <a:schemeClr val="accent1"/>
+          </a:lnRef>
+          <a:fillRef idx="0">
+            <a:schemeClr val="accent1"/>
+          </a:fillRef>
+          <a:effectRef idx="0">
+            <a:schemeClr val="accent1"/>
+          </a:effectRef>
+          <a:fontRef idx="minor">
+            <a:schemeClr val="tx1"/>
+          </a:fontRef>
+        </p:style>
+        <p:txBody>
+          <a:bodyPr rtlCol="0" anchor="ctr"/>
+          <a:lstStyle/>
+          <a:p>
+            <a:pPr algn="ctr"/>
+            <a:endParaRPr kumimoji="1" lang="ja-JP" altLang="en-US"/>
+          </a:p>
+        </p:txBody>
+      </p:sp>
+      <p:sp>
+        <p:nvSpPr>
+          <p:cNvPr id="9" name="右中かっこ 8">
+            <a:extLst>
+              <a:ext uri="{FF2B5EF4-FFF2-40B4-BE49-F238E27FC236}">
+                <a16:creationId xmlns:a16="http://schemas.microsoft.com/office/drawing/2014/main" id="{9D9E2F4A-5D8B-E24F-94EE-ED3E4987AA51}"/>
+              </a:ext>
+            </a:extLst>
+          </p:cNvPr>
+          <p:cNvSpPr/>
+          <p:nvPr/>
+        </p:nvSpPr>
+        <p:spPr>
+          <a:xfrm rot="5400000">
+            <a:off x="6429164" y="3537012"/>
+            <a:ext cx="432048" cy="792088"/>
+          </a:xfrm>
+          <a:prstGeom prst="rightBrace">
+            <a:avLst>
+              <a:gd name="adj1" fmla="val 8333"/>
+              <a:gd name="adj2" fmla="val 49652"/>
+            </a:avLst>
+          </a:prstGeom>
+          <a:ln w="28575">
+            <a:solidFill>
+              <a:schemeClr val="accent3"/>
+            </a:solidFill>
+          </a:ln>
+          <a:effectLst/>
+        </p:spPr>
+        <p:style>
+          <a:lnRef idx="1">
+            <a:schemeClr val="accent1"/>
+          </a:lnRef>
+          <a:fillRef idx="0">
+            <a:schemeClr val="accent1"/>
+          </a:fillRef>
+          <a:effectRef idx="0">
+            <a:schemeClr val="accent1"/>
+          </a:effectRef>
+          <a:fontRef idx="minor">
+            <a:schemeClr val="tx1"/>
+          </a:fontRef>
+        </p:style>
+        <p:txBody>
+          <a:bodyPr rtlCol="0" anchor="ctr"/>
+          <a:lstStyle/>
+          <a:p>
+            <a:pPr algn="ctr"/>
+            <a:endParaRPr kumimoji="1" lang="ja-JP" altLang="en-US"/>
+          </a:p>
+        </p:txBody>
+      </p:sp>
+      <p:sp>
+        <p:nvSpPr>
+          <p:cNvPr id="7" name="テキスト ボックス 6">
+            <a:extLst>
+              <a:ext uri="{FF2B5EF4-FFF2-40B4-BE49-F238E27FC236}">
+                <a16:creationId xmlns:a16="http://schemas.microsoft.com/office/drawing/2014/main" id="{332CEDA3-D012-4D4D-84E6-8F4A789D0D00}"/>
+              </a:ext>
+            </a:extLst>
+          </p:cNvPr>
+          <p:cNvSpPr txBox="1"/>
+          <p:nvPr/>
+        </p:nvSpPr>
+        <p:spPr>
+          <a:xfrm>
+            <a:off x="3666550" y="4613970"/>
+            <a:ext cx="1708801" cy="186077"/>
+          </a:xfrm>
+          <a:prstGeom prst="rect">
+            <a:avLst/>
+          </a:prstGeom>
+        </p:spPr>
+        <p:txBody>
+          <a:bodyPr wrap="none" lIns="0" tIns="0" rIns="0" bIns="0" rtlCol="0">
+            <a:spAutoFit/>
+          </a:bodyPr>
+          <a:lstStyle/>
+          <a:p>
+            <a:pPr>
+              <a:lnSpc>
+                <a:spcPct val="93000"/>
+              </a:lnSpc>
+              <a:spcBef>
+                <a:spcPts val="0"/>
+              </a:spcBef>
+            </a:pPr>
+            <a:r>
+              <a:rPr kumimoji="1" lang="en-US" altLang="ja-JP" b="0" dirty="0">
+                <a:solidFill>
+                  <a:schemeClr val="accent4"/>
+                </a:solidFill>
+                <a:latin typeface="+mn-lt"/>
+                <a:cs typeface="Arial" pitchFamily="34" charset="0"/>
+              </a:rPr>
+              <a:t>k-1</a:t>
+            </a:r>
+            <a:r>
+              <a:rPr kumimoji="1" lang="ja-JP" altLang="en-US" b="0" dirty="0">
+                <a:solidFill>
+                  <a:schemeClr val="accent4"/>
+                </a:solidFill>
+                <a:latin typeface="+mn-lt"/>
+                <a:cs typeface="Arial" pitchFamily="34" charset="0"/>
+              </a:rPr>
+              <a:t>番目のモデルの出力</a:t>
+            </a:r>
+            <a:endParaRPr kumimoji="1" lang="ja-JP" altLang="en-US" sz="1300" b="0" dirty="0">
+              <a:solidFill>
+                <a:schemeClr val="accent4"/>
+              </a:solidFill>
+              <a:latin typeface="+mn-lt"/>
+              <a:cs typeface="Arial" pitchFamily="34" charset="0"/>
+            </a:endParaRPr>
+          </a:p>
+        </p:txBody>
+      </p:sp>
+      <p:sp>
+        <p:nvSpPr>
+          <p:cNvPr id="11" name="テキスト ボックス 10">
+            <a:extLst>
+              <a:ext uri="{FF2B5EF4-FFF2-40B4-BE49-F238E27FC236}">
+                <a16:creationId xmlns:a16="http://schemas.microsoft.com/office/drawing/2014/main" id="{F9393B38-F146-8A43-A4A8-2D9DA40D6F61}"/>
+              </a:ext>
+            </a:extLst>
+          </p:cNvPr>
+          <p:cNvSpPr txBox="1"/>
+          <p:nvPr/>
+        </p:nvSpPr>
+        <p:spPr>
+          <a:xfrm>
+            <a:off x="5961112" y="4613970"/>
+            <a:ext cx="1559722" cy="186077"/>
+          </a:xfrm>
+          <a:prstGeom prst="rect">
+            <a:avLst/>
+          </a:prstGeom>
+        </p:spPr>
+        <p:txBody>
+          <a:bodyPr wrap="none" lIns="0" tIns="0" rIns="0" bIns="0" rtlCol="0">
+            <a:spAutoFit/>
+          </a:bodyPr>
+          <a:lstStyle/>
+          <a:p>
+            <a:pPr>
+              <a:lnSpc>
+                <a:spcPct val="93000"/>
+              </a:lnSpc>
+              <a:spcBef>
+                <a:spcPts val="0"/>
+              </a:spcBef>
+            </a:pPr>
+            <a:r>
+              <a:rPr kumimoji="1" lang="en-US" altLang="ja-JP" b="0" dirty="0">
+                <a:solidFill>
+                  <a:schemeClr val="accent4"/>
+                </a:solidFill>
+                <a:latin typeface="+mn-lt"/>
+                <a:cs typeface="Arial" pitchFamily="34" charset="0"/>
+              </a:rPr>
+              <a:t>k</a:t>
+            </a:r>
+            <a:r>
+              <a:rPr kumimoji="1" lang="ja-JP" altLang="en-US" b="0" dirty="0">
+                <a:solidFill>
+                  <a:schemeClr val="accent4"/>
+                </a:solidFill>
+                <a:latin typeface="+mn-lt"/>
+                <a:cs typeface="Arial" pitchFamily="34" charset="0"/>
+              </a:rPr>
+              <a:t>番目のモデルの出力</a:t>
+            </a:r>
+            <a:endParaRPr kumimoji="1" lang="ja-JP" altLang="en-US" sz="1300" b="0" dirty="0">
+              <a:solidFill>
+                <a:schemeClr val="accent4"/>
+              </a:solidFill>
+              <a:latin typeface="+mn-lt"/>
+              <a:cs typeface="Arial" pitchFamily="34" charset="0"/>
+            </a:endParaRPr>
+          </a:p>
+        </p:txBody>
+      </p:sp>
+    </p:spTree>
+    <p:extLst>
+      <p:ext uri="{BB962C8B-B14F-4D97-AF65-F5344CB8AC3E}">
+        <p14:creationId xmlns:p14="http://schemas.microsoft.com/office/powerpoint/2010/main" val="3739044868"/>
+      </p:ext>
+    </p:extLst>
+  </p:cSld>
+  <p:clrMapOvr>
+    <a:masterClrMapping/>
+  </p:clrMapOvr>
+</p:sld>
+</file>
+
+<file path=ppt/slides/slide7.xml><?xml version="1.0" encoding="utf-8"?>
+<p:sld xmlns:a="http://schemas.openxmlformats.org/drawingml/2006/main" xmlns:r="http://schemas.openxmlformats.org/officeDocument/2006/relationships" xmlns:p="http://schemas.openxmlformats.org/presentationml/2006/main">
+  <p:cSld>
+    <p:spTree>
+      <p:nvGrpSpPr>
+        <p:cNvPr id="1" name=""/>
+        <p:cNvGrpSpPr/>
+        <p:nvPr/>
+      </p:nvGrpSpPr>
+      <p:grpSpPr>
+        <a:xfrm>
+          <a:off x="0" y="0"/>
+          <a:ext cx="0" cy="0"/>
+          <a:chOff x="0" y="0"/>
+          <a:chExt cx="0" cy="0"/>
+        </a:xfrm>
+      </p:grpSpPr>
+      <mc:AlternateContent xmlns:mc="http://schemas.openxmlformats.org/markup-compatibility/2006">
+        <mc:Choice xmlns:a14="http://schemas.microsoft.com/office/drawing/2010/main" Requires="a14">
+          <p:sp>
+            <p:nvSpPr>
+              <p:cNvPr id="14338" name="Rectangle 2"/>
+              <p:cNvSpPr>
+                <a:spLocks noChangeArrowheads="1"/>
+              </p:cNvSpPr>
+              <p:nvPr/>
+            </p:nvSpPr>
+            <p:spPr bwMode="auto">
+              <a:xfrm>
+                <a:off x="457200" y="1506538"/>
+                <a:ext cx="8991600" cy="3055965"/>
+              </a:xfrm>
+              <a:prstGeom prst="rect">
+                <a:avLst/>
+              </a:prstGeom>
+              <a:noFill/>
+              <a:ln w="9525" algn="ctr">
+                <a:noFill/>
+                <a:miter lim="800000"/>
+                <a:headEnd/>
+                <a:tailEnd/>
+              </a:ln>
+            </p:spPr>
+            <p:txBody>
+              <a:bodyPr lIns="0" tIns="0" rIns="0" bIns="0">
+                <a:spAutoFit/>
+              </a:bodyPr>
+              <a:lstStyle/>
+              <a:p>
+                <a:pPr marL="285750" indent="-285750">
+                  <a:spcBef>
+                    <a:spcPct val="20000"/>
+                  </a:spcBef>
+                  <a:buFont typeface="Arial" panose="020B0604020202020204" pitchFamily="34" charset="0"/>
+                  <a:buChar char="•"/>
+                </a:pPr>
+                <a:r>
+                  <a:rPr kumimoji="1" lang="ja-JP" altLang="en-US" sz="1800" b="0" dirty="0"/>
+                  <a:t>複数世代の予測の平均化によるアンサンブル学習</a:t>
+                </a:r>
+                <a:endParaRPr kumimoji="1" lang="en-US" altLang="ja-JP" sz="1800" b="0" dirty="0"/>
+              </a:p>
+              <a:p>
+                <a:pPr marL="285750" indent="-285750">
+                  <a:spcBef>
+                    <a:spcPct val="20000"/>
+                  </a:spcBef>
+                  <a:buFont typeface="Arial" panose="020B0604020202020204" pitchFamily="34" charset="0"/>
+                  <a:buChar char="•"/>
+                </a:pPr>
+                <a:endParaRPr kumimoji="1" lang="en-US" altLang="ja-JP" sz="1800" b="0" dirty="0"/>
+              </a:p>
+              <a:p>
+                <a:pPr>
                   <a:spcBef>
                     <a:spcPct val="20000"/>
                   </a:spcBef>
@@ -8344,9 +9059,8 @@
                       <m:sSup>
                         <m:sSupPr>
                           <m:ctrlPr>
-                            <a:rPr kumimoji="1" lang="en-US" altLang="ja-JP" sz="1800" b="0" i="0" dirty="0" smtClean="0">
+                            <a:rPr kumimoji="1" lang="en-US" altLang="ja-JP" sz="1800" b="0" i="1" dirty="0">
                               <a:latin typeface="Cambria Math" panose="02040503050406030204" pitchFamily="18" charset="0"/>
-                              <a:ea typeface="+mj-ea"/>
                             </a:rPr>
                           </m:ctrlPr>
                         </m:sSupPr>
@@ -8355,17 +9069,15 @@
                             <m:accPr>
                               <m:chr m:val="̂"/>
                               <m:ctrlPr>
-                                <a:rPr kumimoji="1" lang="en-US" altLang="ja-JP" sz="1800" b="0" i="1" smtClean="0">
+                                <a:rPr kumimoji="1" lang="en-US" altLang="ja-JP" sz="1800" b="0" i="1">
                                   <a:latin typeface="Cambria Math" panose="02040503050406030204" pitchFamily="18" charset="0"/>
-                                  <a:ea typeface="+mj-ea"/>
                                 </a:rPr>
                               </m:ctrlPr>
                             </m:accPr>
                             <m:e>
                               <m:r>
-                                <a:rPr kumimoji="1" lang="en-US" altLang="ja-JP" sz="1800" b="0" i="1" smtClean="0">
+                                <a:rPr kumimoji="1" lang="en-US" altLang="ja-JP" sz="1800" b="0" i="1">
                                   <a:latin typeface="Cambria Math" panose="02040503050406030204" pitchFamily="18" charset="0"/>
-                                  <a:ea typeface="+mj-ea"/>
                                 </a:rPr>
                                 <m:t>𝑓</m:t>
                               </m:r>
@@ -8377,9 +9089,8 @@
                             <m:rPr>
                               <m:sty m:val="p"/>
                             </m:rPr>
-                            <a:rPr kumimoji="1" lang="en-US" altLang="ja-JP" sz="1800" b="0" i="0" dirty="0" smtClean="0">
+                            <a:rPr kumimoji="1" lang="en-US" altLang="ja-JP" sz="1800" b="0" dirty="0">
                               <a:latin typeface="Cambria Math" panose="02040503050406030204" pitchFamily="18" charset="0"/>
-                              <a:ea typeface="+mj-ea"/>
                             </a:rPr>
                             <m:t>k</m:t>
                           </m:r>
@@ -8388,9 +9099,8 @@
                       <m:d>
                         <m:dPr>
                           <m:ctrlPr>
-                            <a:rPr kumimoji="1" lang="en-US" altLang="ja-JP" sz="1800" b="0" i="0" dirty="0" smtClean="0">
+                            <a:rPr kumimoji="1" lang="en-US" altLang="ja-JP" sz="1800" b="0" i="1" dirty="0">
                               <a:latin typeface="Cambria Math" panose="02040503050406030204" pitchFamily="18" charset="0"/>
-                              <a:ea typeface="+mj-ea"/>
                             </a:rPr>
                           </m:ctrlPr>
                         </m:dPr>
@@ -8399,18 +9109,16 @@
                             <m:rPr>
                               <m:sty m:val="p"/>
                             </m:rPr>
-                            <a:rPr kumimoji="1" lang="en-US" altLang="ja-JP" sz="1800" b="0" i="0" dirty="0" smtClean="0">
+                            <a:rPr kumimoji="1" lang="en-US" altLang="ja-JP" sz="1800" b="0" dirty="0">
                               <a:latin typeface="Cambria Math" panose="02040503050406030204" pitchFamily="18" charset="0"/>
-                              <a:ea typeface="+mj-ea"/>
                             </a:rPr>
                             <m:t>x</m:t>
                           </m:r>
                         </m:e>
                       </m:d>
                       <m:r>
-                        <a:rPr kumimoji="1" lang="en-US" altLang="ja-JP" sz="1800" b="0" i="0" dirty="0" smtClean="0">
+                        <a:rPr kumimoji="1" lang="en-US" altLang="ja-JP" sz="1800" b="0" dirty="0">
                           <a:latin typeface="Cambria Math" panose="02040503050406030204" pitchFamily="18" charset="0"/>
-                          <a:ea typeface="+mj-ea"/>
                         </a:rPr>
                         <m:t>=</m:t>
                       </m:r>
@@ -8418,33 +9126,29 @@
                         <m:naryPr>
                           <m:chr m:val="∑"/>
                           <m:ctrlPr>
-                            <a:rPr kumimoji="1" lang="en-US" altLang="ja-JP" sz="1800" b="0" i="1" dirty="0" smtClean="0">
+                            <a:rPr kumimoji="1" lang="en-US" altLang="ja-JP" sz="1800" b="0" i="1" dirty="0">
                               <a:latin typeface="Cambria Math" panose="02040503050406030204" pitchFamily="18" charset="0"/>
-                              <a:ea typeface="+mj-ea"/>
                             </a:rPr>
                           </m:ctrlPr>
                         </m:naryPr>
                         <m:sub>
                           <m:r>
-                            <a:rPr kumimoji="1" lang="en-US" altLang="ja-JP" sz="1800" b="0" i="1" dirty="0" smtClean="0">
+                            <a:rPr kumimoji="1" lang="en-US" altLang="ja-JP" sz="1800" b="0" i="1" dirty="0">
                               <a:latin typeface="Cambria Math" panose="02040503050406030204" pitchFamily="18" charset="0"/>
-                              <a:ea typeface="+mj-ea"/>
                             </a:rPr>
                             <m:t>𝑖</m:t>
                           </m:r>
                           <m:r>
-                            <a:rPr kumimoji="1" lang="en-US" altLang="ja-JP" sz="1800" b="0" i="1" dirty="0" smtClean="0">
+                            <a:rPr kumimoji="1" lang="en-US" altLang="ja-JP" sz="1800" b="0" i="1" dirty="0">
                               <a:latin typeface="Cambria Math" panose="02040503050406030204" pitchFamily="18" charset="0"/>
-                              <a:ea typeface="+mj-ea"/>
                             </a:rPr>
                             <m:t>=1</m:t>
                           </m:r>
                         </m:sub>
                         <m:sup>
                           <m:r>
-                            <a:rPr kumimoji="1" lang="en-US" altLang="ja-JP" sz="1800" b="0" i="1" dirty="0" smtClean="0">
+                            <a:rPr kumimoji="1" lang="en-US" altLang="ja-JP" sz="1800" b="0" i="1" dirty="0">
                               <a:latin typeface="Cambria Math" panose="02040503050406030204" pitchFamily="18" charset="0"/>
-                              <a:ea typeface="+mj-ea"/>
                             </a:rPr>
                             <m:t>𝑘</m:t>
                           </m:r>
@@ -8453,67 +9157,59 @@
                           <m:f>
                             <m:fPr>
                               <m:ctrlPr>
-                                <a:rPr kumimoji="1" lang="en-US" altLang="ja-JP" sz="1800" b="0" i="1" dirty="0" smtClean="0">
+                                <a:rPr kumimoji="1" lang="en-US" altLang="ja-JP" sz="1800" b="0" i="1" dirty="0">
                                   <a:latin typeface="Cambria Math" panose="02040503050406030204" pitchFamily="18" charset="0"/>
-                                  <a:ea typeface="+mj-ea"/>
                                 </a:rPr>
                               </m:ctrlPr>
                             </m:fPr>
                             <m:num>
                               <m:r>
-                                <a:rPr kumimoji="1" lang="en-US" altLang="ja-JP" sz="1800" b="0" i="1" dirty="0" smtClean="0">
+                                <a:rPr kumimoji="1" lang="en-US" altLang="ja-JP" sz="1800" b="0" i="1" dirty="0">
                                   <a:latin typeface="Cambria Math" panose="02040503050406030204" pitchFamily="18" charset="0"/>
-                                  <a:ea typeface="+mj-ea"/>
                                 </a:rPr>
                                 <m:t>𝑓</m:t>
                               </m:r>
                               <m:d>
                                 <m:dPr>
                                   <m:ctrlPr>
-                                    <a:rPr kumimoji="1" lang="en-US" altLang="ja-JP" sz="1800" b="0" i="1" dirty="0" smtClean="0">
+                                    <a:rPr kumimoji="1" lang="en-US" altLang="ja-JP" sz="1800" b="0" i="1" dirty="0">
                                       <a:latin typeface="Cambria Math" panose="02040503050406030204" pitchFamily="18" charset="0"/>
-                                      <a:ea typeface="+mj-ea"/>
                                     </a:rPr>
                                   </m:ctrlPr>
                                 </m:dPr>
                                 <m:e>
                                   <m:r>
-                                    <a:rPr kumimoji="1" lang="en-US" altLang="ja-JP" sz="1800" b="0" i="1" dirty="0" smtClean="0">
+                                    <a:rPr kumimoji="1" lang="en-US" altLang="ja-JP" sz="1800" b="0" i="1" dirty="0">
                                       <a:latin typeface="Cambria Math" panose="02040503050406030204" pitchFamily="18" charset="0"/>
-                                      <a:ea typeface="+mj-ea"/>
                                     </a:rPr>
                                     <m:t>𝑥</m:t>
                                   </m:r>
                                   <m:r>
-                                    <a:rPr kumimoji="1" lang="en-US" altLang="ja-JP" sz="1800" b="0" i="1" dirty="0" smtClean="0">
+                                    <a:rPr kumimoji="1" lang="en-US" altLang="ja-JP" sz="1800" b="0" i="1" dirty="0">
                                       <a:latin typeface="Cambria Math" panose="02040503050406030204" pitchFamily="18" charset="0"/>
-                                      <a:ea typeface="+mj-ea"/>
                                     </a:rPr>
                                     <m:t>, </m:t>
                                   </m:r>
                                   <m:sSub>
                                     <m:sSubPr>
                                       <m:ctrlPr>
-                                        <a:rPr kumimoji="1" lang="en-US" altLang="ja-JP" sz="1800" b="0" i="1" dirty="0" smtClean="0">
+                                        <a:rPr kumimoji="1" lang="en-US" altLang="ja-JP" sz="1800" b="0" i="1" dirty="0">
                                           <a:latin typeface="Cambria Math" panose="02040503050406030204" pitchFamily="18" charset="0"/>
-                                          <a:ea typeface="+mj-ea"/>
                                         </a:rPr>
                                       </m:ctrlPr>
                                     </m:sSubPr>
                                     <m:e>
                                       <m:r>
-                                        <a:rPr kumimoji="1" lang="en-US" altLang="ja-JP" sz="1800" b="0" i="1" dirty="0" smtClean="0">
+                                        <a:rPr kumimoji="1" lang="en-US" altLang="ja-JP" sz="1800" b="0" i="1" dirty="0">
                                           <a:latin typeface="Cambria Math" panose="02040503050406030204" pitchFamily="18" charset="0"/>
-                                          <a:ea typeface="+mj-ea"/>
                                         </a:rPr>
                                         <m:t>𝜃</m:t>
                                       </m:r>
                                     </m:e>
                                     <m:sub>
                                       <m:r>
-                                        <a:rPr kumimoji="1" lang="en-US" altLang="ja-JP" sz="1800" b="0" i="1" dirty="0" smtClean="0">
+                                        <a:rPr kumimoji="1" lang="en-US" altLang="ja-JP" sz="1800" b="0" i="1" dirty="0">
                                           <a:latin typeface="Cambria Math" panose="02040503050406030204" pitchFamily="18" charset="0"/>
-                                          <a:ea typeface="+mj-ea"/>
                                         </a:rPr>
                                         <m:t>𝑖</m:t>
                                       </m:r>
@@ -8524,9 +9220,8 @@
                             </m:num>
                             <m:den>
                               <m:r>
-                                <a:rPr kumimoji="1" lang="en-US" altLang="ja-JP" sz="1800" b="0" i="1" dirty="0" smtClean="0">
+                                <a:rPr kumimoji="1" lang="en-US" altLang="ja-JP" sz="1800" b="0" i="1" dirty="0">
                                   <a:latin typeface="Cambria Math" panose="02040503050406030204" pitchFamily="18" charset="0"/>
-                                  <a:ea typeface="+mj-ea"/>
                                 </a:rPr>
                                 <m:t>𝑘</m:t>
                               </m:r>
@@ -8537,6 +9232,14 @@
                     </m:oMath>
                   </m:oMathPara>
                 </a14:m>
+                <a:endParaRPr kumimoji="1" lang="en-US" altLang="ja-JP" sz="1800" b="0" dirty="0"/>
+              </a:p>
+              <a:p>
+                <a:pPr algn="l">
+                  <a:spcBef>
+                    <a:spcPct val="20000"/>
+                  </a:spcBef>
+                </a:pPr>
                 <a:endParaRPr kumimoji="1" lang="en-US" altLang="ja-JP" sz="1800" b="0" dirty="0">
                   <a:latin typeface="+mn-lt"/>
                   <a:ea typeface="+mj-ea"/>
@@ -8601,7 +9304,7 @@
             <p:spPr bwMode="auto">
               <a:xfrm>
                 <a:off x="457200" y="1506538"/>
-                <a:ext cx="8991600" cy="5577104"/>
+                <a:ext cx="8991600" cy="3055965"/>
               </a:xfrm>
               <a:prstGeom prst="rect">
                 <a:avLst/>
@@ -8609,7 +9312,7 @@
               <a:blipFill>
                 <a:blip r:embed="rId3"/>
                 <a:stretch>
-                  <a:fillRect l="-1695" t="-1591"/>
+                  <a:fillRect l="-1554" t="-8714"/>
                 </a:stretch>
               </a:blipFill>
               <a:ln w="9525" algn="ctr">
@@ -8649,25 +9352,58 @@
           <a:bodyPr/>
           <a:lstStyle/>
           <a:p>
-            <a:pPr eaLnBrk="1" hangingPunct="1"/>
-            <a:r>
-              <a:rPr lang="en-US" altLang="ja-JP" sz="2000" b="0" dirty="0">
-                <a:latin typeface="+mn-lt"/>
-                <a:ea typeface="ＭＳ Ｐゴシック" pitchFamily="50" charset="-128"/>
-              </a:rPr>
-              <a:t>Born-Again Neural Networks (BAN)</a:t>
-            </a:r>
-            <a:endParaRPr lang="ja-JP" altLang="en-US" sz="2000" b="0" dirty="0">
-              <a:latin typeface="+mn-lt"/>
-              <a:ea typeface="ＭＳ Ｐゴシック" pitchFamily="50" charset="-128"/>
-            </a:endParaRPr>
+            <a:pPr>
+              <a:spcBef>
+                <a:spcPct val="20000"/>
+              </a:spcBef>
+            </a:pPr>
+            <a:r>
+              <a:rPr lang="en-US" altLang="ja-JP" dirty="0"/>
+              <a:t>Born-Again Network Ensembles(BANE)</a:t>
+            </a:r>
           </a:p>
         </p:txBody>
       </p:sp>
+      <p:pic>
+        <p:nvPicPr>
+          <p:cNvPr id="3" name="図 2">
+            <a:extLst>
+              <a:ext uri="{FF2B5EF4-FFF2-40B4-BE49-F238E27FC236}">
+                <a16:creationId xmlns:a16="http://schemas.microsoft.com/office/drawing/2014/main" id="{54CD6F16-BC5B-6043-8CA0-4A54F69A9791}"/>
+              </a:ext>
+            </a:extLst>
+          </p:cNvPr>
+          <p:cNvPicPr>
+            <a:picLocks noChangeAspect="1"/>
+          </p:cNvPicPr>
+          <p:nvPr/>
+        </p:nvPicPr>
+        <p:blipFill>
+          <a:blip r:embed="rId4">
+            <a:extLst>
+              <a:ext uri="{28A0092B-C50C-407E-A947-70E740481C1C}">
+                <a14:useLocalDpi xmlns:a14="http://schemas.microsoft.com/office/drawing/2010/main" val="0"/>
+              </a:ext>
+            </a:extLst>
+          </a:blip>
+          <a:stretch>
+            <a:fillRect/>
+          </a:stretch>
+        </p:blipFill>
+        <p:spPr>
+          <a:xfrm>
+            <a:off x="1113761" y="3284984"/>
+            <a:ext cx="7678477" cy="3263067"/>
+          </a:xfrm>
+          <a:prstGeom prst="rect">
+            <a:avLst/>
+          </a:prstGeom>
+        </p:spPr>
+      </p:pic>
     </p:spTree>
     <p:extLst>
       <p:ext uri="{BB962C8B-B14F-4D97-AF65-F5344CB8AC3E}">
-        <p14:creationId xmlns:p14="http://schemas.microsoft.com/office/powerpoint/2010/main" val="3739044868"/>
+        <p14:creationId xmlns:p14="http://schemas.microsoft.com/office/powerpoint/2010/main" val="1032454570"/>
       </p:ext>
     </p:extLst>
   </p:cSld>
@@ -8677,7 +9413,7 @@
 </p:sld>
 </file>
 
-<file path=ppt/slides/slide7.xml><?xml version="1.0" encoding="utf-8"?>
+<file path=ppt/slides/slide8.xml><?xml version="1.0" encoding="utf-8"?>
 <p:sld xmlns:a="http://schemas.openxmlformats.org/drawingml/2006/main" xmlns:r="http://schemas.openxmlformats.org/officeDocument/2006/relationships" xmlns:p="http://schemas.openxmlformats.org/presentationml/2006/main">
   <p:cSld>
     <p:spTree>
@@ -9021,7 +9757,7 @@
 </p:sld>
 </file>
 
-<file path=ppt/slides/slide8.xml><?xml version="1.0" encoding="utf-8"?>
+<file path=ppt/slides/slide9.xml><?xml version="1.0" encoding="utf-8"?>
 <p:sld xmlns:a="http://schemas.openxmlformats.org/drawingml/2006/main" xmlns:r="http://schemas.openxmlformats.org/officeDocument/2006/relationships" xmlns:p="http://schemas.openxmlformats.org/presentationml/2006/main">
   <p:cSld>
     <p:spTree>
@@ -9175,226 +9911,6 @@
     <p:extLst>
       <p:ext uri="{BB962C8B-B14F-4D97-AF65-F5344CB8AC3E}">
         <p14:creationId xmlns:p14="http://schemas.microsoft.com/office/powerpoint/2010/main" val="3886734134"/>
-      </p:ext>
-    </p:extLst>
-  </p:cSld>
-  <p:clrMapOvr>
-    <a:masterClrMapping/>
-  </p:clrMapOvr>
-</p:sld>
-</file>
-
-<file path=ppt/slides/slide9.xml><?xml version="1.0" encoding="utf-8"?>
-<p:sld xmlns:a="http://schemas.openxmlformats.org/drawingml/2006/main" xmlns:r="http://schemas.openxmlformats.org/officeDocument/2006/relationships" xmlns:p="http://schemas.openxmlformats.org/presentationml/2006/main">
-  <p:cSld>
-    <p:spTree>
-      <p:nvGrpSpPr>
-        <p:cNvPr id="1" name=""/>
-        <p:cNvGrpSpPr/>
-        <p:nvPr/>
-      </p:nvGrpSpPr>
-      <p:grpSpPr>
-        <a:xfrm>
-          <a:off x="0" y="0"/>
-          <a:ext cx="0" cy="0"/>
-          <a:chOff x="0" y="0"/>
-          <a:chExt cx="0" cy="0"/>
-        </a:xfrm>
-      </p:grpSpPr>
-      <p:sp>
-        <p:nvSpPr>
-          <p:cNvPr id="14338" name="Rectangle 2"/>
-          <p:cNvSpPr>
-            <a:spLocks noChangeArrowheads="1"/>
-          </p:cNvSpPr>
-          <p:nvPr/>
-        </p:nvSpPr>
-        <p:spPr bwMode="auto">
-          <a:xfrm>
-            <a:off x="457200" y="1506538"/>
-            <a:ext cx="8991600" cy="1274195"/>
-          </a:xfrm>
-          <a:prstGeom prst="rect">
-            <a:avLst/>
-          </a:prstGeom>
-          <a:noFill/>
-          <a:ln w="9525" algn="ctr">
-            <a:noFill/>
-            <a:miter lim="800000"/>
-            <a:headEnd/>
-            <a:tailEnd/>
-          </a:ln>
-        </p:spPr>
-        <p:txBody>
-          <a:bodyPr lIns="0" tIns="0" rIns="0" bIns="0">
-            <a:spAutoFit/>
-          </a:bodyPr>
-          <a:lstStyle/>
-          <a:p>
-            <a:pPr marL="285750" indent="-285750" algn="l">
-              <a:spcBef>
-                <a:spcPct val="20000"/>
-              </a:spcBef>
-              <a:buFont typeface="Arial" panose="020B0604020202020204" pitchFamily="34" charset="0"/>
-              <a:buChar char="•"/>
-            </a:pPr>
-            <a:r>
-              <a:rPr kumimoji="1" lang="en-US" altLang="ja-JP" sz="1800" b="0" dirty="0">
-                <a:latin typeface="+mn-lt"/>
-                <a:ea typeface="+mj-ea"/>
-              </a:rPr>
-              <a:t>CIFAR-100 Image Classification</a:t>
-            </a:r>
-          </a:p>
-          <a:p>
-            <a:pPr marL="742950" lvl="1" indent="-285750">
-              <a:spcBef>
-                <a:spcPct val="20000"/>
-              </a:spcBef>
-              <a:buFont typeface="Arial" panose="020B0604020202020204" pitchFamily="34" charset="0"/>
-              <a:buChar char="•"/>
-            </a:pPr>
-            <a:r>
-              <a:rPr kumimoji="1" lang="ja-JP" altLang="en-US" sz="1800" b="0" dirty="0">
-                <a:latin typeface="+mn-lt"/>
-                <a:ea typeface="+mj-ea"/>
-              </a:rPr>
-              <a:t>複数世代のアンサンブルによる精度向上が大きい</a:t>
-            </a:r>
-            <a:endParaRPr kumimoji="1" lang="en-US" altLang="ja-JP" sz="1800" b="0" dirty="0">
-              <a:latin typeface="+mn-lt"/>
-              <a:ea typeface="+mj-ea"/>
-            </a:endParaRPr>
-          </a:p>
-          <a:p>
-            <a:pPr marL="742950" lvl="1" indent="-285750">
-              <a:spcBef>
-                <a:spcPct val="20000"/>
-              </a:spcBef>
-              <a:buFont typeface="Arial" panose="020B0604020202020204" pitchFamily="34" charset="0"/>
-              <a:buChar char="•"/>
-            </a:pPr>
-            <a:r>
-              <a:rPr kumimoji="1" lang="en-US" altLang="ja-JP" sz="1800" b="0" dirty="0">
-                <a:latin typeface="+mn-lt"/>
-                <a:ea typeface="+mj-ea"/>
-              </a:rPr>
-              <a:t>CIFAR-10</a:t>
-            </a:r>
-            <a:r>
-              <a:rPr kumimoji="1" lang="ja-JP" altLang="en-US" sz="1800" b="0" dirty="0">
-                <a:latin typeface="+mn-lt"/>
-                <a:ea typeface="+mj-ea"/>
-              </a:rPr>
-              <a:t>では精度が上がらなかった条件でも精度が向上している</a:t>
-            </a:r>
-            <a:endParaRPr kumimoji="1" lang="en-US" altLang="ja-JP" sz="1800" b="0" dirty="0">
-              <a:latin typeface="+mn-lt"/>
-              <a:ea typeface="+mj-ea"/>
-            </a:endParaRPr>
-          </a:p>
-          <a:p>
-            <a:pPr marL="1200150" lvl="2" indent="-285750">
-              <a:spcBef>
-                <a:spcPct val="20000"/>
-              </a:spcBef>
-              <a:buFont typeface="Arial" panose="020B0604020202020204" pitchFamily="34" charset="0"/>
-              <a:buChar char="•"/>
-            </a:pPr>
-            <a:r>
-              <a:rPr kumimoji="1" lang="en-US" altLang="ja-JP" sz="1800" b="0" dirty="0">
-                <a:latin typeface="+mn-lt"/>
-                <a:ea typeface="+mj-ea"/>
-              </a:rPr>
-              <a:t>(</a:t>
-            </a:r>
-            <a:r>
-              <a:rPr kumimoji="1" lang="ja-JP" altLang="en-US" sz="1800" b="0" dirty="0">
-                <a:latin typeface="+mn-lt"/>
-                <a:ea typeface="+mj-ea"/>
-              </a:rPr>
-              <a:t>タスクの難易度による？</a:t>
-            </a:r>
-            <a:r>
-              <a:rPr kumimoji="1" lang="en-US" altLang="ja-JP" sz="1800" b="0" dirty="0">
-                <a:latin typeface="+mn-lt"/>
-                <a:ea typeface="+mj-ea"/>
-              </a:rPr>
-              <a:t>)</a:t>
-            </a:r>
-          </a:p>
-        </p:txBody>
-      </p:sp>
-      <p:sp>
-        <p:nvSpPr>
-          <p:cNvPr id="14339" name="Rectangle 3"/>
-          <p:cNvSpPr>
-            <a:spLocks noGrp="1" noChangeArrowheads="1"/>
-          </p:cNvSpPr>
-          <p:nvPr>
-            <p:ph type="title"/>
-          </p:nvPr>
-        </p:nvSpPr>
-        <p:spPr/>
-        <p:txBody>
-          <a:bodyPr/>
-          <a:lstStyle/>
-          <a:p>
-            <a:pPr eaLnBrk="1" hangingPunct="1"/>
-            <a:r>
-              <a:rPr lang="en-US" altLang="ja-JP" sz="2000" b="0" dirty="0">
-                <a:latin typeface="+mn-lt"/>
-                <a:ea typeface="ＭＳ Ｐゴシック" pitchFamily="50" charset="-128"/>
-              </a:rPr>
-              <a:t>Experimental Results</a:t>
-            </a:r>
-            <a:endParaRPr lang="ja-JP" altLang="en-US" sz="2000" b="0" dirty="0">
-              <a:latin typeface="+mn-lt"/>
-              <a:ea typeface="ＭＳ Ｐゴシック" pitchFamily="50" charset="-128"/>
-            </a:endParaRPr>
-          </a:p>
-        </p:txBody>
-      </p:sp>
-      <p:pic>
-        <p:nvPicPr>
-          <p:cNvPr id="6" name="図 5">
-            <a:extLst>
-              <a:ext uri="{FF2B5EF4-FFF2-40B4-BE49-F238E27FC236}">
-                <a16:creationId xmlns:a16="http://schemas.microsoft.com/office/drawing/2014/main" id="{FC34BFF8-D1B8-4941-B331-F26C88BC91AA}"/>
-              </a:ext>
-            </a:extLst>
-          </p:cNvPr>
-          <p:cNvPicPr>
-            <a:picLocks noChangeAspect="1"/>
-          </p:cNvPicPr>
-          <p:nvPr/>
-        </p:nvPicPr>
-        <p:blipFill>
-          <a:blip r:embed="rId3">
-            <a:extLst>
-              <a:ext uri="{28A0092B-C50C-407E-A947-70E740481C1C}">
-                <a14:useLocalDpi xmlns:a14="http://schemas.microsoft.com/office/drawing/2010/main" val="0"/>
-              </a:ext>
-            </a:extLst>
-          </a:blip>
-          <a:stretch>
-            <a:fillRect/>
-          </a:stretch>
-        </p:blipFill>
-        <p:spPr>
-          <a:xfrm>
-            <a:off x="136796" y="3569577"/>
-            <a:ext cx="9632407" cy="1447780"/>
-          </a:xfrm>
-          <a:prstGeom prst="rect">
-            <a:avLst/>
-          </a:prstGeom>
-        </p:spPr>
-      </p:pic>
-    </p:spTree>
-    <p:extLst>
-      <p:ext uri="{BB962C8B-B14F-4D97-AF65-F5344CB8AC3E}">
-        <p14:creationId xmlns:p14="http://schemas.microsoft.com/office/powerpoint/2010/main" val="2930598066"/>
       </p:ext>
     </p:extLst>
   </p:cSld>

--- a/ban.pptx
+++ b/ban.pptx
@@ -6,10 +6,10 @@
     <p:sldMasterId id="2147484155" r:id="rId2"/>
   </p:sldMasterIdLst>
   <p:notesMasterIdLst>
-    <p:notesMasterId r:id="rId15"/>
+    <p:notesMasterId r:id="rId17"/>
   </p:notesMasterIdLst>
   <p:handoutMasterIdLst>
-    <p:handoutMasterId r:id="rId16"/>
+    <p:handoutMasterId r:id="rId18"/>
   </p:handoutMasterIdLst>
   <p:sldIdLst>
     <p:sldId id="424" r:id="rId3"/>
@@ -23,12 +23,14 @@
     <p:sldId id="432" r:id="rId11"/>
     <p:sldId id="433" r:id="rId12"/>
     <p:sldId id="428" r:id="rId13"/>
-    <p:sldId id="429" r:id="rId14"/>
+    <p:sldId id="435" r:id="rId14"/>
+    <p:sldId id="436" r:id="rId15"/>
+    <p:sldId id="429" r:id="rId16"/>
   </p:sldIdLst>
   <p:sldSz cx="9906000" cy="6858000" type="A4"/>
   <p:notesSz cx="9866313" cy="6735763"/>
   <p:custDataLst>
-    <p:tags r:id="rId17"/>
+    <p:tags r:id="rId19"/>
   </p:custDataLst>
   <p:defaultTextStyle>
     <a:defPPr>
@@ -271,7 +273,7 @@
             <a:fld id="{3FD127D7-3E5F-4687-A711-A9A97EBDE86C}" type="datetimeFigureOut">
               <a:rPr kumimoji="1" lang="ja-JP" altLang="en-US" smtClean="0"/>
               <a:pPr/>
-              <a:t>2018/7/22</a:t>
+              <a:t>2018/7/24</a:t>
             </a:fld>
             <a:endParaRPr kumimoji="1" lang="ja-JP" altLang="en-US"/>
           </a:p>
@@ -438,7 +440,7 @@
             <a:fld id="{DFCC6AE9-37A0-442D-9AA9-559E68639AC4}" type="datetimeFigureOut">
               <a:rPr kumimoji="1" lang="ja-JP" altLang="en-US" smtClean="0"/>
               <a:pPr/>
-              <a:t>2018/7/22</a:t>
+              <a:t>2018/7/24</a:t>
             </a:fld>
             <a:endParaRPr kumimoji="1" lang="ja-JP" altLang="en-US"/>
           </a:p>
@@ -947,6 +949,208 @@
               <a:rPr lang="ja-JP" altLang="en-US"/>
               <a:pPr/>
               <a:t>12</a:t>
+            </a:fld>
+            <a:endParaRPr lang="en-US" altLang="ja-JP"/>
+          </a:p>
+        </p:txBody>
+      </p:sp>
+      <p:sp>
+        <p:nvSpPr>
+          <p:cNvPr id="58371" name="Rectangle 2"/>
+          <p:cNvSpPr>
+            <a:spLocks noGrp="1" noRot="1" noChangeAspect="1" noChangeArrowheads="1" noTextEdit="1"/>
+          </p:cNvSpPr>
+          <p:nvPr>
+            <p:ph type="sldImg"/>
+          </p:nvPr>
+        </p:nvSpPr>
+        <p:spPr>
+          <a:xfrm>
+            <a:off x="3113088" y="503238"/>
+            <a:ext cx="3651250" cy="2527300"/>
+          </a:xfrm>
+          <a:ln/>
+        </p:spPr>
+      </p:sp>
+      <p:sp>
+        <p:nvSpPr>
+          <p:cNvPr id="58372" name="Rectangle 3"/>
+          <p:cNvSpPr>
+            <a:spLocks noGrp="1" noChangeArrowheads="1"/>
+          </p:cNvSpPr>
+          <p:nvPr>
+            <p:ph type="body" idx="1"/>
+          </p:nvPr>
+        </p:nvSpPr>
+        <p:spPr>
+          <a:xfrm>
+            <a:off x="987324" y="3199515"/>
+            <a:ext cx="7891668" cy="3031685"/>
+          </a:xfrm>
+          <a:noFill/>
+          <a:ln/>
+        </p:spPr>
+        <p:txBody>
+          <a:bodyPr lIns="90439" tIns="45218" rIns="90439" bIns="45218"/>
+          <a:lstStyle/>
+          <a:p>
+            <a:pPr eaLnBrk="1" hangingPunct="1"/>
+            <a:endParaRPr lang="ja-JP" altLang="en-US" b="1"/>
+          </a:p>
+        </p:txBody>
+      </p:sp>
+    </p:spTree>
+    <p:extLst>
+      <p:ext uri="{BB962C8B-B14F-4D97-AF65-F5344CB8AC3E}">
+        <p14:creationId xmlns:p14="http://schemas.microsoft.com/office/powerpoint/2010/main" val="2066210683"/>
+      </p:ext>
+    </p:extLst>
+  </p:cSld>
+  <p:clrMapOvr>
+    <a:masterClrMapping/>
+  </p:clrMapOvr>
+</p:notes>
+</file>
+
+<file path=ppt/notesSlides/notesSlide12.xml><?xml version="1.0" encoding="utf-8"?>
+<p:notes xmlns:a="http://schemas.openxmlformats.org/drawingml/2006/main" xmlns:r="http://schemas.openxmlformats.org/officeDocument/2006/relationships" xmlns:p="http://schemas.openxmlformats.org/presentationml/2006/main">
+  <p:cSld>
+    <p:spTree>
+      <p:nvGrpSpPr>
+        <p:cNvPr id="1" name=""/>
+        <p:cNvGrpSpPr/>
+        <p:nvPr/>
+      </p:nvGrpSpPr>
+      <p:grpSpPr>
+        <a:xfrm>
+          <a:off x="0" y="0"/>
+          <a:ext cx="0" cy="0"/>
+          <a:chOff x="0" y="0"/>
+          <a:chExt cx="0" cy="0"/>
+        </a:xfrm>
+      </p:grpSpPr>
+      <p:sp>
+        <p:nvSpPr>
+          <p:cNvPr id="58370" name="Rectangle 7"/>
+          <p:cNvSpPr>
+            <a:spLocks noGrp="1" noChangeArrowheads="1"/>
+          </p:cNvSpPr>
+          <p:nvPr>
+            <p:ph type="sldNum" sz="quarter" idx="5"/>
+          </p:nvPr>
+        </p:nvSpPr>
+        <p:spPr>
+          <a:noFill/>
+        </p:spPr>
+        <p:txBody>
+          <a:bodyPr/>
+          <a:lstStyle/>
+          <a:p>
+            <a:fld id="{226D22E9-6FA5-41DB-B410-6373CE326308}" type="slidenum">
+              <a:rPr lang="ja-JP" altLang="en-US"/>
+              <a:pPr/>
+              <a:t>13</a:t>
+            </a:fld>
+            <a:endParaRPr lang="en-US" altLang="ja-JP"/>
+          </a:p>
+        </p:txBody>
+      </p:sp>
+      <p:sp>
+        <p:nvSpPr>
+          <p:cNvPr id="58371" name="Rectangle 2"/>
+          <p:cNvSpPr>
+            <a:spLocks noGrp="1" noRot="1" noChangeAspect="1" noChangeArrowheads="1" noTextEdit="1"/>
+          </p:cNvSpPr>
+          <p:nvPr>
+            <p:ph type="sldImg"/>
+          </p:nvPr>
+        </p:nvSpPr>
+        <p:spPr>
+          <a:xfrm>
+            <a:off x="3113088" y="503238"/>
+            <a:ext cx="3651250" cy="2527300"/>
+          </a:xfrm>
+          <a:ln/>
+        </p:spPr>
+      </p:sp>
+      <p:sp>
+        <p:nvSpPr>
+          <p:cNvPr id="58372" name="Rectangle 3"/>
+          <p:cNvSpPr>
+            <a:spLocks noGrp="1" noChangeArrowheads="1"/>
+          </p:cNvSpPr>
+          <p:nvPr>
+            <p:ph type="body" idx="1"/>
+          </p:nvPr>
+        </p:nvSpPr>
+        <p:spPr>
+          <a:xfrm>
+            <a:off x="987324" y="3199515"/>
+            <a:ext cx="7891668" cy="3031685"/>
+          </a:xfrm>
+          <a:noFill/>
+          <a:ln/>
+        </p:spPr>
+        <p:txBody>
+          <a:bodyPr lIns="90439" tIns="45218" rIns="90439" bIns="45218"/>
+          <a:lstStyle/>
+          <a:p>
+            <a:pPr eaLnBrk="1" hangingPunct="1"/>
+            <a:endParaRPr lang="ja-JP" altLang="en-US" b="1"/>
+          </a:p>
+        </p:txBody>
+      </p:sp>
+    </p:spTree>
+    <p:extLst>
+      <p:ext uri="{BB962C8B-B14F-4D97-AF65-F5344CB8AC3E}">
+        <p14:creationId xmlns:p14="http://schemas.microsoft.com/office/powerpoint/2010/main" val="759422426"/>
+      </p:ext>
+    </p:extLst>
+  </p:cSld>
+  <p:clrMapOvr>
+    <a:masterClrMapping/>
+  </p:clrMapOvr>
+</p:notes>
+</file>
+
+<file path=ppt/notesSlides/notesSlide13.xml><?xml version="1.0" encoding="utf-8"?>
+<p:notes xmlns:a="http://schemas.openxmlformats.org/drawingml/2006/main" xmlns:r="http://schemas.openxmlformats.org/officeDocument/2006/relationships" xmlns:p="http://schemas.openxmlformats.org/presentationml/2006/main">
+  <p:cSld>
+    <p:spTree>
+      <p:nvGrpSpPr>
+        <p:cNvPr id="1" name=""/>
+        <p:cNvGrpSpPr/>
+        <p:nvPr/>
+      </p:nvGrpSpPr>
+      <p:grpSpPr>
+        <a:xfrm>
+          <a:off x="0" y="0"/>
+          <a:ext cx="0" cy="0"/>
+          <a:chOff x="0" y="0"/>
+          <a:chExt cx="0" cy="0"/>
+        </a:xfrm>
+      </p:grpSpPr>
+      <p:sp>
+        <p:nvSpPr>
+          <p:cNvPr id="58370" name="Rectangle 7"/>
+          <p:cNvSpPr>
+            <a:spLocks noGrp="1" noChangeArrowheads="1"/>
+          </p:cNvSpPr>
+          <p:nvPr>
+            <p:ph type="sldNum" sz="quarter" idx="5"/>
+          </p:nvPr>
+        </p:nvSpPr>
+        <p:spPr>
+          <a:noFill/>
+        </p:spPr>
+        <p:txBody>
+          <a:bodyPr/>
+          <a:lstStyle/>
+          <a:p>
+            <a:fld id="{226D22E9-6FA5-41DB-B410-6373CE326308}" type="slidenum">
+              <a:rPr lang="ja-JP" altLang="en-US"/>
+              <a:pPr/>
+              <a:t>14</a:t>
             </a:fld>
             <a:endParaRPr lang="en-US" altLang="ja-JP"/>
           </a:p>
@@ -2626,7 +2830,7 @@
           <a:graphicData uri="http://schemas.openxmlformats.org/presentationml/2006/ole">
             <mc:AlternateContent xmlns:mc="http://schemas.openxmlformats.org/markup-compatibility/2006">
               <mc:Choice xmlns:v="urn:schemas-microsoft-com:vml" Requires="v">
-                <p:oleObj spid="_x0000_s1301" name="think-cell Slide" r:id="rId5" imgW="360" imgH="360" progId="TCLayout.ActiveDocument.1">
+                <p:oleObj spid="_x0000_s1310" name="think-cell Slide" r:id="rId5" imgW="360" imgH="360" progId="TCLayout.ActiveDocument.1">
                   <p:embed/>
                 </p:oleObj>
               </mc:Choice>
@@ -3955,6 +4159,1008 @@
 </file>
 
 <file path=ppt/slides/slide12.xml><?xml version="1.0" encoding="utf-8"?>
+<p:sld xmlns:a="http://schemas.openxmlformats.org/drawingml/2006/main" xmlns:r="http://schemas.openxmlformats.org/officeDocument/2006/relationships" xmlns:p="http://schemas.openxmlformats.org/presentationml/2006/main">
+  <p:cSld>
+    <p:spTree>
+      <p:nvGrpSpPr>
+        <p:cNvPr id="1" name=""/>
+        <p:cNvGrpSpPr/>
+        <p:nvPr/>
+      </p:nvGrpSpPr>
+      <p:grpSpPr>
+        <a:xfrm>
+          <a:off x="0" y="0"/>
+          <a:ext cx="0" cy="0"/>
+          <a:chOff x="0" y="0"/>
+          <a:chExt cx="0" cy="0"/>
+        </a:xfrm>
+      </p:grpSpPr>
+      <p:sp>
+        <p:nvSpPr>
+          <p:cNvPr id="14338" name="Rectangle 2"/>
+          <p:cNvSpPr>
+            <a:spLocks noChangeArrowheads="1"/>
+          </p:cNvSpPr>
+          <p:nvPr/>
+        </p:nvSpPr>
+        <p:spPr bwMode="auto">
+          <a:xfrm>
+            <a:off x="457200" y="1506538"/>
+            <a:ext cx="8991600" cy="941796"/>
+          </a:xfrm>
+          <a:prstGeom prst="rect">
+            <a:avLst/>
+          </a:prstGeom>
+          <a:noFill/>
+          <a:ln w="9525" algn="ctr">
+            <a:noFill/>
+            <a:miter lim="800000"/>
+            <a:headEnd/>
+            <a:tailEnd/>
+          </a:ln>
+        </p:spPr>
+        <p:txBody>
+          <a:bodyPr lIns="0" tIns="0" rIns="0" bIns="0">
+            <a:spAutoFit/>
+          </a:bodyPr>
+          <a:lstStyle/>
+          <a:p>
+            <a:pPr marL="285750" indent="-285750" algn="l">
+              <a:spcBef>
+                <a:spcPct val="20000"/>
+              </a:spcBef>
+              <a:buFont typeface="Arial" panose="020B0604020202020204" pitchFamily="34" charset="0"/>
+              <a:buChar char="•"/>
+            </a:pPr>
+            <a:r>
+              <a:rPr kumimoji="1" lang="ja-JP" altLang="en-US" sz="1800" b="0">
+                <a:latin typeface="+mn-lt"/>
+                <a:ea typeface="+mj-ea"/>
+              </a:rPr>
+              <a:t>実装してみました</a:t>
+            </a:r>
+            <a:endParaRPr kumimoji="1" lang="en-US" altLang="ja-JP" sz="1800" b="0" dirty="0">
+              <a:latin typeface="+mn-lt"/>
+              <a:ea typeface="+mj-ea"/>
+            </a:endParaRPr>
+          </a:p>
+          <a:p>
+            <a:pPr marL="742950" lvl="1" indent="-285750">
+              <a:spcBef>
+                <a:spcPct val="20000"/>
+              </a:spcBef>
+              <a:buFont typeface="Arial" panose="020B0604020202020204" pitchFamily="34" charset="0"/>
+              <a:buChar char="•"/>
+            </a:pPr>
+            <a:r>
+              <a:rPr kumimoji="1" lang="en-US" altLang="ja-JP" sz="1800" b="0" dirty="0">
+                <a:latin typeface="+mn-lt"/>
+                <a:ea typeface="+mj-ea"/>
+              </a:rPr>
+              <a:t>Pytorch0.4</a:t>
+            </a:r>
+          </a:p>
+          <a:p>
+            <a:pPr marL="742950" lvl="1" indent="-285750">
+              <a:spcBef>
+                <a:spcPct val="20000"/>
+              </a:spcBef>
+              <a:buFont typeface="Arial" panose="020B0604020202020204" pitchFamily="34" charset="0"/>
+              <a:buChar char="•"/>
+            </a:pPr>
+            <a:r>
+              <a:rPr kumimoji="1" lang="en-US" altLang="ja-JP" sz="1800" b="0" dirty="0">
+                <a:latin typeface="+mn-lt"/>
+                <a:ea typeface="+mj-ea"/>
+                <a:hlinkClick r:id="rId3"/>
+              </a:rPr>
+              <a:t>https://</a:t>
+            </a:r>
+            <a:r>
+              <a:rPr kumimoji="1" lang="en-US" altLang="ja-JP" sz="1800" b="0" dirty="0" err="1">
+                <a:latin typeface="+mn-lt"/>
+                <a:ea typeface="+mj-ea"/>
+                <a:hlinkClick r:id="rId3"/>
+              </a:rPr>
+              <a:t>github.com</a:t>
+            </a:r>
+            <a:r>
+              <a:rPr kumimoji="1" lang="en-US" altLang="ja-JP" sz="1800" b="0" dirty="0">
+                <a:latin typeface="+mn-lt"/>
+                <a:ea typeface="+mj-ea"/>
+                <a:hlinkClick r:id="rId3"/>
+              </a:rPr>
+              <a:t>/</a:t>
+            </a:r>
+            <a:r>
+              <a:rPr kumimoji="1" lang="en-US" altLang="ja-JP" sz="1800" b="0" dirty="0" err="1">
+                <a:latin typeface="+mn-lt"/>
+                <a:ea typeface="+mj-ea"/>
+                <a:hlinkClick r:id="rId3"/>
+              </a:rPr>
+              <a:t>nocotan</a:t>
+            </a:r>
+            <a:r>
+              <a:rPr kumimoji="1" lang="en-US" altLang="ja-JP" sz="1800" b="0" dirty="0">
+                <a:latin typeface="+mn-lt"/>
+                <a:ea typeface="+mj-ea"/>
+                <a:hlinkClick r:id="rId3"/>
+              </a:rPr>
+              <a:t>/</a:t>
+            </a:r>
+            <a:r>
+              <a:rPr kumimoji="1" lang="en-US" altLang="ja-JP" sz="1800" b="0" dirty="0" err="1">
+                <a:latin typeface="+mn-lt"/>
+                <a:ea typeface="+mj-ea"/>
+                <a:hlinkClick r:id="rId3"/>
+              </a:rPr>
+              <a:t>born_again_neuralnet</a:t>
+            </a:r>
+            <a:endParaRPr kumimoji="1" lang="en-US" altLang="ja-JP" sz="1800" b="0" dirty="0">
+              <a:latin typeface="+mn-lt"/>
+              <a:ea typeface="+mj-ea"/>
+            </a:endParaRPr>
+          </a:p>
+        </p:txBody>
+      </p:sp>
+      <p:sp>
+        <p:nvSpPr>
+          <p:cNvPr id="14339" name="Rectangle 3"/>
+          <p:cNvSpPr>
+            <a:spLocks noGrp="1" noChangeArrowheads="1"/>
+          </p:cNvSpPr>
+          <p:nvPr>
+            <p:ph type="title"/>
+          </p:nvPr>
+        </p:nvSpPr>
+        <p:spPr/>
+        <p:txBody>
+          <a:bodyPr/>
+          <a:lstStyle/>
+          <a:p>
+            <a:pPr eaLnBrk="1" hangingPunct="1"/>
+            <a:r>
+              <a:rPr lang="ja-JP" altLang="en-US" sz="2000" b="0">
+                <a:latin typeface="+mn-lt"/>
+                <a:ea typeface="ＭＳ Ｐゴシック" pitchFamily="50" charset="-128"/>
+              </a:rPr>
+              <a:t>おまけ</a:t>
+            </a:r>
+            <a:endParaRPr lang="ja-JP" altLang="en-US" sz="2000" b="0" dirty="0">
+              <a:latin typeface="+mn-lt"/>
+              <a:ea typeface="ＭＳ Ｐゴシック" pitchFamily="50" charset="-128"/>
+            </a:endParaRPr>
+          </a:p>
+        </p:txBody>
+      </p:sp>
+    </p:spTree>
+    <p:extLst>
+      <p:ext uri="{BB962C8B-B14F-4D97-AF65-F5344CB8AC3E}">
+        <p14:creationId xmlns:p14="http://schemas.microsoft.com/office/powerpoint/2010/main" val="2766089710"/>
+      </p:ext>
+    </p:extLst>
+  </p:cSld>
+  <p:clrMapOvr>
+    <a:masterClrMapping/>
+  </p:clrMapOvr>
+</p:sld>
+</file>
+
+<file path=ppt/slides/slide13.xml><?xml version="1.0" encoding="utf-8"?>
+<p:sld xmlns:a="http://schemas.openxmlformats.org/drawingml/2006/main" xmlns:r="http://schemas.openxmlformats.org/officeDocument/2006/relationships" xmlns:p="http://schemas.openxmlformats.org/presentationml/2006/main">
+  <p:cSld>
+    <p:spTree>
+      <p:nvGrpSpPr>
+        <p:cNvPr id="1" name=""/>
+        <p:cNvGrpSpPr/>
+        <p:nvPr/>
+      </p:nvGrpSpPr>
+      <p:grpSpPr>
+        <a:xfrm>
+          <a:off x="0" y="0"/>
+          <a:ext cx="0" cy="0"/>
+          <a:chOff x="0" y="0"/>
+          <a:chExt cx="0" cy="0"/>
+        </a:xfrm>
+      </p:grpSpPr>
+      <p:sp>
+        <p:nvSpPr>
+          <p:cNvPr id="14338" name="Rectangle 2"/>
+          <p:cNvSpPr>
+            <a:spLocks noChangeArrowheads="1"/>
+          </p:cNvSpPr>
+          <p:nvPr/>
+        </p:nvSpPr>
+        <p:spPr bwMode="auto">
+          <a:xfrm>
+            <a:off x="457200" y="1506538"/>
+            <a:ext cx="8991600" cy="609398"/>
+          </a:xfrm>
+          <a:prstGeom prst="rect">
+            <a:avLst/>
+          </a:prstGeom>
+          <a:noFill/>
+          <a:ln w="9525" algn="ctr">
+            <a:noFill/>
+            <a:miter lim="800000"/>
+            <a:headEnd/>
+            <a:tailEnd/>
+          </a:ln>
+        </p:spPr>
+        <p:txBody>
+          <a:bodyPr lIns="0" tIns="0" rIns="0" bIns="0">
+            <a:spAutoFit/>
+          </a:bodyPr>
+          <a:lstStyle/>
+          <a:p>
+            <a:pPr marL="285750" indent="-285750" algn="l">
+              <a:spcBef>
+                <a:spcPct val="20000"/>
+              </a:spcBef>
+              <a:buFont typeface="Arial" panose="020B0604020202020204" pitchFamily="34" charset="0"/>
+              <a:buChar char="•"/>
+            </a:pPr>
+            <a:r>
+              <a:rPr kumimoji="1" lang="ja-JP" altLang="en-US" sz="1800" b="0">
+                <a:latin typeface="+mn-lt"/>
+                <a:ea typeface="+mj-ea"/>
+              </a:rPr>
+              <a:t>データセット</a:t>
+            </a:r>
+            <a:r>
+              <a:rPr kumimoji="1" lang="en-US" altLang="ja-JP" sz="1800" b="0" dirty="0">
+                <a:latin typeface="+mn-lt"/>
+                <a:ea typeface="+mj-ea"/>
+              </a:rPr>
+              <a:t>: CIFAR-10</a:t>
+            </a:r>
+          </a:p>
+          <a:p>
+            <a:pPr marL="285750" indent="-285750" algn="l">
+              <a:spcBef>
+                <a:spcPct val="20000"/>
+              </a:spcBef>
+              <a:buFont typeface="Arial" panose="020B0604020202020204" pitchFamily="34" charset="0"/>
+              <a:buChar char="•"/>
+            </a:pPr>
+            <a:r>
+              <a:rPr kumimoji="1" lang="ja-JP" altLang="en-US" sz="1800" b="0">
+                <a:latin typeface="+mn-lt"/>
+                <a:ea typeface="+mj-ea"/>
+              </a:rPr>
+              <a:t>ベースモデル</a:t>
+            </a:r>
+            <a:r>
+              <a:rPr kumimoji="1" lang="en-US" altLang="ja-JP" sz="1800" b="0" dirty="0">
+                <a:latin typeface="+mn-lt"/>
+                <a:ea typeface="+mj-ea"/>
+              </a:rPr>
+              <a:t>: ResNet-50</a:t>
+            </a:r>
+          </a:p>
+        </p:txBody>
+      </p:sp>
+      <p:sp>
+        <p:nvSpPr>
+          <p:cNvPr id="14339" name="Rectangle 3"/>
+          <p:cNvSpPr>
+            <a:spLocks noGrp="1" noChangeArrowheads="1"/>
+          </p:cNvSpPr>
+          <p:nvPr>
+            <p:ph type="title"/>
+          </p:nvPr>
+        </p:nvSpPr>
+        <p:spPr/>
+        <p:txBody>
+          <a:bodyPr/>
+          <a:lstStyle/>
+          <a:p>
+            <a:pPr eaLnBrk="1" hangingPunct="1"/>
+            <a:r>
+              <a:rPr lang="ja-JP" altLang="en-US" sz="2000" b="0">
+                <a:latin typeface="+mn-lt"/>
+                <a:ea typeface="ＭＳ Ｐゴシック" pitchFamily="50" charset="-128"/>
+              </a:rPr>
+              <a:t>おまけ</a:t>
+            </a:r>
+            <a:r>
+              <a:rPr lang="en-US" altLang="ja-JP" sz="2000" b="0" dirty="0">
+                <a:latin typeface="+mn-lt"/>
+                <a:ea typeface="ＭＳ Ｐゴシック" pitchFamily="50" charset="-128"/>
+              </a:rPr>
+              <a:t>(</a:t>
+            </a:r>
+            <a:r>
+              <a:rPr lang="ja-JP" altLang="en-US" sz="2000" b="0">
+                <a:latin typeface="+mn-lt"/>
+                <a:ea typeface="ＭＳ Ｐゴシック" pitchFamily="50" charset="-128"/>
+              </a:rPr>
+              <a:t>実験</a:t>
+            </a:r>
+            <a:r>
+              <a:rPr lang="en-US" altLang="ja-JP" sz="2000" b="0" dirty="0">
+                <a:latin typeface="+mn-lt"/>
+                <a:ea typeface="ＭＳ Ｐゴシック" pitchFamily="50" charset="-128"/>
+              </a:rPr>
+              <a:t>)</a:t>
+            </a:r>
+            <a:endParaRPr lang="ja-JP" altLang="en-US" sz="2000" b="0" dirty="0">
+              <a:latin typeface="+mn-lt"/>
+              <a:ea typeface="ＭＳ Ｐゴシック" pitchFamily="50" charset="-128"/>
+            </a:endParaRPr>
+          </a:p>
+        </p:txBody>
+      </p:sp>
+      <p:pic>
+        <p:nvPicPr>
+          <p:cNvPr id="3" name="図 2">
+            <a:extLst>
+              <a:ext uri="{FF2B5EF4-FFF2-40B4-BE49-F238E27FC236}">
+                <a16:creationId xmlns:a16="http://schemas.microsoft.com/office/drawing/2014/main" id="{55250EC8-D076-6743-A3E3-807CAFB3CF7B}"/>
+              </a:ext>
+            </a:extLst>
+          </p:cNvPr>
+          <p:cNvPicPr>
+            <a:picLocks noChangeAspect="1"/>
+          </p:cNvPicPr>
+          <p:nvPr/>
+        </p:nvPicPr>
+        <p:blipFill>
+          <a:blip r:embed="rId3">
+            <a:extLst>
+              <a:ext uri="{28A0092B-C50C-407E-A947-70E740481C1C}">
+                <a14:useLocalDpi xmlns:a14="http://schemas.microsoft.com/office/drawing/2010/main" val="0"/>
+              </a:ext>
+            </a:extLst>
+          </a:blip>
+          <a:stretch>
+            <a:fillRect/>
+          </a:stretch>
+        </p:blipFill>
+        <p:spPr>
+          <a:xfrm>
+            <a:off x="128464" y="2564904"/>
+            <a:ext cx="6393160" cy="2940236"/>
+          </a:xfrm>
+          <a:prstGeom prst="rect">
+            <a:avLst/>
+          </a:prstGeom>
+        </p:spPr>
+      </p:pic>
+      <p:graphicFrame>
+        <p:nvGraphicFramePr>
+          <p:cNvPr id="4" name="表 3">
+            <a:extLst>
+              <a:ext uri="{FF2B5EF4-FFF2-40B4-BE49-F238E27FC236}">
+                <a16:creationId xmlns:a16="http://schemas.microsoft.com/office/drawing/2014/main" id="{6B8D914F-8942-A946-8D0C-F1E00B0C0637}"/>
+              </a:ext>
+            </a:extLst>
+          </p:cNvPr>
+          <p:cNvGraphicFramePr>
+            <a:graphicFrameLocks noGrp="1"/>
+          </p:cNvGraphicFramePr>
+          <p:nvPr>
+            <p:extLst>
+              <p:ext uri="{D42A27DB-BD31-4B8C-83A1-F6EECF244321}">
+                <p14:modId xmlns:p14="http://schemas.microsoft.com/office/powerpoint/2010/main" val="2271411433"/>
+              </p:ext>
+            </p:extLst>
+          </p:nvPr>
+        </p:nvGraphicFramePr>
+        <p:xfrm>
+          <a:off x="6681192" y="2780928"/>
+          <a:ext cx="2953386" cy="2225040"/>
+        </p:xfrm>
+        <a:graphic>
+          <a:graphicData uri="http://schemas.openxmlformats.org/drawingml/2006/table">
+            <a:tbl>
+              <a:tblPr firstRow="1" bandRow="1">
+                <a:tableStyleId>{3B4B98B0-60AC-42C2-AFA5-B58CD77FA1E5}</a:tableStyleId>
+              </a:tblPr>
+              <a:tblGrid>
+                <a:gridCol w="1857693">
+                  <a:extLst>
+                    <a:ext uri="{9D8B030D-6E8A-4147-A177-3AD203B41FA5}">
+                      <a16:colId xmlns:a16="http://schemas.microsoft.com/office/drawing/2014/main" val="3337254775"/>
+                    </a:ext>
+                  </a:extLst>
+                </a:gridCol>
+                <a:gridCol w="1095693">
+                  <a:extLst>
+                    <a:ext uri="{9D8B030D-6E8A-4147-A177-3AD203B41FA5}">
+                      <a16:colId xmlns:a16="http://schemas.microsoft.com/office/drawing/2014/main" val="3271998388"/>
+                    </a:ext>
+                  </a:extLst>
+                </a:gridCol>
+              </a:tblGrid>
+              <a:tr h="370840">
+                <a:tc>
+                  <a:txBody>
+                    <a:bodyPr/>
+                    <a:lstStyle/>
+                    <a:p>
+                      <a:r>
+                        <a:rPr kumimoji="1" lang="en-US" altLang="ja-JP" sz="1500" dirty="0"/>
+                        <a:t>Model</a:t>
+                      </a:r>
+                      <a:endParaRPr kumimoji="1" lang="ja-JP" altLang="en-US" sz="1500"/>
+                    </a:p>
+                  </a:txBody>
+                  <a:tcPr/>
+                </a:tc>
+                <a:tc>
+                  <a:txBody>
+                    <a:bodyPr/>
+                    <a:lstStyle/>
+                    <a:p>
+                      <a:r>
+                        <a:rPr kumimoji="1" lang="en-US" altLang="ja-JP" sz="1500" dirty="0"/>
+                        <a:t>Accuracy</a:t>
+                      </a:r>
+                      <a:endParaRPr kumimoji="1" lang="ja-JP" altLang="en-US" sz="1500"/>
+                    </a:p>
+                  </a:txBody>
+                  <a:tcPr/>
+                </a:tc>
+                <a:extLst>
+                  <a:ext uri="{0D108BD9-81ED-4DB2-BD59-A6C34878D82A}">
+                    <a16:rowId xmlns:a16="http://schemas.microsoft.com/office/drawing/2014/main" val="4225022065"/>
+                  </a:ext>
+                </a:extLst>
+              </a:tr>
+              <a:tr h="370840">
+                <a:tc>
+                  <a:txBody>
+                    <a:bodyPr/>
+                    <a:lstStyle/>
+                    <a:p>
+                      <a:r>
+                        <a:rPr kumimoji="1" lang="ja-JP" altLang="en-US" sz="1500"/>
+                        <a:t>第</a:t>
+                      </a:r>
+                      <a:r>
+                        <a:rPr kumimoji="1" lang="en-US" altLang="ja-JP" sz="1500" dirty="0"/>
+                        <a:t>1</a:t>
+                      </a:r>
+                      <a:r>
+                        <a:rPr kumimoji="1" lang="ja-JP" altLang="en-US" sz="1500"/>
+                        <a:t>世代</a:t>
+                      </a:r>
+                      <a:r>
+                        <a:rPr kumimoji="1" lang="en-US" altLang="ja-JP" sz="1500" dirty="0"/>
+                        <a:t>(Baseline)</a:t>
+                      </a:r>
+                      <a:endParaRPr kumimoji="1" lang="ja-JP" altLang="en-US" sz="1500"/>
+                    </a:p>
+                  </a:txBody>
+                  <a:tcPr/>
+                </a:tc>
+                <a:tc>
+                  <a:txBody>
+                    <a:bodyPr/>
+                    <a:lstStyle/>
+                    <a:p>
+                      <a:r>
+                        <a:rPr kumimoji="1" lang="en-US" altLang="ja-JP" sz="1500" dirty="0"/>
+                        <a:t>81.40</a:t>
+                      </a:r>
+                      <a:endParaRPr kumimoji="1" lang="ja-JP" altLang="en-US" sz="1500"/>
+                    </a:p>
+                  </a:txBody>
+                  <a:tcPr/>
+                </a:tc>
+                <a:extLst>
+                  <a:ext uri="{0D108BD9-81ED-4DB2-BD59-A6C34878D82A}">
+                    <a16:rowId xmlns:a16="http://schemas.microsoft.com/office/drawing/2014/main" val="3660873872"/>
+                  </a:ext>
+                </a:extLst>
+              </a:tr>
+              <a:tr h="370840">
+                <a:tc>
+                  <a:txBody>
+                    <a:bodyPr/>
+                    <a:lstStyle/>
+                    <a:p>
+                      <a:r>
+                        <a:rPr kumimoji="1" lang="ja-JP" altLang="en-US" sz="1500"/>
+                        <a:t>第</a:t>
+                      </a:r>
+                      <a:r>
+                        <a:rPr kumimoji="1" lang="en-US" altLang="ja-JP" sz="1500" dirty="0"/>
+                        <a:t>2</a:t>
+                      </a:r>
+                      <a:r>
+                        <a:rPr kumimoji="1" lang="ja-JP" altLang="en-US" sz="1500"/>
+                        <a:t>世代</a:t>
+                      </a:r>
+                    </a:p>
+                  </a:txBody>
+                  <a:tcPr/>
+                </a:tc>
+                <a:tc>
+                  <a:txBody>
+                    <a:bodyPr/>
+                    <a:lstStyle/>
+                    <a:p>
+                      <a:r>
+                        <a:rPr kumimoji="1" lang="en-US" altLang="ja-JP" sz="1500" dirty="0"/>
+                        <a:t>83.99</a:t>
+                      </a:r>
+                      <a:endParaRPr kumimoji="1" lang="ja-JP" altLang="en-US" sz="1500"/>
+                    </a:p>
+                  </a:txBody>
+                  <a:tcPr/>
+                </a:tc>
+                <a:extLst>
+                  <a:ext uri="{0D108BD9-81ED-4DB2-BD59-A6C34878D82A}">
+                    <a16:rowId xmlns:a16="http://schemas.microsoft.com/office/drawing/2014/main" val="4145295106"/>
+                  </a:ext>
+                </a:extLst>
+              </a:tr>
+              <a:tr h="370840">
+                <a:tc>
+                  <a:txBody>
+                    <a:bodyPr/>
+                    <a:lstStyle/>
+                    <a:p>
+                      <a:r>
+                        <a:rPr kumimoji="1" lang="ja-JP" altLang="en-US" sz="1500"/>
+                        <a:t>第３世代</a:t>
+                      </a:r>
+                    </a:p>
+                  </a:txBody>
+                  <a:tcPr/>
+                </a:tc>
+                <a:tc>
+                  <a:txBody>
+                    <a:bodyPr/>
+                    <a:lstStyle/>
+                    <a:p>
+                      <a:r>
+                        <a:rPr kumimoji="1" lang="en-US" altLang="ja-JP" sz="1500" dirty="0"/>
+                        <a:t>81.87</a:t>
+                      </a:r>
+                      <a:endParaRPr kumimoji="1" lang="ja-JP" altLang="en-US" sz="1500"/>
+                    </a:p>
+                  </a:txBody>
+                  <a:tcPr/>
+                </a:tc>
+                <a:extLst>
+                  <a:ext uri="{0D108BD9-81ED-4DB2-BD59-A6C34878D82A}">
+                    <a16:rowId xmlns:a16="http://schemas.microsoft.com/office/drawing/2014/main" val="3429232930"/>
+                  </a:ext>
+                </a:extLst>
+              </a:tr>
+              <a:tr h="370840">
+                <a:tc>
+                  <a:txBody>
+                    <a:bodyPr/>
+                    <a:lstStyle/>
+                    <a:p>
+                      <a:r>
+                        <a:rPr lang="en" altLang="ja-JP" sz="1500" dirty="0"/>
+                        <a:t>Ensemble(1, 2)</a:t>
+                      </a:r>
+                      <a:endParaRPr kumimoji="1" lang="ja-JP" altLang="en-US" sz="1500"/>
+                    </a:p>
+                  </a:txBody>
+                  <a:tcPr/>
+                </a:tc>
+                <a:tc>
+                  <a:txBody>
+                    <a:bodyPr/>
+                    <a:lstStyle/>
+                    <a:p>
+                      <a:r>
+                        <a:rPr kumimoji="1" lang="en-US" altLang="ja-JP" sz="1500" dirty="0"/>
+                        <a:t>84.17</a:t>
+                      </a:r>
+                      <a:endParaRPr kumimoji="1" lang="ja-JP" altLang="en-US" sz="1500"/>
+                    </a:p>
+                  </a:txBody>
+                  <a:tcPr/>
+                </a:tc>
+                <a:extLst>
+                  <a:ext uri="{0D108BD9-81ED-4DB2-BD59-A6C34878D82A}">
+                    <a16:rowId xmlns:a16="http://schemas.microsoft.com/office/drawing/2014/main" val="2585176641"/>
+                  </a:ext>
+                </a:extLst>
+              </a:tr>
+              <a:tr h="370840">
+                <a:tc>
+                  <a:txBody>
+                    <a:bodyPr/>
+                    <a:lstStyle/>
+                    <a:p>
+                      <a:r>
+                        <a:rPr kumimoji="1" lang="en-US" altLang="ja-JP" sz="1500" b="1" dirty="0"/>
+                        <a:t>Ensemble(1, 2, 3)</a:t>
+                      </a:r>
+                      <a:endParaRPr kumimoji="1" lang="ja-JP" altLang="en-US" sz="1500" b="1"/>
+                    </a:p>
+                  </a:txBody>
+                  <a:tcPr/>
+                </a:tc>
+                <a:tc>
+                  <a:txBody>
+                    <a:bodyPr/>
+                    <a:lstStyle/>
+                    <a:p>
+                      <a:r>
+                        <a:rPr kumimoji="1" lang="en-US" altLang="ja-JP" sz="1500" b="1" dirty="0"/>
+                        <a:t>84.60</a:t>
+                      </a:r>
+                      <a:endParaRPr kumimoji="1" lang="ja-JP" altLang="en-US" sz="1500" b="1"/>
+                    </a:p>
+                  </a:txBody>
+                  <a:tcPr/>
+                </a:tc>
+                <a:extLst>
+                  <a:ext uri="{0D108BD9-81ED-4DB2-BD59-A6C34878D82A}">
+                    <a16:rowId xmlns:a16="http://schemas.microsoft.com/office/drawing/2014/main" val="153890748"/>
+                  </a:ext>
+                </a:extLst>
+              </a:tr>
+            </a:tbl>
+          </a:graphicData>
+        </a:graphic>
+      </p:graphicFrame>
+      <p:sp>
+        <p:nvSpPr>
+          <p:cNvPr id="5" name="上矢印 4">
+            <a:extLst>
+              <a:ext uri="{FF2B5EF4-FFF2-40B4-BE49-F238E27FC236}">
+                <a16:creationId xmlns:a16="http://schemas.microsoft.com/office/drawing/2014/main" id="{22D341F4-EF29-FE47-A46A-297E41CA792E}"/>
+              </a:ext>
+            </a:extLst>
+          </p:cNvPr>
+          <p:cNvSpPr/>
+          <p:nvPr/>
+        </p:nvSpPr>
+        <p:spPr>
+          <a:xfrm>
+            <a:off x="1136576" y="5702080"/>
+            <a:ext cx="288032" cy="504056"/>
+          </a:xfrm>
+          <a:prstGeom prst="upArrow">
+            <a:avLst/>
+          </a:prstGeom>
+          <a:noFill/>
+          <a:ln w="9525" cmpd="sng">
+            <a:solidFill>
+              <a:schemeClr val="accent3"/>
+            </a:solidFill>
+          </a:ln>
+          <a:effectLst/>
+        </p:spPr>
+        <p:style>
+          <a:lnRef idx="2">
+            <a:schemeClr val="accent1">
+              <a:shade val="50000"/>
+            </a:schemeClr>
+          </a:lnRef>
+          <a:fillRef idx="1">
+            <a:schemeClr val="accent1"/>
+          </a:fillRef>
+          <a:effectRef idx="0">
+            <a:schemeClr val="accent1"/>
+          </a:effectRef>
+          <a:fontRef idx="minor">
+            <a:schemeClr val="lt1"/>
+          </a:fontRef>
+        </p:style>
+        <p:txBody>
+          <a:bodyPr lIns="72000" tIns="0" rIns="72000" bIns="0" rtlCol="0" anchor="ctr"/>
+          <a:lstStyle/>
+          <a:p>
+            <a:pPr algn="ctr">
+              <a:lnSpc>
+                <a:spcPct val="93000"/>
+              </a:lnSpc>
+              <a:spcBef>
+                <a:spcPts val="300"/>
+              </a:spcBef>
+            </a:pPr>
+            <a:endParaRPr kumimoji="1" lang="ja-JP" altLang="en-US" sz="1300" b="0" dirty="0">
+              <a:solidFill>
+                <a:schemeClr val="tx1"/>
+              </a:solidFill>
+              <a:cs typeface="Arial" pitchFamily="34" charset="0"/>
+            </a:endParaRPr>
+          </a:p>
+        </p:txBody>
+      </p:sp>
+      <p:sp>
+        <p:nvSpPr>
+          <p:cNvPr id="8" name="上矢印 7">
+            <a:extLst>
+              <a:ext uri="{FF2B5EF4-FFF2-40B4-BE49-F238E27FC236}">
+                <a16:creationId xmlns:a16="http://schemas.microsoft.com/office/drawing/2014/main" id="{3B8873DF-536E-5C46-9DED-32458A3B8046}"/>
+              </a:ext>
+            </a:extLst>
+          </p:cNvPr>
+          <p:cNvSpPr/>
+          <p:nvPr/>
+        </p:nvSpPr>
+        <p:spPr>
+          <a:xfrm>
+            <a:off x="4232920" y="5702080"/>
+            <a:ext cx="288032" cy="504056"/>
+          </a:xfrm>
+          <a:prstGeom prst="upArrow">
+            <a:avLst/>
+          </a:prstGeom>
+          <a:noFill/>
+          <a:ln w="9525" cmpd="sng">
+            <a:solidFill>
+              <a:schemeClr val="accent3"/>
+            </a:solidFill>
+          </a:ln>
+          <a:effectLst/>
+        </p:spPr>
+        <p:style>
+          <a:lnRef idx="2">
+            <a:schemeClr val="accent1">
+              <a:shade val="50000"/>
+            </a:schemeClr>
+          </a:lnRef>
+          <a:fillRef idx="1">
+            <a:schemeClr val="accent1"/>
+          </a:fillRef>
+          <a:effectRef idx="0">
+            <a:schemeClr val="accent1"/>
+          </a:effectRef>
+          <a:fontRef idx="minor">
+            <a:schemeClr val="lt1"/>
+          </a:fontRef>
+        </p:style>
+        <p:txBody>
+          <a:bodyPr lIns="72000" tIns="0" rIns="72000" bIns="0" rtlCol="0" anchor="ctr"/>
+          <a:lstStyle/>
+          <a:p>
+            <a:pPr algn="ctr">
+              <a:lnSpc>
+                <a:spcPct val="93000"/>
+              </a:lnSpc>
+              <a:spcBef>
+                <a:spcPts val="300"/>
+              </a:spcBef>
+            </a:pPr>
+            <a:endParaRPr kumimoji="1" lang="ja-JP" altLang="en-US" sz="1300" b="0" dirty="0">
+              <a:solidFill>
+                <a:schemeClr val="tx1"/>
+              </a:solidFill>
+              <a:cs typeface="Arial" pitchFamily="34" charset="0"/>
+            </a:endParaRPr>
+          </a:p>
+        </p:txBody>
+      </p:sp>
+      <p:sp>
+        <p:nvSpPr>
+          <p:cNvPr id="9" name="上矢印 8">
+            <a:extLst>
+              <a:ext uri="{FF2B5EF4-FFF2-40B4-BE49-F238E27FC236}">
+                <a16:creationId xmlns:a16="http://schemas.microsoft.com/office/drawing/2014/main" id="{B6FAC52B-A71B-8640-BB83-2C2324BCF535}"/>
+              </a:ext>
+            </a:extLst>
+          </p:cNvPr>
+          <p:cNvSpPr/>
+          <p:nvPr/>
+        </p:nvSpPr>
+        <p:spPr>
+          <a:xfrm>
+            <a:off x="2504728" y="5702080"/>
+            <a:ext cx="288032" cy="504056"/>
+          </a:xfrm>
+          <a:prstGeom prst="upArrow">
+            <a:avLst/>
+          </a:prstGeom>
+          <a:noFill/>
+          <a:ln w="9525" cmpd="sng">
+            <a:solidFill>
+              <a:schemeClr val="accent3"/>
+            </a:solidFill>
+          </a:ln>
+          <a:effectLst/>
+        </p:spPr>
+        <p:style>
+          <a:lnRef idx="2">
+            <a:schemeClr val="accent1">
+              <a:shade val="50000"/>
+            </a:schemeClr>
+          </a:lnRef>
+          <a:fillRef idx="1">
+            <a:schemeClr val="accent1"/>
+          </a:fillRef>
+          <a:effectRef idx="0">
+            <a:schemeClr val="accent1"/>
+          </a:effectRef>
+          <a:fontRef idx="minor">
+            <a:schemeClr val="lt1"/>
+          </a:fontRef>
+        </p:style>
+        <p:txBody>
+          <a:bodyPr lIns="72000" tIns="0" rIns="72000" bIns="0" rtlCol="0" anchor="ctr"/>
+          <a:lstStyle/>
+          <a:p>
+            <a:pPr algn="ctr">
+              <a:lnSpc>
+                <a:spcPct val="93000"/>
+              </a:lnSpc>
+              <a:spcBef>
+                <a:spcPts val="300"/>
+              </a:spcBef>
+            </a:pPr>
+            <a:endParaRPr kumimoji="1" lang="ja-JP" altLang="en-US" sz="1300" b="0" dirty="0">
+              <a:solidFill>
+                <a:schemeClr val="tx1"/>
+              </a:solidFill>
+              <a:cs typeface="Arial" pitchFamily="34" charset="0"/>
+            </a:endParaRPr>
+          </a:p>
+        </p:txBody>
+      </p:sp>
+      <p:sp>
+        <p:nvSpPr>
+          <p:cNvPr id="6" name="テキスト ボックス 5">
+            <a:extLst>
+              <a:ext uri="{FF2B5EF4-FFF2-40B4-BE49-F238E27FC236}">
+                <a16:creationId xmlns:a16="http://schemas.microsoft.com/office/drawing/2014/main" id="{76FF3CB4-AF73-4147-94E5-BB6574F7E3B2}"/>
+              </a:ext>
+            </a:extLst>
+          </p:cNvPr>
+          <p:cNvSpPr txBox="1"/>
+          <p:nvPr/>
+        </p:nvSpPr>
+        <p:spPr>
+          <a:xfrm>
+            <a:off x="947167" y="6403076"/>
+            <a:ext cx="666849" cy="186077"/>
+          </a:xfrm>
+          <a:prstGeom prst="rect">
+            <a:avLst/>
+          </a:prstGeom>
+        </p:spPr>
+        <p:txBody>
+          <a:bodyPr wrap="none" lIns="0" tIns="0" rIns="0" bIns="0" rtlCol="0">
+            <a:spAutoFit/>
+          </a:bodyPr>
+          <a:lstStyle/>
+          <a:p>
+            <a:pPr>
+              <a:lnSpc>
+                <a:spcPct val="93000"/>
+              </a:lnSpc>
+              <a:spcBef>
+                <a:spcPts val="0"/>
+              </a:spcBef>
+            </a:pPr>
+            <a:r>
+              <a:rPr kumimoji="1" lang="ja-JP" altLang="en-US" sz="1300" b="0">
+                <a:latin typeface="+mn-lt"/>
+                <a:cs typeface="Arial" pitchFamily="34" charset="0"/>
+              </a:rPr>
+              <a:t>世代交代</a:t>
+            </a:r>
+            <a:endParaRPr kumimoji="1" lang="ja-JP" altLang="en-US" sz="1300" b="0" dirty="0">
+              <a:latin typeface="+mn-lt"/>
+              <a:cs typeface="Arial" pitchFamily="34" charset="0"/>
+            </a:endParaRPr>
+          </a:p>
+        </p:txBody>
+      </p:sp>
+      <p:sp>
+        <p:nvSpPr>
+          <p:cNvPr id="11" name="テキスト ボックス 10">
+            <a:extLst>
+              <a:ext uri="{FF2B5EF4-FFF2-40B4-BE49-F238E27FC236}">
+                <a16:creationId xmlns:a16="http://schemas.microsoft.com/office/drawing/2014/main" id="{1D4209E8-0DD5-1446-8B47-7AB6C29FB3CA}"/>
+              </a:ext>
+            </a:extLst>
+          </p:cNvPr>
+          <p:cNvSpPr txBox="1"/>
+          <p:nvPr/>
+        </p:nvSpPr>
+        <p:spPr>
+          <a:xfrm>
+            <a:off x="2315319" y="6403076"/>
+            <a:ext cx="666849" cy="186077"/>
+          </a:xfrm>
+          <a:prstGeom prst="rect">
+            <a:avLst/>
+          </a:prstGeom>
+        </p:spPr>
+        <p:txBody>
+          <a:bodyPr wrap="none" lIns="0" tIns="0" rIns="0" bIns="0" rtlCol="0">
+            <a:spAutoFit/>
+          </a:bodyPr>
+          <a:lstStyle/>
+          <a:p>
+            <a:pPr>
+              <a:lnSpc>
+                <a:spcPct val="93000"/>
+              </a:lnSpc>
+              <a:spcBef>
+                <a:spcPts val="0"/>
+              </a:spcBef>
+            </a:pPr>
+            <a:r>
+              <a:rPr kumimoji="1" lang="ja-JP" altLang="en-US" sz="1300" b="0">
+                <a:latin typeface="+mn-lt"/>
+                <a:cs typeface="Arial" pitchFamily="34" charset="0"/>
+              </a:rPr>
+              <a:t>世代交代</a:t>
+            </a:r>
+            <a:endParaRPr kumimoji="1" lang="ja-JP" altLang="en-US" sz="1300" b="0" dirty="0">
+              <a:latin typeface="+mn-lt"/>
+              <a:cs typeface="Arial" pitchFamily="34" charset="0"/>
+            </a:endParaRPr>
+          </a:p>
+        </p:txBody>
+      </p:sp>
+      <p:sp>
+        <p:nvSpPr>
+          <p:cNvPr id="12" name="テキスト ボックス 11">
+            <a:extLst>
+              <a:ext uri="{FF2B5EF4-FFF2-40B4-BE49-F238E27FC236}">
+                <a16:creationId xmlns:a16="http://schemas.microsoft.com/office/drawing/2014/main" id="{ADBC562F-0736-0D43-994F-C7CB682D4950}"/>
+              </a:ext>
+            </a:extLst>
+          </p:cNvPr>
+          <p:cNvSpPr txBox="1"/>
+          <p:nvPr/>
+        </p:nvSpPr>
+        <p:spPr>
+          <a:xfrm>
+            <a:off x="4043511" y="6403076"/>
+            <a:ext cx="666849" cy="186077"/>
+          </a:xfrm>
+          <a:prstGeom prst="rect">
+            <a:avLst/>
+          </a:prstGeom>
+        </p:spPr>
+        <p:txBody>
+          <a:bodyPr wrap="none" lIns="0" tIns="0" rIns="0" bIns="0" rtlCol="0">
+            <a:spAutoFit/>
+          </a:bodyPr>
+          <a:lstStyle/>
+          <a:p>
+            <a:pPr>
+              <a:lnSpc>
+                <a:spcPct val="93000"/>
+              </a:lnSpc>
+              <a:spcBef>
+                <a:spcPts val="0"/>
+              </a:spcBef>
+            </a:pPr>
+            <a:r>
+              <a:rPr kumimoji="1" lang="ja-JP" altLang="en-US" sz="1300" b="0">
+                <a:latin typeface="+mn-lt"/>
+                <a:cs typeface="Arial" pitchFamily="34" charset="0"/>
+              </a:rPr>
+              <a:t>世代交代</a:t>
+            </a:r>
+            <a:endParaRPr kumimoji="1" lang="ja-JP" altLang="en-US" sz="1300" b="0" dirty="0">
+              <a:latin typeface="+mn-lt"/>
+              <a:cs typeface="Arial" pitchFamily="34" charset="0"/>
+            </a:endParaRPr>
+          </a:p>
+        </p:txBody>
+      </p:sp>
+    </p:spTree>
+    <p:extLst>
+      <p:ext uri="{BB962C8B-B14F-4D97-AF65-F5344CB8AC3E}">
+        <p14:creationId xmlns:p14="http://schemas.microsoft.com/office/powerpoint/2010/main" val="303166864"/>
+      </p:ext>
+    </p:extLst>
+  </p:cSld>
+  <p:clrMapOvr>
+    <a:masterClrMapping/>
+  </p:clrMapOvr>
+</p:sld>
+</file>
+
+<file path=ppt/slides/slide14.xml><?xml version="1.0" encoding="utf-8"?>
 <p:sld xmlns:a="http://schemas.openxmlformats.org/drawingml/2006/main" xmlns:r="http://schemas.openxmlformats.org/officeDocument/2006/relationships" xmlns:p="http://schemas.openxmlformats.org/presentationml/2006/main">
   <p:cSld>
     <p:spTree>
@@ -5996,8 +7202,8 @@
           <a:chExt cx="0" cy="0"/>
         </a:xfrm>
       </p:grpSpPr>
-      <mc:AlternateContent xmlns:mc="http://schemas.openxmlformats.org/markup-compatibility/2006">
-        <mc:Choice xmlns:a14="http://schemas.microsoft.com/office/drawing/2010/main" Requires="a14">
+      <mc:AlternateContent xmlns:mc="http://schemas.openxmlformats.org/markup-compatibility/2006" xmlns:a14="http://schemas.microsoft.com/office/drawing/2010/main">
+        <mc:Choice Requires="a14">
           <p:sp>
             <p:nvSpPr>
               <p:cNvPr id="14338" name="Rectangle 2"/>
@@ -6773,7 +7979,7 @@
             </p:txBody>
           </p:sp>
         </mc:Choice>
-        <mc:Fallback>
+        <mc:Fallback xmlns="">
           <p:sp>
             <p:nvSpPr>
               <p:cNvPr id="14338" name="Rectangle 2"/>
@@ -8157,8 +9363,8 @@
           <a:chExt cx="0" cy="0"/>
         </a:xfrm>
       </p:grpSpPr>
-      <mc:AlternateContent xmlns:mc="http://schemas.openxmlformats.org/markup-compatibility/2006">
-        <mc:Choice xmlns:a14="http://schemas.microsoft.com/office/drawing/2010/main" Requires="a14">
+      <mc:AlternateContent xmlns:mc="http://schemas.openxmlformats.org/markup-compatibility/2006" xmlns:a14="http://schemas.microsoft.com/office/drawing/2010/main">
+        <mc:Choice Requires="a14">
           <p:sp>
             <p:nvSpPr>
               <p:cNvPr id="14338" name="Rectangle 2"/>
@@ -8648,7 +9854,7 @@
             </p:txBody>
           </p:sp>
         </mc:Choice>
-        <mc:Fallback>
+        <mc:Fallback xmlns="">
           <p:sp>
             <p:nvSpPr>
               <p:cNvPr id="14338" name="Rectangle 2"/>
@@ -8989,8 +10195,8 @@
           <a:chExt cx="0" cy="0"/>
         </a:xfrm>
       </p:grpSpPr>
-      <mc:AlternateContent xmlns:mc="http://schemas.openxmlformats.org/markup-compatibility/2006">
-        <mc:Choice xmlns:a14="http://schemas.microsoft.com/office/drawing/2010/main" Requires="a14">
+      <mc:AlternateContent xmlns:mc="http://schemas.openxmlformats.org/markup-compatibility/2006" xmlns:a14="http://schemas.microsoft.com/office/drawing/2010/main">
+        <mc:Choice Requires="a14">
           <p:sp>
             <p:nvSpPr>
               <p:cNvPr id="14338" name="Rectangle 2"/>
@@ -9292,7 +10498,7 @@
             </p:txBody>
           </p:sp>
         </mc:Choice>
-        <mc:Fallback>
+        <mc:Fallback xmlns="">
           <p:sp>
             <p:nvSpPr>
               <p:cNvPr id="14338" name="Rectangle 2"/>

--- a/ban.pptx
+++ b/ban.pptx
@@ -2830,7 +2830,7 @@
           <a:graphicData uri="http://schemas.openxmlformats.org/presentationml/2006/ole">
             <mc:AlternateContent xmlns:mc="http://schemas.openxmlformats.org/markup-compatibility/2006">
               <mc:Choice xmlns:v="urn:schemas-microsoft-com:vml" Requires="v">
-                <p:oleObj spid="_x0000_s1310" name="think-cell Slide" r:id="rId5" imgW="360" imgH="360" progId="TCLayout.ActiveDocument.1">
+                <p:oleObj spid="_x0000_s1312" name="think-cell Slide" r:id="rId5" imgW="360" imgH="360" progId="TCLayout.ActiveDocument.1">
                   <p:embed/>
                 </p:oleObj>
               </mc:Choice>
@@ -4374,7 +4374,7 @@
         <p:spPr bwMode="auto">
           <a:xfrm>
             <a:off x="457200" y="1506538"/>
-            <a:ext cx="8991600" cy="609398"/>
+            <a:ext cx="8991600" cy="941796"/>
           </a:xfrm>
           <a:prstGeom prst="rect">
             <a:avLst/>
@@ -4414,6 +4414,33 @@
               </a:rPr>
               <a:t>: CIFAR-10</a:t>
             </a:r>
+          </a:p>
+          <a:p>
+            <a:pPr marL="742950" lvl="1" indent="-285750">
+              <a:spcBef>
+                <a:spcPct val="20000"/>
+              </a:spcBef>
+              <a:buFont typeface="Arial" panose="020B0604020202020204" pitchFamily="34" charset="0"/>
+              <a:buChar char="•"/>
+            </a:pPr>
+            <a:r>
+              <a:rPr kumimoji="1" lang="en-US" altLang="ja-JP" sz="1800" b="0" dirty="0">
+                <a:latin typeface="+mn-lt"/>
+                <a:ea typeface="+mj-ea"/>
+              </a:rPr>
+              <a:t>Data augmentation</a:t>
+            </a:r>
+            <a:r>
+              <a:rPr kumimoji="1" lang="ja-JP" altLang="en-US" sz="1800" b="0">
+                <a:latin typeface="+mn-lt"/>
+                <a:ea typeface="+mj-ea"/>
+              </a:rPr>
+              <a:t>は無し</a:t>
+            </a:r>
+            <a:endParaRPr kumimoji="1" lang="en-US" altLang="ja-JP" sz="1800" b="0" dirty="0">
+              <a:latin typeface="+mn-lt"/>
+              <a:ea typeface="+mj-ea"/>
+            </a:endParaRPr>
           </a:p>
           <a:p>
             <a:pPr marL="285750" indent="-285750" algn="l">
@@ -6801,7 +6828,7 @@
             <a:r>
               <a:rPr kumimoji="1" lang="ja-JP" altLang="en-US" sz="1600" b="0" dirty="0">
                 <a:solidFill>
-                  <a:srgbClr val="FF0000"/>
+                  <a:schemeClr val="tx2"/>
                 </a:solidFill>
                 <a:ea typeface="ＭＳ Ｐゴシック" pitchFamily="50" charset="-128"/>
               </a:rPr>
@@ -6809,7 +6836,7 @@
             </a:r>
             <a:endParaRPr kumimoji="1" lang="en-US" altLang="ja-JP" sz="1600" b="0" dirty="0">
               <a:solidFill>
-                <a:srgbClr val="FF0000"/>
+                <a:schemeClr val="tx2"/>
               </a:solidFill>
               <a:ea typeface="ＭＳ Ｐゴシック" pitchFamily="50" charset="-128"/>
             </a:endParaRPr>
@@ -6828,7 +6855,7 @@
             <a:r>
               <a:rPr kumimoji="1" lang="ja-JP" altLang="en-US" sz="1600" b="0" dirty="0">
                 <a:solidFill>
-                  <a:srgbClr val="FF0000"/>
+                  <a:schemeClr val="tx2"/>
                 </a:solidFill>
                 <a:ea typeface="ＭＳ Ｐゴシック" pitchFamily="50" charset="-128"/>
               </a:rPr>
@@ -6836,7 +6863,7 @@
             </a:r>
             <a:endParaRPr kumimoji="1" lang="en-US" altLang="ja-JP" sz="1600" b="0" dirty="0">
               <a:solidFill>
-                <a:srgbClr val="FF0000"/>
+                <a:schemeClr val="tx2"/>
               </a:solidFill>
               <a:ea typeface="ＭＳ Ｐゴシック" pitchFamily="50" charset="-128"/>
             </a:endParaRPr>
@@ -6855,7 +6882,7 @@
             <a:r>
               <a:rPr kumimoji="1" lang="ja-JP" altLang="en-US" sz="1600" b="0" dirty="0">
                 <a:solidFill>
-                  <a:schemeClr val="tx2"/>
+                  <a:srgbClr val="FF0000"/>
                 </a:solidFill>
                 <a:ea typeface="ＭＳ Ｐゴシック" pitchFamily="50" charset="-128"/>
               </a:rPr>
@@ -6863,7 +6890,7 @@
             </a:r>
             <a:endParaRPr kumimoji="1" lang="en-US" altLang="ja-JP" sz="1600" b="0" dirty="0">
               <a:solidFill>
-                <a:schemeClr val="tx2"/>
+                <a:srgbClr val="FF0000"/>
               </a:solidFill>
               <a:ea typeface="ＭＳ Ｐゴシック" pitchFamily="50" charset="-128"/>
             </a:endParaRPr>
@@ -6882,7 +6909,7 @@
             <a:r>
               <a:rPr kumimoji="1" lang="ja-JP" altLang="en-US" sz="1600" b="0" dirty="0">
                 <a:solidFill>
-                  <a:schemeClr val="tx2"/>
+                  <a:srgbClr val="FF0000"/>
                 </a:solidFill>
                 <a:ea typeface="ＭＳ Ｐゴシック" pitchFamily="50" charset="-128"/>
               </a:rPr>
@@ -6890,7 +6917,7 @@
             </a:r>
             <a:endParaRPr kumimoji="1" lang="en-US" altLang="ja-JP" sz="1600" b="0" dirty="0">
               <a:solidFill>
-                <a:schemeClr val="tx2"/>
+                <a:srgbClr val="FF0000"/>
               </a:solidFill>
               <a:ea typeface="ＭＳ Ｐゴシック" pitchFamily="50" charset="-128"/>
             </a:endParaRPr>

--- a/ban.pptx
+++ b/ban.pptx
@@ -2830,7 +2830,7 @@
           <a:graphicData uri="http://schemas.openxmlformats.org/presentationml/2006/ole">
             <mc:AlternateContent xmlns:mc="http://schemas.openxmlformats.org/markup-compatibility/2006">
               <mc:Choice xmlns:v="urn:schemas-microsoft-com:vml" Requires="v">
-                <p:oleObj spid="_x0000_s1312" name="think-cell Slide" r:id="rId5" imgW="360" imgH="360" progId="TCLayout.ActiveDocument.1">
+                <p:oleObj spid="_x0000_s1313" name="think-cell Slide" r:id="rId5" imgW="360" imgH="360" progId="TCLayout.ActiveDocument.1">
                   <p:embed/>
                 </p:oleObj>
               </mc:Choice>
@@ -3698,12 +3698,16 @@
           <a:lstStyle/>
           <a:p>
             <a:r>
-              <a:rPr kumimoji="1" lang="en-US" altLang="ja-JP" sz="1800" dirty="0">
+              <a:rPr kumimoji="1" lang="en-US" altLang="ja-JP" sz="1800">
                 <a:latin typeface="Arial" panose="020B0604020202020204" pitchFamily="34" charset="0"/>
                 <a:cs typeface="Arial" panose="020B0604020202020204" pitchFamily="34" charset="0"/>
               </a:rPr>
-              <a:t>2018.07.22</a:t>
-            </a:r>
+              <a:t>2018.07.26</a:t>
+            </a:r>
+            <a:endParaRPr kumimoji="1" lang="en-US" altLang="ja-JP" sz="1800" dirty="0">
+              <a:latin typeface="Arial" panose="020B0604020202020204" pitchFamily="34" charset="0"/>
+              <a:cs typeface="Arial" panose="020B0604020202020204" pitchFamily="34" charset="0"/>
+            </a:endParaRPr>
           </a:p>
           <a:p>
             <a:r>

--- a/ban.pptx
+++ b/ban.pptx
@@ -273,7 +273,7 @@
             <a:fld id="{3FD127D7-3E5F-4687-A711-A9A97EBDE86C}" type="datetimeFigureOut">
               <a:rPr kumimoji="1" lang="ja-JP" altLang="en-US" smtClean="0"/>
               <a:pPr/>
-              <a:t>2018/7/24</a:t>
+              <a:t>2018/7/25</a:t>
             </a:fld>
             <a:endParaRPr kumimoji="1" lang="ja-JP" altLang="en-US"/>
           </a:p>
@@ -440,7 +440,7 @@
             <a:fld id="{DFCC6AE9-37A0-442D-9AA9-559E68639AC4}" type="datetimeFigureOut">
               <a:rPr kumimoji="1" lang="ja-JP" altLang="en-US" smtClean="0"/>
               <a:pPr/>
-              <a:t>2018/7/24</a:t>
+              <a:t>2018/7/25</a:t>
             </a:fld>
             <a:endParaRPr kumimoji="1" lang="ja-JP" altLang="en-US"/>
           </a:p>
@@ -2830,7 +2830,7 @@
           <a:graphicData uri="http://schemas.openxmlformats.org/presentationml/2006/ole">
             <mc:AlternateContent xmlns:mc="http://schemas.openxmlformats.org/markup-compatibility/2006">
               <mc:Choice xmlns:v="urn:schemas-microsoft-com:vml" Requires="v">
-                <p:oleObj spid="_x0000_s1313" name="think-cell Slide" r:id="rId5" imgW="360" imgH="360" progId="TCLayout.ActiveDocument.1">
+                <p:oleObj spid="_x0000_s1314" name="think-cell Slide" r:id="rId5" imgW="360" imgH="360" progId="TCLayout.ActiveDocument.1">
                   <p:embed/>
                 </p:oleObj>
               </mc:Choice>
@@ -4838,71 +4838,6 @@
       </p:graphicFrame>
       <p:sp>
         <p:nvSpPr>
-          <p:cNvPr id="5" name="上矢印 4">
-            <a:extLst>
-              <a:ext uri="{FF2B5EF4-FFF2-40B4-BE49-F238E27FC236}">
-                <a16:creationId xmlns:a16="http://schemas.microsoft.com/office/drawing/2014/main" id="{22D341F4-EF29-FE47-A46A-297E41CA792E}"/>
-              </a:ext>
-            </a:extLst>
-          </p:cNvPr>
-          <p:cNvSpPr/>
-          <p:nvPr/>
-        </p:nvSpPr>
-        <p:spPr>
-          <a:xfrm>
-            <a:off x="1136576" y="5702080"/>
-            <a:ext cx="288032" cy="504056"/>
-          </a:xfrm>
-          <a:prstGeom prst="upArrow">
-            <a:avLst/>
-          </a:prstGeom>
-          <a:noFill/>
-          <a:ln w="9525" cmpd="sng">
-            <a:solidFill>
-              <a:schemeClr val="accent3"/>
-            </a:solidFill>
-          </a:ln>
-          <a:effectLst/>
-        </p:spPr>
-        <p:style>
-          <a:lnRef idx="2">
-            <a:schemeClr val="accent1">
-              <a:shade val="50000"/>
-            </a:schemeClr>
-          </a:lnRef>
-          <a:fillRef idx="1">
-            <a:schemeClr val="accent1"/>
-          </a:fillRef>
-          <a:effectRef idx="0">
-            <a:schemeClr val="accent1"/>
-          </a:effectRef>
-          <a:fontRef idx="minor">
-            <a:schemeClr val="lt1"/>
-          </a:fontRef>
-        </p:style>
-        <p:txBody>
-          <a:bodyPr lIns="72000" tIns="0" rIns="72000" bIns="0" rtlCol="0" anchor="ctr"/>
-          <a:lstStyle/>
-          <a:p>
-            <a:pPr algn="ctr">
-              <a:lnSpc>
-                <a:spcPct val="93000"/>
-              </a:lnSpc>
-              <a:spcBef>
-                <a:spcPts val="300"/>
-              </a:spcBef>
-            </a:pPr>
-            <a:endParaRPr kumimoji="1" lang="ja-JP" altLang="en-US" sz="1300" b="0" dirty="0">
-              <a:solidFill>
-                <a:schemeClr val="tx1"/>
-              </a:solidFill>
-              <a:cs typeface="Arial" pitchFamily="34" charset="0"/>
-            </a:endParaRPr>
-          </a:p>
-        </p:txBody>
-      </p:sp>
-      <p:sp>
-        <p:nvSpPr>
           <p:cNvPr id="8" name="上矢印 7">
             <a:extLst>
               <a:ext uri="{FF2B5EF4-FFF2-40B4-BE49-F238E27FC236}">
@@ -5026,55 +4961,6 @@
               <a:solidFill>
                 <a:schemeClr val="tx1"/>
               </a:solidFill>
-              <a:cs typeface="Arial" pitchFamily="34" charset="0"/>
-            </a:endParaRPr>
-          </a:p>
-        </p:txBody>
-      </p:sp>
-      <p:sp>
-        <p:nvSpPr>
-          <p:cNvPr id="6" name="テキスト ボックス 5">
-            <a:extLst>
-              <a:ext uri="{FF2B5EF4-FFF2-40B4-BE49-F238E27FC236}">
-                <a16:creationId xmlns:a16="http://schemas.microsoft.com/office/drawing/2014/main" id="{76FF3CB4-AF73-4147-94E5-BB6574F7E3B2}"/>
-              </a:ext>
-            </a:extLst>
-          </p:cNvPr>
-          <p:cNvSpPr txBox="1"/>
-          <p:nvPr/>
-        </p:nvSpPr>
-        <p:spPr>
-          <a:xfrm>
-            <a:off x="947167" y="6403076"/>
-            <a:ext cx="666849" cy="186077"/>
-          </a:xfrm>
-          <a:prstGeom prst="rect">
-            <a:avLst/>
-          </a:prstGeom>
-        </p:spPr>
-        <p:txBody>
-          <a:bodyPr wrap="none" lIns="0" tIns="0" rIns="0" bIns="0" rtlCol="0">
-            <a:spAutoFit/>
-          </a:bodyPr>
-          <a:lstStyle/>
-          <a:p>
-            <a:pPr>
-              <a:lnSpc>
-                <a:spcPct val="93000"/>
-              </a:lnSpc>
-              <a:spcBef>
-                <a:spcPts val="0"/>
-              </a:spcBef>
-            </a:pPr>
-            <a:r>
-              <a:rPr kumimoji="1" lang="ja-JP" altLang="en-US" sz="1300" b="0">
-                <a:latin typeface="+mn-lt"/>
-                <a:cs typeface="Arial" pitchFamily="34" charset="0"/>
-              </a:rPr>
-              <a:t>世代交代</a:t>
-            </a:r>
-            <a:endParaRPr kumimoji="1" lang="ja-JP" altLang="en-US" sz="1300" b="0" dirty="0">
-              <a:latin typeface="+mn-lt"/>
               <a:cs typeface="Arial" pitchFamily="34" charset="0"/>
             </a:endParaRPr>
           </a:p>

--- a/ban.pptx
+++ b/ban.pptx
@@ -2830,7 +2830,7 @@
           <a:graphicData uri="http://schemas.openxmlformats.org/presentationml/2006/ole">
             <mc:AlternateContent xmlns:mc="http://schemas.openxmlformats.org/markup-compatibility/2006">
               <mc:Choice xmlns:v="urn:schemas-microsoft-com:vml" Requires="v">
-                <p:oleObj spid="_x0000_s1314" name="think-cell Slide" r:id="rId5" imgW="360" imgH="360" progId="TCLayout.ActiveDocument.1">
+                <p:oleObj spid="_x0000_s1320" name="think-cell Slide" r:id="rId5" imgW="360" imgH="360" progId="TCLayout.ActiveDocument.1">
                   <p:embed/>
                 </p:oleObj>
               </mc:Choice>
@@ -5608,10 +5608,10 @@
       </p:sp>
       <p:grpSp>
         <p:nvGrpSpPr>
-          <p:cNvPr id="4" name="グループ化 3">
+          <p:cNvPr id="2" name="グループ化 1">
             <a:extLst>
               <a:ext uri="{FF2B5EF4-FFF2-40B4-BE49-F238E27FC236}">
-                <a16:creationId xmlns:a16="http://schemas.microsoft.com/office/drawing/2014/main" id="{FEE655E8-9155-304E-BC1A-167DCB97493E}"/>
+                <a16:creationId xmlns:a16="http://schemas.microsoft.com/office/drawing/2014/main" id="{E59CC16C-F3A6-984F-9695-C0E2FB8CA78B}"/>
               </a:ext>
             </a:extLst>
           </p:cNvPr>
@@ -5620,18 +5620,593 @@
         </p:nvGrpSpPr>
         <p:grpSpPr>
           <a:xfrm>
-            <a:off x="1363669" y="2715179"/>
-            <a:ext cx="2630824" cy="1872208"/>
-            <a:chOff x="738000" y="3356992"/>
-            <a:chExt cx="3009578" cy="1872208"/>
+            <a:off x="1496616" y="2564904"/>
+            <a:ext cx="6325635" cy="3594141"/>
+            <a:chOff x="1363669" y="2715179"/>
+            <a:chExt cx="6639846" cy="3994170"/>
           </a:xfrm>
         </p:grpSpPr>
+        <p:grpSp>
+          <p:nvGrpSpPr>
+            <p:cNvPr id="4" name="グループ化 3">
+              <a:extLst>
+                <a:ext uri="{FF2B5EF4-FFF2-40B4-BE49-F238E27FC236}">
+                  <a16:creationId xmlns:a16="http://schemas.microsoft.com/office/drawing/2014/main" id="{FEE655E8-9155-304E-BC1A-167DCB97493E}"/>
+                </a:ext>
+              </a:extLst>
+            </p:cNvPr>
+            <p:cNvGrpSpPr/>
+            <p:nvPr/>
+          </p:nvGrpSpPr>
+          <p:grpSpPr>
+            <a:xfrm>
+              <a:off x="1363669" y="2715179"/>
+              <a:ext cx="2630824" cy="1872208"/>
+              <a:chOff x="738000" y="3356992"/>
+              <a:chExt cx="3009578" cy="1872208"/>
+            </a:xfrm>
+          </p:grpSpPr>
+          <p:sp>
+            <p:nvSpPr>
+              <p:cNvPr id="3" name="正方形/長方形 2">
+                <a:extLst>
+                  <a:ext uri="{FF2B5EF4-FFF2-40B4-BE49-F238E27FC236}">
+                    <a16:creationId xmlns:a16="http://schemas.microsoft.com/office/drawing/2014/main" id="{5174A99C-8635-1745-BE02-2A93E386228B}"/>
+                  </a:ext>
+                </a:extLst>
+              </p:cNvPr>
+              <p:cNvSpPr/>
+              <p:nvPr/>
+            </p:nvSpPr>
+            <p:spPr>
+              <a:xfrm>
+                <a:off x="738000" y="3356992"/>
+                <a:ext cx="470584" cy="1872208"/>
+              </a:xfrm>
+              <a:prstGeom prst="rect">
+                <a:avLst/>
+              </a:prstGeom>
+              <a:solidFill>
+                <a:schemeClr val="accent2"/>
+              </a:solidFill>
+              <a:ln w="9525" cmpd="sng">
+                <a:solidFill>
+                  <a:schemeClr val="accent3"/>
+                </a:solidFill>
+              </a:ln>
+              <a:effectLst/>
+            </p:spPr>
+            <p:style>
+              <a:lnRef idx="2">
+                <a:schemeClr val="accent1">
+                  <a:shade val="50000"/>
+                </a:schemeClr>
+              </a:lnRef>
+              <a:fillRef idx="1">
+                <a:schemeClr val="accent1"/>
+              </a:fillRef>
+              <a:effectRef idx="0">
+                <a:schemeClr val="accent1"/>
+              </a:effectRef>
+              <a:fontRef idx="minor">
+                <a:schemeClr val="lt1"/>
+              </a:fontRef>
+            </p:style>
+            <p:txBody>
+              <a:bodyPr lIns="72000" tIns="0" rIns="72000" bIns="0" rtlCol="0" anchor="ctr"/>
+              <a:lstStyle/>
+              <a:p>
+                <a:pPr algn="ctr">
+                  <a:lnSpc>
+                    <a:spcPct val="93000"/>
+                  </a:lnSpc>
+                  <a:spcBef>
+                    <a:spcPts val="300"/>
+                  </a:spcBef>
+                </a:pPr>
+                <a:endParaRPr kumimoji="1" lang="ja-JP" altLang="en-US" sz="1300" b="0" dirty="0">
+                  <a:solidFill>
+                    <a:schemeClr val="tx1"/>
+                  </a:solidFill>
+                  <a:cs typeface="Arial" pitchFamily="34" charset="0"/>
+                </a:endParaRPr>
+              </a:p>
+            </p:txBody>
+          </p:sp>
+          <p:sp>
+            <p:nvSpPr>
+              <p:cNvPr id="12" name="正方形/長方形 11">
+                <a:extLst>
+                  <a:ext uri="{FF2B5EF4-FFF2-40B4-BE49-F238E27FC236}">
+                    <a16:creationId xmlns:a16="http://schemas.microsoft.com/office/drawing/2014/main" id="{BD636604-4167-A64D-885D-F89EEAFE8856}"/>
+                  </a:ext>
+                </a:extLst>
+              </p:cNvPr>
+              <p:cNvSpPr/>
+              <p:nvPr/>
+            </p:nvSpPr>
+            <p:spPr>
+              <a:xfrm>
+                <a:off x="1363006" y="3645024"/>
+                <a:ext cx="401108" cy="1296144"/>
+              </a:xfrm>
+              <a:prstGeom prst="rect">
+                <a:avLst/>
+              </a:prstGeom>
+              <a:solidFill>
+                <a:schemeClr val="accent2"/>
+              </a:solidFill>
+              <a:ln w="9525" cmpd="sng">
+                <a:solidFill>
+                  <a:schemeClr val="accent3"/>
+                </a:solidFill>
+              </a:ln>
+              <a:effectLst/>
+            </p:spPr>
+            <p:style>
+              <a:lnRef idx="2">
+                <a:schemeClr val="accent1">
+                  <a:shade val="50000"/>
+                </a:schemeClr>
+              </a:lnRef>
+              <a:fillRef idx="1">
+                <a:schemeClr val="accent1"/>
+              </a:fillRef>
+              <a:effectRef idx="0">
+                <a:schemeClr val="accent1"/>
+              </a:effectRef>
+              <a:fontRef idx="minor">
+                <a:schemeClr val="lt1"/>
+              </a:fontRef>
+            </p:style>
+            <p:txBody>
+              <a:bodyPr lIns="72000" tIns="0" rIns="72000" bIns="0" rtlCol="0" anchor="ctr"/>
+              <a:lstStyle/>
+              <a:p>
+                <a:pPr algn="ctr">
+                  <a:lnSpc>
+                    <a:spcPct val="93000"/>
+                  </a:lnSpc>
+                  <a:spcBef>
+                    <a:spcPts val="300"/>
+                  </a:spcBef>
+                </a:pPr>
+                <a:endParaRPr kumimoji="1" lang="ja-JP" altLang="en-US" sz="1300" b="0" dirty="0">
+                  <a:solidFill>
+                    <a:schemeClr val="tx1"/>
+                  </a:solidFill>
+                  <a:cs typeface="Arial" pitchFamily="34" charset="0"/>
+                </a:endParaRPr>
+              </a:p>
+            </p:txBody>
+          </p:sp>
+          <p:sp>
+            <p:nvSpPr>
+              <p:cNvPr id="13" name="正方形/長方形 12">
+                <a:extLst>
+                  <a:ext uri="{FF2B5EF4-FFF2-40B4-BE49-F238E27FC236}">
+                    <a16:creationId xmlns:a16="http://schemas.microsoft.com/office/drawing/2014/main" id="{1512DB55-7D6E-1D4A-A77A-D5E477EE9E71}"/>
+                  </a:ext>
+                </a:extLst>
+              </p:cNvPr>
+              <p:cNvSpPr/>
+              <p:nvPr/>
+            </p:nvSpPr>
+            <p:spPr>
+              <a:xfrm>
+                <a:off x="1921240" y="3789040"/>
+                <a:ext cx="432048" cy="1080120"/>
+              </a:xfrm>
+              <a:prstGeom prst="rect">
+                <a:avLst/>
+              </a:prstGeom>
+              <a:solidFill>
+                <a:schemeClr val="accent2"/>
+              </a:solidFill>
+              <a:ln w="9525" cmpd="sng">
+                <a:solidFill>
+                  <a:schemeClr val="accent3"/>
+                </a:solidFill>
+              </a:ln>
+              <a:effectLst/>
+            </p:spPr>
+            <p:style>
+              <a:lnRef idx="2">
+                <a:schemeClr val="accent1">
+                  <a:shade val="50000"/>
+                </a:schemeClr>
+              </a:lnRef>
+              <a:fillRef idx="1">
+                <a:schemeClr val="accent1"/>
+              </a:fillRef>
+              <a:effectRef idx="0">
+                <a:schemeClr val="accent1"/>
+              </a:effectRef>
+              <a:fontRef idx="minor">
+                <a:schemeClr val="lt1"/>
+              </a:fontRef>
+            </p:style>
+            <p:txBody>
+              <a:bodyPr lIns="72000" tIns="0" rIns="72000" bIns="0" rtlCol="0" anchor="ctr"/>
+              <a:lstStyle/>
+              <a:p>
+                <a:pPr algn="ctr">
+                  <a:lnSpc>
+                    <a:spcPct val="93000"/>
+                  </a:lnSpc>
+                  <a:spcBef>
+                    <a:spcPts val="300"/>
+                  </a:spcBef>
+                </a:pPr>
+                <a:endParaRPr kumimoji="1" lang="ja-JP" altLang="en-US" sz="1300" b="0" dirty="0">
+                  <a:solidFill>
+                    <a:schemeClr val="tx1"/>
+                  </a:solidFill>
+                  <a:cs typeface="Arial" pitchFamily="34" charset="0"/>
+                </a:endParaRPr>
+              </a:p>
+            </p:txBody>
+          </p:sp>
+          <p:sp>
+            <p:nvSpPr>
+              <p:cNvPr id="14" name="正方形/長方形 13">
+                <a:extLst>
+                  <a:ext uri="{FF2B5EF4-FFF2-40B4-BE49-F238E27FC236}">
+                    <a16:creationId xmlns:a16="http://schemas.microsoft.com/office/drawing/2014/main" id="{F84F6116-6408-3346-8AD7-10551D24A6CF}"/>
+                  </a:ext>
+                </a:extLst>
+              </p:cNvPr>
+              <p:cNvSpPr/>
+              <p:nvPr/>
+            </p:nvSpPr>
+            <p:spPr>
+              <a:xfrm>
+                <a:off x="2527109" y="3933056"/>
+                <a:ext cx="470584" cy="720080"/>
+              </a:xfrm>
+              <a:prstGeom prst="rect">
+                <a:avLst/>
+              </a:prstGeom>
+              <a:solidFill>
+                <a:schemeClr val="accent2"/>
+              </a:solidFill>
+              <a:ln w="9525" cmpd="sng">
+                <a:solidFill>
+                  <a:schemeClr val="accent3"/>
+                </a:solidFill>
+              </a:ln>
+              <a:effectLst/>
+            </p:spPr>
+            <p:style>
+              <a:lnRef idx="2">
+                <a:schemeClr val="accent1">
+                  <a:shade val="50000"/>
+                </a:schemeClr>
+              </a:lnRef>
+              <a:fillRef idx="1">
+                <a:schemeClr val="accent1"/>
+              </a:fillRef>
+              <a:effectRef idx="0">
+                <a:schemeClr val="accent1"/>
+              </a:effectRef>
+              <a:fontRef idx="minor">
+                <a:schemeClr val="lt1"/>
+              </a:fontRef>
+            </p:style>
+            <p:txBody>
+              <a:bodyPr lIns="72000" tIns="0" rIns="72000" bIns="0" rtlCol="0" anchor="ctr"/>
+              <a:lstStyle/>
+              <a:p>
+                <a:pPr algn="ctr">
+                  <a:lnSpc>
+                    <a:spcPct val="93000"/>
+                  </a:lnSpc>
+                  <a:spcBef>
+                    <a:spcPts val="300"/>
+                  </a:spcBef>
+                </a:pPr>
+                <a:endParaRPr kumimoji="1" lang="ja-JP" altLang="en-US" sz="1300" b="0" dirty="0">
+                  <a:solidFill>
+                    <a:schemeClr val="tx1"/>
+                  </a:solidFill>
+                  <a:cs typeface="Arial" pitchFamily="34" charset="0"/>
+                </a:endParaRPr>
+              </a:p>
+            </p:txBody>
+          </p:sp>
+          <p:sp>
+            <p:nvSpPr>
+              <p:cNvPr id="15" name="正方形/長方形 14">
+                <a:extLst>
+                  <a:ext uri="{FF2B5EF4-FFF2-40B4-BE49-F238E27FC236}">
+                    <a16:creationId xmlns:a16="http://schemas.microsoft.com/office/drawing/2014/main" id="{C588896E-5A17-024E-9F64-7F31E5814144}"/>
+                  </a:ext>
+                </a:extLst>
+              </p:cNvPr>
+              <p:cNvSpPr/>
+              <p:nvPr/>
+            </p:nvSpPr>
+            <p:spPr>
+              <a:xfrm>
+                <a:off x="3171514" y="4077072"/>
+                <a:ext cx="576064" cy="432048"/>
+              </a:xfrm>
+              <a:prstGeom prst="rect">
+                <a:avLst/>
+              </a:prstGeom>
+              <a:solidFill>
+                <a:schemeClr val="accent2"/>
+              </a:solidFill>
+              <a:ln w="9525" cmpd="sng">
+                <a:solidFill>
+                  <a:schemeClr val="accent3"/>
+                </a:solidFill>
+              </a:ln>
+              <a:effectLst/>
+            </p:spPr>
+            <p:style>
+              <a:lnRef idx="2">
+                <a:schemeClr val="accent1">
+                  <a:shade val="50000"/>
+                </a:schemeClr>
+              </a:lnRef>
+              <a:fillRef idx="1">
+                <a:schemeClr val="accent1"/>
+              </a:fillRef>
+              <a:effectRef idx="0">
+                <a:schemeClr val="accent1"/>
+              </a:effectRef>
+              <a:fontRef idx="minor">
+                <a:schemeClr val="lt1"/>
+              </a:fontRef>
+            </p:style>
+            <p:txBody>
+              <a:bodyPr lIns="72000" tIns="0" rIns="72000" bIns="0" rtlCol="0" anchor="ctr"/>
+              <a:lstStyle/>
+              <a:p>
+                <a:pPr algn="ctr">
+                  <a:lnSpc>
+                    <a:spcPct val="93000"/>
+                  </a:lnSpc>
+                  <a:spcBef>
+                    <a:spcPts val="300"/>
+                  </a:spcBef>
+                </a:pPr>
+                <a:endParaRPr kumimoji="1" lang="ja-JP" altLang="en-US" sz="1300" b="0" dirty="0">
+                  <a:solidFill>
+                    <a:schemeClr val="tx1"/>
+                  </a:solidFill>
+                  <a:cs typeface="Arial" pitchFamily="34" charset="0"/>
+                </a:endParaRPr>
+              </a:p>
+            </p:txBody>
+          </p:sp>
+        </p:grpSp>
+        <p:grpSp>
+          <p:nvGrpSpPr>
+            <p:cNvPr id="18" name="グループ化 17">
+              <a:extLst>
+                <a:ext uri="{FF2B5EF4-FFF2-40B4-BE49-F238E27FC236}">
+                  <a16:creationId xmlns:a16="http://schemas.microsoft.com/office/drawing/2014/main" id="{618512EC-ECA2-5F46-BAA2-FBE41FFFBD5C}"/>
+                </a:ext>
+              </a:extLst>
+            </p:cNvPr>
+            <p:cNvGrpSpPr/>
+            <p:nvPr/>
+          </p:nvGrpSpPr>
+          <p:grpSpPr>
+            <a:xfrm>
+              <a:off x="6177136" y="5312271"/>
+              <a:ext cx="1826379" cy="1397078"/>
+              <a:chOff x="738000" y="3356992"/>
+              <a:chExt cx="2037298" cy="1872208"/>
+            </a:xfrm>
+            <a:solidFill>
+              <a:schemeClr val="tx2"/>
+            </a:solidFill>
+          </p:grpSpPr>
+          <p:sp>
+            <p:nvSpPr>
+              <p:cNvPr id="19" name="正方形/長方形 18">
+                <a:extLst>
+                  <a:ext uri="{FF2B5EF4-FFF2-40B4-BE49-F238E27FC236}">
+                    <a16:creationId xmlns:a16="http://schemas.microsoft.com/office/drawing/2014/main" id="{74CDD907-173F-4B4A-9874-0C57CA3AAFA2}"/>
+                  </a:ext>
+                </a:extLst>
+              </p:cNvPr>
+              <p:cNvSpPr/>
+              <p:nvPr/>
+            </p:nvSpPr>
+            <p:spPr>
+              <a:xfrm>
+                <a:off x="738000" y="3356992"/>
+                <a:ext cx="470584" cy="1872208"/>
+              </a:xfrm>
+              <a:prstGeom prst="rect">
+                <a:avLst/>
+              </a:prstGeom>
+              <a:grpFill/>
+              <a:ln w="9525" cmpd="sng">
+                <a:solidFill>
+                  <a:schemeClr val="accent3"/>
+                </a:solidFill>
+              </a:ln>
+              <a:effectLst/>
+            </p:spPr>
+            <p:style>
+              <a:lnRef idx="2">
+                <a:schemeClr val="accent1">
+                  <a:shade val="50000"/>
+                </a:schemeClr>
+              </a:lnRef>
+              <a:fillRef idx="1">
+                <a:schemeClr val="accent1"/>
+              </a:fillRef>
+              <a:effectRef idx="0">
+                <a:schemeClr val="accent1"/>
+              </a:effectRef>
+              <a:fontRef idx="minor">
+                <a:schemeClr val="lt1"/>
+              </a:fontRef>
+            </p:style>
+            <p:txBody>
+              <a:bodyPr lIns="72000" tIns="0" rIns="72000" bIns="0" rtlCol="0" anchor="ctr"/>
+              <a:lstStyle/>
+              <a:p>
+                <a:pPr algn="ctr">
+                  <a:lnSpc>
+                    <a:spcPct val="93000"/>
+                  </a:lnSpc>
+                  <a:spcBef>
+                    <a:spcPts val="300"/>
+                  </a:spcBef>
+                </a:pPr>
+                <a:endParaRPr kumimoji="1" lang="ja-JP" altLang="en-US" sz="1300" b="0" dirty="0">
+                  <a:solidFill>
+                    <a:schemeClr val="tx1"/>
+                  </a:solidFill>
+                  <a:cs typeface="Arial" pitchFamily="34" charset="0"/>
+                </a:endParaRPr>
+              </a:p>
+            </p:txBody>
+          </p:sp>
+          <p:sp>
+            <p:nvSpPr>
+              <p:cNvPr id="21" name="正方形/長方形 20">
+                <a:extLst>
+                  <a:ext uri="{FF2B5EF4-FFF2-40B4-BE49-F238E27FC236}">
+                    <a16:creationId xmlns:a16="http://schemas.microsoft.com/office/drawing/2014/main" id="{7276A4FE-BE03-394A-B3B4-F875B2AC4CCF}"/>
+                  </a:ext>
+                </a:extLst>
+              </p:cNvPr>
+              <p:cNvSpPr/>
+              <p:nvPr/>
+            </p:nvSpPr>
+            <p:spPr>
+              <a:xfrm>
+                <a:off x="1487885" y="3789040"/>
+                <a:ext cx="432048" cy="1080120"/>
+              </a:xfrm>
+              <a:prstGeom prst="rect">
+                <a:avLst/>
+              </a:prstGeom>
+              <a:grpFill/>
+              <a:ln w="9525" cmpd="sng">
+                <a:solidFill>
+                  <a:schemeClr val="accent3"/>
+                </a:solidFill>
+              </a:ln>
+              <a:effectLst/>
+            </p:spPr>
+            <p:style>
+              <a:lnRef idx="2">
+                <a:schemeClr val="accent1">
+                  <a:shade val="50000"/>
+                </a:schemeClr>
+              </a:lnRef>
+              <a:fillRef idx="1">
+                <a:schemeClr val="accent1"/>
+              </a:fillRef>
+              <a:effectRef idx="0">
+                <a:schemeClr val="accent1"/>
+              </a:effectRef>
+              <a:fontRef idx="minor">
+                <a:schemeClr val="lt1"/>
+              </a:fontRef>
+            </p:style>
+            <p:txBody>
+              <a:bodyPr lIns="72000" tIns="0" rIns="72000" bIns="0" rtlCol="0" anchor="ctr"/>
+              <a:lstStyle/>
+              <a:p>
+                <a:pPr algn="ctr">
+                  <a:lnSpc>
+                    <a:spcPct val="93000"/>
+                  </a:lnSpc>
+                  <a:spcBef>
+                    <a:spcPts val="300"/>
+                  </a:spcBef>
+                </a:pPr>
+                <a:endParaRPr kumimoji="1" lang="ja-JP" altLang="en-US" sz="1300" b="0" dirty="0">
+                  <a:solidFill>
+                    <a:schemeClr val="tx1"/>
+                  </a:solidFill>
+                  <a:cs typeface="Arial" pitchFamily="34" charset="0"/>
+                </a:endParaRPr>
+              </a:p>
+            </p:txBody>
+          </p:sp>
+          <p:sp>
+            <p:nvSpPr>
+              <p:cNvPr id="23" name="正方形/長方形 22">
+                <a:extLst>
+                  <a:ext uri="{FF2B5EF4-FFF2-40B4-BE49-F238E27FC236}">
+                    <a16:creationId xmlns:a16="http://schemas.microsoft.com/office/drawing/2014/main" id="{581E1A38-2BB6-CA46-B5C2-3A544F9078CA}"/>
+                  </a:ext>
+                </a:extLst>
+              </p:cNvPr>
+              <p:cNvSpPr/>
+              <p:nvPr/>
+            </p:nvSpPr>
+            <p:spPr>
+              <a:xfrm>
+                <a:off x="2199234" y="4077072"/>
+                <a:ext cx="576064" cy="432048"/>
+              </a:xfrm>
+              <a:prstGeom prst="rect">
+                <a:avLst/>
+              </a:prstGeom>
+              <a:grpFill/>
+              <a:ln w="9525" cmpd="sng">
+                <a:solidFill>
+                  <a:schemeClr val="accent3"/>
+                </a:solidFill>
+              </a:ln>
+              <a:effectLst/>
+            </p:spPr>
+            <p:style>
+              <a:lnRef idx="2">
+                <a:schemeClr val="accent1">
+                  <a:shade val="50000"/>
+                </a:schemeClr>
+              </a:lnRef>
+              <a:fillRef idx="1">
+                <a:schemeClr val="accent1"/>
+              </a:fillRef>
+              <a:effectRef idx="0">
+                <a:schemeClr val="accent1"/>
+              </a:effectRef>
+              <a:fontRef idx="minor">
+                <a:schemeClr val="lt1"/>
+              </a:fontRef>
+            </p:style>
+            <p:txBody>
+              <a:bodyPr lIns="72000" tIns="0" rIns="72000" bIns="0" rtlCol="0" anchor="ctr"/>
+              <a:lstStyle/>
+              <a:p>
+                <a:pPr algn="ctr">
+                  <a:lnSpc>
+                    <a:spcPct val="93000"/>
+                  </a:lnSpc>
+                  <a:spcBef>
+                    <a:spcPts val="300"/>
+                  </a:spcBef>
+                </a:pPr>
+                <a:endParaRPr kumimoji="1" lang="ja-JP" altLang="en-US" sz="1300" b="0" dirty="0">
+                  <a:solidFill>
+                    <a:schemeClr val="tx1"/>
+                  </a:solidFill>
+                  <a:cs typeface="Arial" pitchFamily="34" charset="0"/>
+                </a:endParaRPr>
+              </a:p>
+            </p:txBody>
+          </p:sp>
+        </p:grpSp>
         <p:sp>
           <p:nvSpPr>
-            <p:cNvPr id="3" name="正方形/長方形 2">
+            <p:cNvPr id="11" name="右矢印 10">
               <a:extLst>
                 <a:ext uri="{FF2B5EF4-FFF2-40B4-BE49-F238E27FC236}">
-                  <a16:creationId xmlns:a16="http://schemas.microsoft.com/office/drawing/2014/main" id="{5174A99C-8635-1745-BE02-2A93E386228B}"/>
+                  <a16:creationId xmlns:a16="http://schemas.microsoft.com/office/drawing/2014/main" id="{2DE0ACCA-9EB6-6947-9D8A-56E05ACD2CD5}"/>
                 </a:ext>
               </a:extLst>
             </p:cNvPr>
@@ -5640,650 +6215,10 @@
           </p:nvSpPr>
           <p:spPr>
             <a:xfrm>
-              <a:off x="738000" y="3356992"/>
-              <a:ext cx="470584" cy="1872208"/>
+              <a:off x="4457732" y="3291243"/>
+              <a:ext cx="648072" cy="720080"/>
             </a:xfrm>
-            <a:prstGeom prst="rect">
-              <a:avLst/>
-            </a:prstGeom>
-            <a:solidFill>
-              <a:schemeClr val="accent2"/>
-            </a:solidFill>
-            <a:ln w="9525" cmpd="sng">
-              <a:solidFill>
-                <a:schemeClr val="accent3"/>
-              </a:solidFill>
-            </a:ln>
-            <a:effectLst/>
-          </p:spPr>
-          <p:style>
-            <a:lnRef idx="2">
-              <a:schemeClr val="accent1">
-                <a:shade val="50000"/>
-              </a:schemeClr>
-            </a:lnRef>
-            <a:fillRef idx="1">
-              <a:schemeClr val="accent1"/>
-            </a:fillRef>
-            <a:effectRef idx="0">
-              <a:schemeClr val="accent1"/>
-            </a:effectRef>
-            <a:fontRef idx="minor">
-              <a:schemeClr val="lt1"/>
-            </a:fontRef>
-          </p:style>
-          <p:txBody>
-            <a:bodyPr lIns="72000" tIns="0" rIns="72000" bIns="0" rtlCol="0" anchor="ctr"/>
-            <a:lstStyle/>
-            <a:p>
-              <a:pPr algn="ctr">
-                <a:lnSpc>
-                  <a:spcPct val="93000"/>
-                </a:lnSpc>
-                <a:spcBef>
-                  <a:spcPts val="300"/>
-                </a:spcBef>
-              </a:pPr>
-              <a:endParaRPr kumimoji="1" lang="ja-JP" altLang="en-US" sz="1300" b="0" dirty="0">
-                <a:solidFill>
-                  <a:schemeClr val="tx1"/>
-                </a:solidFill>
-                <a:cs typeface="Arial" pitchFamily="34" charset="0"/>
-              </a:endParaRPr>
-            </a:p>
-          </p:txBody>
-        </p:sp>
-        <p:sp>
-          <p:nvSpPr>
-            <p:cNvPr id="12" name="正方形/長方形 11">
-              <a:extLst>
-                <a:ext uri="{FF2B5EF4-FFF2-40B4-BE49-F238E27FC236}">
-                  <a16:creationId xmlns:a16="http://schemas.microsoft.com/office/drawing/2014/main" id="{BD636604-4167-A64D-885D-F89EEAFE8856}"/>
-                </a:ext>
-              </a:extLst>
-            </p:cNvPr>
-            <p:cNvSpPr/>
-            <p:nvPr/>
-          </p:nvSpPr>
-          <p:spPr>
-            <a:xfrm>
-              <a:off x="1363006" y="3645024"/>
-              <a:ext cx="401108" cy="1296144"/>
-            </a:xfrm>
-            <a:prstGeom prst="rect">
-              <a:avLst/>
-            </a:prstGeom>
-            <a:solidFill>
-              <a:schemeClr val="accent2"/>
-            </a:solidFill>
-            <a:ln w="9525" cmpd="sng">
-              <a:solidFill>
-                <a:schemeClr val="accent3"/>
-              </a:solidFill>
-            </a:ln>
-            <a:effectLst/>
-          </p:spPr>
-          <p:style>
-            <a:lnRef idx="2">
-              <a:schemeClr val="accent1">
-                <a:shade val="50000"/>
-              </a:schemeClr>
-            </a:lnRef>
-            <a:fillRef idx="1">
-              <a:schemeClr val="accent1"/>
-            </a:fillRef>
-            <a:effectRef idx="0">
-              <a:schemeClr val="accent1"/>
-            </a:effectRef>
-            <a:fontRef idx="minor">
-              <a:schemeClr val="lt1"/>
-            </a:fontRef>
-          </p:style>
-          <p:txBody>
-            <a:bodyPr lIns="72000" tIns="0" rIns="72000" bIns="0" rtlCol="0" anchor="ctr"/>
-            <a:lstStyle/>
-            <a:p>
-              <a:pPr algn="ctr">
-                <a:lnSpc>
-                  <a:spcPct val="93000"/>
-                </a:lnSpc>
-                <a:spcBef>
-                  <a:spcPts val="300"/>
-                </a:spcBef>
-              </a:pPr>
-              <a:endParaRPr kumimoji="1" lang="ja-JP" altLang="en-US" sz="1300" b="0" dirty="0">
-                <a:solidFill>
-                  <a:schemeClr val="tx1"/>
-                </a:solidFill>
-                <a:cs typeface="Arial" pitchFamily="34" charset="0"/>
-              </a:endParaRPr>
-            </a:p>
-          </p:txBody>
-        </p:sp>
-        <p:sp>
-          <p:nvSpPr>
-            <p:cNvPr id="13" name="正方形/長方形 12">
-              <a:extLst>
-                <a:ext uri="{FF2B5EF4-FFF2-40B4-BE49-F238E27FC236}">
-                  <a16:creationId xmlns:a16="http://schemas.microsoft.com/office/drawing/2014/main" id="{1512DB55-7D6E-1D4A-A77A-D5E477EE9E71}"/>
-                </a:ext>
-              </a:extLst>
-            </p:cNvPr>
-            <p:cNvSpPr/>
-            <p:nvPr/>
-          </p:nvSpPr>
-          <p:spPr>
-            <a:xfrm>
-              <a:off x="1921240" y="3789040"/>
-              <a:ext cx="432048" cy="1080120"/>
-            </a:xfrm>
-            <a:prstGeom prst="rect">
-              <a:avLst/>
-            </a:prstGeom>
-            <a:solidFill>
-              <a:schemeClr val="accent2"/>
-            </a:solidFill>
-            <a:ln w="9525" cmpd="sng">
-              <a:solidFill>
-                <a:schemeClr val="accent3"/>
-              </a:solidFill>
-            </a:ln>
-            <a:effectLst/>
-          </p:spPr>
-          <p:style>
-            <a:lnRef idx="2">
-              <a:schemeClr val="accent1">
-                <a:shade val="50000"/>
-              </a:schemeClr>
-            </a:lnRef>
-            <a:fillRef idx="1">
-              <a:schemeClr val="accent1"/>
-            </a:fillRef>
-            <a:effectRef idx="0">
-              <a:schemeClr val="accent1"/>
-            </a:effectRef>
-            <a:fontRef idx="minor">
-              <a:schemeClr val="lt1"/>
-            </a:fontRef>
-          </p:style>
-          <p:txBody>
-            <a:bodyPr lIns="72000" tIns="0" rIns="72000" bIns="0" rtlCol="0" anchor="ctr"/>
-            <a:lstStyle/>
-            <a:p>
-              <a:pPr algn="ctr">
-                <a:lnSpc>
-                  <a:spcPct val="93000"/>
-                </a:lnSpc>
-                <a:spcBef>
-                  <a:spcPts val="300"/>
-                </a:spcBef>
-              </a:pPr>
-              <a:endParaRPr kumimoji="1" lang="ja-JP" altLang="en-US" sz="1300" b="0" dirty="0">
-                <a:solidFill>
-                  <a:schemeClr val="tx1"/>
-                </a:solidFill>
-                <a:cs typeface="Arial" pitchFamily="34" charset="0"/>
-              </a:endParaRPr>
-            </a:p>
-          </p:txBody>
-        </p:sp>
-        <p:sp>
-          <p:nvSpPr>
-            <p:cNvPr id="14" name="正方形/長方形 13">
-              <a:extLst>
-                <a:ext uri="{FF2B5EF4-FFF2-40B4-BE49-F238E27FC236}">
-                  <a16:creationId xmlns:a16="http://schemas.microsoft.com/office/drawing/2014/main" id="{F84F6116-6408-3346-8AD7-10551D24A6CF}"/>
-                </a:ext>
-              </a:extLst>
-            </p:cNvPr>
-            <p:cNvSpPr/>
-            <p:nvPr/>
-          </p:nvSpPr>
-          <p:spPr>
-            <a:xfrm>
-              <a:off x="2527109" y="3933056"/>
-              <a:ext cx="470584" cy="720080"/>
-            </a:xfrm>
-            <a:prstGeom prst="rect">
-              <a:avLst/>
-            </a:prstGeom>
-            <a:solidFill>
-              <a:schemeClr val="accent2"/>
-            </a:solidFill>
-            <a:ln w="9525" cmpd="sng">
-              <a:solidFill>
-                <a:schemeClr val="accent3"/>
-              </a:solidFill>
-            </a:ln>
-            <a:effectLst/>
-          </p:spPr>
-          <p:style>
-            <a:lnRef idx="2">
-              <a:schemeClr val="accent1">
-                <a:shade val="50000"/>
-              </a:schemeClr>
-            </a:lnRef>
-            <a:fillRef idx="1">
-              <a:schemeClr val="accent1"/>
-            </a:fillRef>
-            <a:effectRef idx="0">
-              <a:schemeClr val="accent1"/>
-            </a:effectRef>
-            <a:fontRef idx="minor">
-              <a:schemeClr val="lt1"/>
-            </a:fontRef>
-          </p:style>
-          <p:txBody>
-            <a:bodyPr lIns="72000" tIns="0" rIns="72000" bIns="0" rtlCol="0" anchor="ctr"/>
-            <a:lstStyle/>
-            <a:p>
-              <a:pPr algn="ctr">
-                <a:lnSpc>
-                  <a:spcPct val="93000"/>
-                </a:lnSpc>
-                <a:spcBef>
-                  <a:spcPts val="300"/>
-                </a:spcBef>
-              </a:pPr>
-              <a:endParaRPr kumimoji="1" lang="ja-JP" altLang="en-US" sz="1300" b="0" dirty="0">
-                <a:solidFill>
-                  <a:schemeClr val="tx1"/>
-                </a:solidFill>
-                <a:cs typeface="Arial" pitchFamily="34" charset="0"/>
-              </a:endParaRPr>
-            </a:p>
-          </p:txBody>
-        </p:sp>
-        <p:sp>
-          <p:nvSpPr>
-            <p:cNvPr id="15" name="正方形/長方形 14">
-              <a:extLst>
-                <a:ext uri="{FF2B5EF4-FFF2-40B4-BE49-F238E27FC236}">
-                  <a16:creationId xmlns:a16="http://schemas.microsoft.com/office/drawing/2014/main" id="{C588896E-5A17-024E-9F64-7F31E5814144}"/>
-                </a:ext>
-              </a:extLst>
-            </p:cNvPr>
-            <p:cNvSpPr/>
-            <p:nvPr/>
-          </p:nvSpPr>
-          <p:spPr>
-            <a:xfrm>
-              <a:off x="3171514" y="4077072"/>
-              <a:ext cx="576064" cy="432048"/>
-            </a:xfrm>
-            <a:prstGeom prst="rect">
-              <a:avLst/>
-            </a:prstGeom>
-            <a:solidFill>
-              <a:schemeClr val="accent2"/>
-            </a:solidFill>
-            <a:ln w="9525" cmpd="sng">
-              <a:solidFill>
-                <a:schemeClr val="accent3"/>
-              </a:solidFill>
-            </a:ln>
-            <a:effectLst/>
-          </p:spPr>
-          <p:style>
-            <a:lnRef idx="2">
-              <a:schemeClr val="accent1">
-                <a:shade val="50000"/>
-              </a:schemeClr>
-            </a:lnRef>
-            <a:fillRef idx="1">
-              <a:schemeClr val="accent1"/>
-            </a:fillRef>
-            <a:effectRef idx="0">
-              <a:schemeClr val="accent1"/>
-            </a:effectRef>
-            <a:fontRef idx="minor">
-              <a:schemeClr val="lt1"/>
-            </a:fontRef>
-          </p:style>
-          <p:txBody>
-            <a:bodyPr lIns="72000" tIns="0" rIns="72000" bIns="0" rtlCol="0" anchor="ctr"/>
-            <a:lstStyle/>
-            <a:p>
-              <a:pPr algn="ctr">
-                <a:lnSpc>
-                  <a:spcPct val="93000"/>
-                </a:lnSpc>
-                <a:spcBef>
-                  <a:spcPts val="300"/>
-                </a:spcBef>
-              </a:pPr>
-              <a:endParaRPr kumimoji="1" lang="ja-JP" altLang="en-US" sz="1300" b="0" dirty="0">
-                <a:solidFill>
-                  <a:schemeClr val="tx1"/>
-                </a:solidFill>
-                <a:cs typeface="Arial" pitchFamily="34" charset="0"/>
-              </a:endParaRPr>
-            </a:p>
-          </p:txBody>
-        </p:sp>
-      </p:grpSp>
-      <p:grpSp>
-        <p:nvGrpSpPr>
-          <p:cNvPr id="18" name="グループ化 17">
-            <a:extLst>
-              <a:ext uri="{FF2B5EF4-FFF2-40B4-BE49-F238E27FC236}">
-                <a16:creationId xmlns:a16="http://schemas.microsoft.com/office/drawing/2014/main" id="{618512EC-ECA2-5F46-BAA2-FBE41FFFBD5C}"/>
-              </a:ext>
-            </a:extLst>
-          </p:cNvPr>
-          <p:cNvGrpSpPr/>
-          <p:nvPr/>
-        </p:nvGrpSpPr>
-        <p:grpSpPr>
-          <a:xfrm>
-            <a:off x="6177136" y="5312271"/>
-            <a:ext cx="1826379" cy="1397078"/>
-            <a:chOff x="738000" y="3356992"/>
-            <a:chExt cx="2037298" cy="1872208"/>
-          </a:xfrm>
-          <a:solidFill>
-            <a:schemeClr val="tx2"/>
-          </a:solidFill>
-        </p:grpSpPr>
-        <p:sp>
-          <p:nvSpPr>
-            <p:cNvPr id="19" name="正方形/長方形 18">
-              <a:extLst>
-                <a:ext uri="{FF2B5EF4-FFF2-40B4-BE49-F238E27FC236}">
-                  <a16:creationId xmlns:a16="http://schemas.microsoft.com/office/drawing/2014/main" id="{74CDD907-173F-4B4A-9874-0C57CA3AAFA2}"/>
-                </a:ext>
-              </a:extLst>
-            </p:cNvPr>
-            <p:cNvSpPr/>
-            <p:nvPr/>
-          </p:nvSpPr>
-          <p:spPr>
-            <a:xfrm>
-              <a:off x="738000" y="3356992"/>
-              <a:ext cx="470584" cy="1872208"/>
-            </a:xfrm>
-            <a:prstGeom prst="rect">
-              <a:avLst/>
-            </a:prstGeom>
-            <a:grpFill/>
-            <a:ln w="9525" cmpd="sng">
-              <a:solidFill>
-                <a:schemeClr val="accent3"/>
-              </a:solidFill>
-            </a:ln>
-            <a:effectLst/>
-          </p:spPr>
-          <p:style>
-            <a:lnRef idx="2">
-              <a:schemeClr val="accent1">
-                <a:shade val="50000"/>
-              </a:schemeClr>
-            </a:lnRef>
-            <a:fillRef idx="1">
-              <a:schemeClr val="accent1"/>
-            </a:fillRef>
-            <a:effectRef idx="0">
-              <a:schemeClr val="accent1"/>
-            </a:effectRef>
-            <a:fontRef idx="minor">
-              <a:schemeClr val="lt1"/>
-            </a:fontRef>
-          </p:style>
-          <p:txBody>
-            <a:bodyPr lIns="72000" tIns="0" rIns="72000" bIns="0" rtlCol="0" anchor="ctr"/>
-            <a:lstStyle/>
-            <a:p>
-              <a:pPr algn="ctr">
-                <a:lnSpc>
-                  <a:spcPct val="93000"/>
-                </a:lnSpc>
-                <a:spcBef>
-                  <a:spcPts val="300"/>
-                </a:spcBef>
-              </a:pPr>
-              <a:endParaRPr kumimoji="1" lang="ja-JP" altLang="en-US" sz="1300" b="0" dirty="0">
-                <a:solidFill>
-                  <a:schemeClr val="tx1"/>
-                </a:solidFill>
-                <a:cs typeface="Arial" pitchFamily="34" charset="0"/>
-              </a:endParaRPr>
-            </a:p>
-          </p:txBody>
-        </p:sp>
-        <p:sp>
-          <p:nvSpPr>
-            <p:cNvPr id="21" name="正方形/長方形 20">
-              <a:extLst>
-                <a:ext uri="{FF2B5EF4-FFF2-40B4-BE49-F238E27FC236}">
-                  <a16:creationId xmlns:a16="http://schemas.microsoft.com/office/drawing/2014/main" id="{7276A4FE-BE03-394A-B3B4-F875B2AC4CCF}"/>
-                </a:ext>
-              </a:extLst>
-            </p:cNvPr>
-            <p:cNvSpPr/>
-            <p:nvPr/>
-          </p:nvSpPr>
-          <p:spPr>
-            <a:xfrm>
-              <a:off x="1487885" y="3789040"/>
-              <a:ext cx="432048" cy="1080120"/>
-            </a:xfrm>
-            <a:prstGeom prst="rect">
-              <a:avLst/>
-            </a:prstGeom>
-            <a:grpFill/>
-            <a:ln w="9525" cmpd="sng">
-              <a:solidFill>
-                <a:schemeClr val="accent3"/>
-              </a:solidFill>
-            </a:ln>
-            <a:effectLst/>
-          </p:spPr>
-          <p:style>
-            <a:lnRef idx="2">
-              <a:schemeClr val="accent1">
-                <a:shade val="50000"/>
-              </a:schemeClr>
-            </a:lnRef>
-            <a:fillRef idx="1">
-              <a:schemeClr val="accent1"/>
-            </a:fillRef>
-            <a:effectRef idx="0">
-              <a:schemeClr val="accent1"/>
-            </a:effectRef>
-            <a:fontRef idx="minor">
-              <a:schemeClr val="lt1"/>
-            </a:fontRef>
-          </p:style>
-          <p:txBody>
-            <a:bodyPr lIns="72000" tIns="0" rIns="72000" bIns="0" rtlCol="0" anchor="ctr"/>
-            <a:lstStyle/>
-            <a:p>
-              <a:pPr algn="ctr">
-                <a:lnSpc>
-                  <a:spcPct val="93000"/>
-                </a:lnSpc>
-                <a:spcBef>
-                  <a:spcPts val="300"/>
-                </a:spcBef>
-              </a:pPr>
-              <a:endParaRPr kumimoji="1" lang="ja-JP" altLang="en-US" sz="1300" b="0" dirty="0">
-                <a:solidFill>
-                  <a:schemeClr val="tx1"/>
-                </a:solidFill>
-                <a:cs typeface="Arial" pitchFamily="34" charset="0"/>
-              </a:endParaRPr>
-            </a:p>
-          </p:txBody>
-        </p:sp>
-        <p:sp>
-          <p:nvSpPr>
-            <p:cNvPr id="23" name="正方形/長方形 22">
-              <a:extLst>
-                <a:ext uri="{FF2B5EF4-FFF2-40B4-BE49-F238E27FC236}">
-                  <a16:creationId xmlns:a16="http://schemas.microsoft.com/office/drawing/2014/main" id="{581E1A38-2BB6-CA46-B5C2-3A544F9078CA}"/>
-                </a:ext>
-              </a:extLst>
-            </p:cNvPr>
-            <p:cNvSpPr/>
-            <p:nvPr/>
-          </p:nvSpPr>
-          <p:spPr>
-            <a:xfrm>
-              <a:off x="2199234" y="4077072"/>
-              <a:ext cx="576064" cy="432048"/>
-            </a:xfrm>
-            <a:prstGeom prst="rect">
-              <a:avLst/>
-            </a:prstGeom>
-            <a:grpFill/>
-            <a:ln w="9525" cmpd="sng">
-              <a:solidFill>
-                <a:schemeClr val="accent3"/>
-              </a:solidFill>
-            </a:ln>
-            <a:effectLst/>
-          </p:spPr>
-          <p:style>
-            <a:lnRef idx="2">
-              <a:schemeClr val="accent1">
-                <a:shade val="50000"/>
-              </a:schemeClr>
-            </a:lnRef>
-            <a:fillRef idx="1">
-              <a:schemeClr val="accent1"/>
-            </a:fillRef>
-            <a:effectRef idx="0">
-              <a:schemeClr val="accent1"/>
-            </a:effectRef>
-            <a:fontRef idx="minor">
-              <a:schemeClr val="lt1"/>
-            </a:fontRef>
-          </p:style>
-          <p:txBody>
-            <a:bodyPr lIns="72000" tIns="0" rIns="72000" bIns="0" rtlCol="0" anchor="ctr"/>
-            <a:lstStyle/>
-            <a:p>
-              <a:pPr algn="ctr">
-                <a:lnSpc>
-                  <a:spcPct val="93000"/>
-                </a:lnSpc>
-                <a:spcBef>
-                  <a:spcPts val="300"/>
-                </a:spcBef>
-              </a:pPr>
-              <a:endParaRPr kumimoji="1" lang="ja-JP" altLang="en-US" sz="1300" b="0" dirty="0">
-                <a:solidFill>
-                  <a:schemeClr val="tx1"/>
-                </a:solidFill>
-                <a:cs typeface="Arial" pitchFamily="34" charset="0"/>
-              </a:endParaRPr>
-            </a:p>
-          </p:txBody>
-        </p:sp>
-      </p:grpSp>
-      <p:sp>
-        <p:nvSpPr>
-          <p:cNvPr id="11" name="右矢印 10">
-            <a:extLst>
-              <a:ext uri="{FF2B5EF4-FFF2-40B4-BE49-F238E27FC236}">
-                <a16:creationId xmlns:a16="http://schemas.microsoft.com/office/drawing/2014/main" id="{2DE0ACCA-9EB6-6947-9D8A-56E05ACD2CD5}"/>
-              </a:ext>
-            </a:extLst>
-          </p:cNvPr>
-          <p:cNvSpPr/>
-          <p:nvPr/>
-        </p:nvSpPr>
-        <p:spPr>
-          <a:xfrm>
-            <a:off x="4457732" y="3291243"/>
-            <a:ext cx="648072" cy="720080"/>
-          </a:xfrm>
-          <a:prstGeom prst="rightArrow">
-            <a:avLst/>
-          </a:prstGeom>
-          <a:noFill/>
-          <a:ln w="9525" cmpd="sng">
-            <a:solidFill>
-              <a:schemeClr val="accent3"/>
-            </a:solidFill>
-          </a:ln>
-          <a:effectLst/>
-        </p:spPr>
-        <p:style>
-          <a:lnRef idx="2">
-            <a:schemeClr val="accent1">
-              <a:shade val="50000"/>
-            </a:schemeClr>
-          </a:lnRef>
-          <a:fillRef idx="1">
-            <a:schemeClr val="accent1"/>
-          </a:fillRef>
-          <a:effectRef idx="0">
-            <a:schemeClr val="accent1"/>
-          </a:effectRef>
-          <a:fontRef idx="minor">
-            <a:schemeClr val="lt1"/>
-          </a:fontRef>
-        </p:style>
-        <p:txBody>
-          <a:bodyPr lIns="72000" tIns="0" rIns="72000" bIns="0" rtlCol="0" anchor="ctr"/>
-          <a:lstStyle/>
-          <a:p>
-            <a:pPr algn="ctr">
-              <a:lnSpc>
-                <a:spcPct val="93000"/>
-              </a:lnSpc>
-              <a:spcBef>
-                <a:spcPts val="300"/>
-              </a:spcBef>
-            </a:pPr>
-            <a:endParaRPr kumimoji="1" lang="ja-JP" altLang="en-US" sz="1300" b="0" dirty="0">
-              <a:solidFill>
-                <a:schemeClr val="tx1"/>
-              </a:solidFill>
-              <a:cs typeface="Arial" pitchFamily="34" charset="0"/>
-            </a:endParaRPr>
-          </a:p>
-        </p:txBody>
-      </p:sp>
-      <p:grpSp>
-        <p:nvGrpSpPr>
-          <p:cNvPr id="25" name="グループ化 24">
-            <a:extLst>
-              <a:ext uri="{FF2B5EF4-FFF2-40B4-BE49-F238E27FC236}">
-                <a16:creationId xmlns:a16="http://schemas.microsoft.com/office/drawing/2014/main" id="{37E6B54F-1DA5-4440-94D2-95E84707A4F1}"/>
-              </a:ext>
-            </a:extLst>
-          </p:cNvPr>
-          <p:cNvGrpSpPr/>
-          <p:nvPr/>
-        </p:nvGrpSpPr>
-        <p:grpSpPr>
-          <a:xfrm>
-            <a:off x="5506017" y="3025224"/>
-            <a:ext cx="2448272" cy="1377759"/>
-            <a:chOff x="6249144" y="2852936"/>
-            <a:chExt cx="2448272" cy="1377759"/>
-          </a:xfrm>
-        </p:grpSpPr>
-        <p:sp>
-          <p:nvSpPr>
-            <p:cNvPr id="17" name="正方形/長方形 16">
-              <a:extLst>
-                <a:ext uri="{FF2B5EF4-FFF2-40B4-BE49-F238E27FC236}">
-                  <a16:creationId xmlns:a16="http://schemas.microsoft.com/office/drawing/2014/main" id="{3A61AB98-5B0E-B64B-90BC-DC5CDE7C0696}"/>
-                </a:ext>
-              </a:extLst>
-            </p:cNvPr>
-            <p:cNvSpPr/>
-            <p:nvPr/>
-          </p:nvSpPr>
-          <p:spPr>
-            <a:xfrm>
-              <a:off x="6249144" y="2852936"/>
-              <a:ext cx="2448272" cy="1377759"/>
-            </a:xfrm>
-            <a:prstGeom prst="rect">
+            <a:prstGeom prst="rightArrow">
               <a:avLst/>
             </a:prstGeom>
             <a:noFill/>
@@ -6331,61 +6266,147 @@
             </a:p>
           </p:txBody>
         </p:sp>
-        <p:sp>
-          <p:nvSpPr>
-            <p:cNvPr id="24" name="テキスト ボックス 23">
+        <p:grpSp>
+          <p:nvGrpSpPr>
+            <p:cNvPr id="25" name="グループ化 24">
               <a:extLst>
                 <a:ext uri="{FF2B5EF4-FFF2-40B4-BE49-F238E27FC236}">
-                  <a16:creationId xmlns:a16="http://schemas.microsoft.com/office/drawing/2014/main" id="{54DAD67F-9B27-DD4B-9745-136A7251B50B}"/>
+                  <a16:creationId xmlns:a16="http://schemas.microsoft.com/office/drawing/2014/main" id="{37E6B54F-1DA5-4440-94D2-95E84707A4F1}"/>
                 </a:ext>
               </a:extLst>
             </p:cNvPr>
-            <p:cNvSpPr txBox="1"/>
+            <p:cNvGrpSpPr/>
             <p:nvPr/>
-          </p:nvSpPr>
-          <p:spPr>
+          </p:nvGrpSpPr>
+          <p:grpSpPr>
             <a:xfrm>
-              <a:off x="6837689" y="3414318"/>
-              <a:ext cx="1368965" cy="286232"/>
+              <a:off x="5506017" y="3025224"/>
+              <a:ext cx="2448272" cy="1377759"/>
+              <a:chOff x="6249144" y="2852936"/>
+              <a:chExt cx="2448272" cy="1377759"/>
             </a:xfrm>
-            <a:prstGeom prst="rect">
-              <a:avLst/>
-            </a:prstGeom>
-          </p:spPr>
-          <p:txBody>
-            <a:bodyPr wrap="none" lIns="0" tIns="0" rIns="0" bIns="0" rtlCol="0">
-              <a:spAutoFit/>
-            </a:bodyPr>
-            <a:lstStyle/>
-            <a:p>
-              <a:pPr>
-                <a:lnSpc>
-                  <a:spcPct val="93000"/>
-                </a:lnSpc>
-                <a:spcBef>
-                  <a:spcPts val="0"/>
-                </a:spcBef>
-              </a:pPr>
-              <a:r>
-                <a:rPr kumimoji="1" lang="en-US" altLang="ja-JP" sz="2000" dirty="0">
+          </p:grpSpPr>
+          <p:sp>
+            <p:nvSpPr>
+              <p:cNvPr id="17" name="正方形/長方形 16">
+                <a:extLst>
+                  <a:ext uri="{FF2B5EF4-FFF2-40B4-BE49-F238E27FC236}">
+                    <a16:creationId xmlns:a16="http://schemas.microsoft.com/office/drawing/2014/main" id="{3A61AB98-5B0E-B64B-90BC-DC5CDE7C0696}"/>
+                  </a:ext>
+                </a:extLst>
+              </p:cNvPr>
+              <p:cNvSpPr/>
+              <p:nvPr/>
+            </p:nvSpPr>
+            <p:spPr>
+              <a:xfrm>
+                <a:off x="6249144" y="2852936"/>
+                <a:ext cx="2448272" cy="1377759"/>
+              </a:xfrm>
+              <a:prstGeom prst="rect">
+                <a:avLst/>
+              </a:prstGeom>
+              <a:noFill/>
+              <a:ln w="9525" cmpd="sng">
+                <a:solidFill>
+                  <a:schemeClr val="accent3"/>
+                </a:solidFill>
+              </a:ln>
+              <a:effectLst/>
+            </p:spPr>
+            <p:style>
+              <a:lnRef idx="2">
+                <a:schemeClr val="accent1">
+                  <a:shade val="50000"/>
+                </a:schemeClr>
+              </a:lnRef>
+              <a:fillRef idx="1">
+                <a:schemeClr val="accent1"/>
+              </a:fillRef>
+              <a:effectRef idx="0">
+                <a:schemeClr val="accent1"/>
+              </a:effectRef>
+              <a:fontRef idx="minor">
+                <a:schemeClr val="lt1"/>
+              </a:fontRef>
+            </p:style>
+            <p:txBody>
+              <a:bodyPr lIns="72000" tIns="0" rIns="72000" bIns="0" rtlCol="0" anchor="ctr"/>
+              <a:lstStyle/>
+              <a:p>
+                <a:pPr algn="ctr">
+                  <a:lnSpc>
+                    <a:spcPct val="93000"/>
+                  </a:lnSpc>
+                  <a:spcBef>
+                    <a:spcPts val="300"/>
+                  </a:spcBef>
+                </a:pPr>
+                <a:endParaRPr kumimoji="1" lang="ja-JP" altLang="en-US" sz="1300" b="0" dirty="0">
+                  <a:solidFill>
+                    <a:schemeClr val="tx1"/>
+                  </a:solidFill>
+                  <a:cs typeface="Arial" pitchFamily="34" charset="0"/>
+                </a:endParaRPr>
+              </a:p>
+            </p:txBody>
+          </p:sp>
+          <p:sp>
+            <p:nvSpPr>
+              <p:cNvPr id="24" name="テキスト ボックス 23">
+                <a:extLst>
+                  <a:ext uri="{FF2B5EF4-FFF2-40B4-BE49-F238E27FC236}">
+                    <a16:creationId xmlns:a16="http://schemas.microsoft.com/office/drawing/2014/main" id="{54DAD67F-9B27-DD4B-9745-136A7251B50B}"/>
+                  </a:ext>
+                </a:extLst>
+              </p:cNvPr>
+              <p:cNvSpPr txBox="1"/>
+              <p:nvPr/>
+            </p:nvSpPr>
+            <p:spPr>
+              <a:xfrm>
+                <a:off x="6837689" y="3414318"/>
+                <a:ext cx="1368965" cy="286232"/>
+              </a:xfrm>
+              <a:prstGeom prst="rect">
+                <a:avLst/>
+              </a:prstGeom>
+            </p:spPr>
+            <p:txBody>
+              <a:bodyPr wrap="none" lIns="0" tIns="0" rIns="0" bIns="0" rtlCol="0">
+                <a:spAutoFit/>
+              </a:bodyPr>
+              <a:lstStyle/>
+              <a:p>
+                <a:pPr>
+                  <a:lnSpc>
+                    <a:spcPct val="93000"/>
+                  </a:lnSpc>
+                  <a:spcBef>
+                    <a:spcPts val="0"/>
+                  </a:spcBef>
+                </a:pPr>
+                <a:r>
+                  <a:rPr kumimoji="1" lang="en-US" altLang="ja-JP" sz="2000" dirty="0">
+                    <a:solidFill>
+                      <a:schemeClr val="tx2"/>
+                    </a:solidFill>
+                    <a:latin typeface="+mn-lt"/>
+                    <a:cs typeface="Arial" pitchFamily="34" charset="0"/>
+                  </a:rPr>
+                  <a:t>Knowledge</a:t>
+                </a:r>
+                <a:endParaRPr kumimoji="1" lang="ja-JP" altLang="en-US" sz="2000" dirty="0">
                   <a:solidFill>
                     <a:schemeClr val="tx2"/>
                   </a:solidFill>
                   <a:latin typeface="+mn-lt"/>
                   <a:cs typeface="Arial" pitchFamily="34" charset="0"/>
-                </a:rPr>
-                <a:t>Knowledge</a:t>
-              </a:r>
-              <a:endParaRPr kumimoji="1" lang="ja-JP" altLang="en-US" sz="2000" dirty="0">
-                <a:solidFill>
-                  <a:schemeClr val="tx2"/>
-                </a:solidFill>
-                <a:latin typeface="+mn-lt"/>
-                <a:cs typeface="Arial" pitchFamily="34" charset="0"/>
-              </a:endParaRPr>
-            </a:p>
-          </p:txBody>
-        </p:sp>
+                </a:endParaRPr>
+              </a:p>
+            </p:txBody>
+          </p:sp>
+        </p:grpSp>
       </p:grpSp>
       <p:sp>
         <p:nvSpPr>
@@ -6401,7 +6422,7 @@
         </p:nvSpPr>
         <p:spPr>
           <a:xfrm>
-            <a:off x="6441214" y="4611176"/>
+            <a:off x="6433799" y="4249604"/>
             <a:ext cx="577877" cy="515119"/>
           </a:xfrm>
           <a:prstGeom prst="downArrow">
@@ -6999,14 +7020,14 @@
         </p:nvSpPr>
         <p:spPr bwMode="auto">
           <a:xfrm>
-            <a:off x="1568624" y="5880894"/>
-            <a:ext cx="6714629" cy="582612"/>
+            <a:off x="1352600" y="5877272"/>
+            <a:ext cx="7200800" cy="788466"/>
           </a:xfrm>
           <a:prstGeom prst="rect">
             <a:avLst/>
           </a:prstGeom>
           <a:solidFill>
-            <a:schemeClr val="accent4"/>
+            <a:schemeClr val="bg2"/>
           </a:solidFill>
           <a:ln w="9525" cmpd="sng">
             <a:noFill/>
@@ -7075,7 +7096,7 @@
               <a:buSzPct val="100000"/>
             </a:pPr>
             <a:r>
-              <a:rPr kumimoji="1" lang="ja-JP" altLang="en-US" sz="1500" b="0" dirty="0">
+              <a:rPr kumimoji="1" lang="ja-JP" altLang="en-US" sz="1600" b="0" dirty="0">
                 <a:solidFill>
                   <a:srgbClr val="FF0000"/>
                 </a:solidFill>
